--- a/Javas设计模式-吉立建/Java设计模式-ppt/01-设计模式概述.pptx
+++ b/Javas设计模式-吉立建/Java设计模式-ppt/01-设计模式概述.pptx
@@ -300,7 +300,7 @@
               <a:pPr>
                 <a:defRPr/>
               </a:pPr>
-              <a:t>2018/3/15</a:t>
+              <a:t>2021/9/30</a:t>
             </a:fld>
             <a:endParaRPr lang="zh-CN" altLang="en-US"/>
           </a:p>
@@ -336,7 +336,7 @@
           <a:lstStyle/>
           <a:p>
             <a:pPr lvl="0"/>
-            <a:endParaRPr lang="zh-CN" altLang="en-US" noProof="0" smtClean="0"/>
+            <a:endParaRPr lang="zh-CN" altLang="en-US" noProof="0"/>
           </a:p>
         </p:txBody>
       </p:sp>
@@ -367,35 +367,35 @@
           <a:p>
             <a:pPr lvl="0"/>
             <a:r>
-              <a:rPr lang="zh-CN" altLang="en-US" noProof="0" smtClean="0"/>
+              <a:rPr lang="zh-CN" altLang="en-US" noProof="0"/>
               <a:t>单击此处编辑母版文本样式</a:t>
             </a:r>
           </a:p>
           <a:p>
             <a:pPr lvl="1"/>
             <a:r>
-              <a:rPr lang="zh-CN" altLang="en-US" noProof="0" smtClean="0"/>
+              <a:rPr lang="zh-CN" altLang="en-US" noProof="0"/>
               <a:t>第二级</a:t>
             </a:r>
           </a:p>
           <a:p>
             <a:pPr lvl="2"/>
             <a:r>
-              <a:rPr lang="zh-CN" altLang="en-US" noProof="0" smtClean="0"/>
+              <a:rPr lang="zh-CN" altLang="en-US" noProof="0"/>
               <a:t>第三级</a:t>
             </a:r>
           </a:p>
           <a:p>
             <a:pPr lvl="3"/>
             <a:r>
-              <a:rPr lang="zh-CN" altLang="en-US" noProof="0" smtClean="0"/>
+              <a:rPr lang="zh-CN" altLang="en-US" noProof="0"/>
               <a:t>第四级</a:t>
             </a:r>
           </a:p>
           <a:p>
             <a:pPr lvl="4"/>
             <a:r>
-              <a:rPr lang="zh-CN" altLang="en-US" noProof="0" smtClean="0"/>
+              <a:rPr lang="zh-CN" altLang="en-US" noProof="0"/>
               <a:t>第五级</a:t>
             </a:r>
           </a:p>
@@ -880,13 +880,6 @@
   <p:clrMapOvr>
     <a:masterClrMapping/>
   </p:clrMapOvr>
-  <p:timing>
-    <p:tnLst>
-      <p:par>
-        <p:cTn id="1" dur="indefinite" restart="never" nodeType="tmRoot"/>
-      </p:par>
-    </p:tnLst>
-  </p:timing>
 </p:sldLayout>
 </file>
 
@@ -923,10 +916,9 @@
           <a:lstStyle/>
           <a:p>
             <a:r>
-              <a:rPr lang="zh-CN" altLang="en-US" smtClean="0"/>
+              <a:rPr lang="zh-CN" altLang="en-US"/>
               <a:t>单击此处编辑母版标题样式</a:t>
             </a:r>
-            <a:endParaRPr lang="zh-CN" altLang="en-US"/>
           </a:p>
         </p:txBody>
       </p:sp>
@@ -947,38 +939,37 @@
           <a:p>
             <a:pPr lvl="0"/>
             <a:r>
-              <a:rPr lang="zh-CN" altLang="en-US" smtClean="0"/>
+              <a:rPr lang="zh-CN" altLang="en-US"/>
               <a:t>单击此处编辑母版文本样式</a:t>
             </a:r>
           </a:p>
           <a:p>
             <a:pPr lvl="1"/>
             <a:r>
-              <a:rPr lang="zh-CN" altLang="en-US" smtClean="0"/>
+              <a:rPr lang="zh-CN" altLang="en-US"/>
               <a:t>第二级</a:t>
             </a:r>
           </a:p>
           <a:p>
             <a:pPr lvl="2"/>
             <a:r>
-              <a:rPr lang="zh-CN" altLang="en-US" smtClean="0"/>
+              <a:rPr lang="zh-CN" altLang="en-US"/>
               <a:t>第三级</a:t>
             </a:r>
           </a:p>
           <a:p>
             <a:pPr lvl="3"/>
             <a:r>
-              <a:rPr lang="zh-CN" altLang="en-US" smtClean="0"/>
+              <a:rPr lang="zh-CN" altLang="en-US"/>
               <a:t>第四级</a:t>
             </a:r>
           </a:p>
           <a:p>
             <a:pPr lvl="4"/>
             <a:r>
-              <a:rPr lang="zh-CN" altLang="en-US" smtClean="0"/>
+              <a:rPr lang="zh-CN" altLang="en-US"/>
               <a:t>第五级</a:t>
             </a:r>
-            <a:endParaRPr lang="zh-CN" altLang="en-US"/>
           </a:p>
         </p:txBody>
       </p:sp>
@@ -1119,10 +1110,9 @@
           <a:lstStyle/>
           <a:p>
             <a:r>
-              <a:rPr lang="zh-CN" altLang="en-US" smtClean="0"/>
+              <a:rPr lang="zh-CN" altLang="en-US"/>
               <a:t>单击此处编辑母版标题样式</a:t>
             </a:r>
-            <a:endParaRPr lang="zh-CN" altLang="en-US"/>
           </a:p>
         </p:txBody>
       </p:sp>
@@ -1148,38 +1138,37 @@
           <a:p>
             <a:pPr lvl="0"/>
             <a:r>
-              <a:rPr lang="zh-CN" altLang="en-US" smtClean="0"/>
+              <a:rPr lang="zh-CN" altLang="en-US"/>
               <a:t>单击此处编辑母版文本样式</a:t>
             </a:r>
           </a:p>
           <a:p>
             <a:pPr lvl="1"/>
             <a:r>
-              <a:rPr lang="zh-CN" altLang="en-US" smtClean="0"/>
+              <a:rPr lang="zh-CN" altLang="en-US"/>
               <a:t>第二级</a:t>
             </a:r>
           </a:p>
           <a:p>
             <a:pPr lvl="2"/>
             <a:r>
-              <a:rPr lang="zh-CN" altLang="en-US" smtClean="0"/>
+              <a:rPr lang="zh-CN" altLang="en-US"/>
               <a:t>第三级</a:t>
             </a:r>
           </a:p>
           <a:p>
             <a:pPr lvl="3"/>
             <a:r>
-              <a:rPr lang="zh-CN" altLang="en-US" smtClean="0"/>
+              <a:rPr lang="zh-CN" altLang="en-US"/>
               <a:t>第四级</a:t>
             </a:r>
           </a:p>
           <a:p>
             <a:pPr lvl="4"/>
             <a:r>
-              <a:rPr lang="zh-CN" altLang="en-US" smtClean="0"/>
+              <a:rPr lang="zh-CN" altLang="en-US"/>
               <a:t>第五级</a:t>
             </a:r>
-            <a:endParaRPr lang="zh-CN" altLang="en-US"/>
           </a:p>
         </p:txBody>
       </p:sp>
@@ -1320,10 +1309,9 @@
           <a:lstStyle/>
           <a:p>
             <a:r>
-              <a:rPr lang="zh-CN" altLang="en-US" smtClean="0"/>
+              <a:rPr lang="zh-CN" altLang="en-US"/>
               <a:t>单击此处编辑母版标题样式</a:t>
             </a:r>
-            <a:endParaRPr lang="zh-CN" altLang="en-US"/>
           </a:p>
         </p:txBody>
       </p:sp>
@@ -1349,38 +1337,37 @@
           <a:p>
             <a:pPr lvl="0"/>
             <a:r>
-              <a:rPr lang="zh-CN" altLang="en-US" smtClean="0"/>
+              <a:rPr lang="zh-CN" altLang="en-US"/>
               <a:t>单击此处编辑母版文本样式</a:t>
             </a:r>
           </a:p>
           <a:p>
             <a:pPr lvl="1"/>
             <a:r>
-              <a:rPr lang="zh-CN" altLang="en-US" smtClean="0"/>
+              <a:rPr lang="zh-CN" altLang="en-US"/>
               <a:t>第二级</a:t>
             </a:r>
           </a:p>
           <a:p>
             <a:pPr lvl="2"/>
             <a:r>
-              <a:rPr lang="zh-CN" altLang="en-US" smtClean="0"/>
+              <a:rPr lang="zh-CN" altLang="en-US"/>
               <a:t>第三级</a:t>
             </a:r>
           </a:p>
           <a:p>
             <a:pPr lvl="3"/>
             <a:r>
-              <a:rPr lang="zh-CN" altLang="en-US" smtClean="0"/>
+              <a:rPr lang="zh-CN" altLang="en-US"/>
               <a:t>第四级</a:t>
             </a:r>
           </a:p>
           <a:p>
             <a:pPr lvl="4"/>
             <a:r>
-              <a:rPr lang="zh-CN" altLang="en-US" smtClean="0"/>
+              <a:rPr lang="zh-CN" altLang="en-US"/>
               <a:t>第五级</a:t>
             </a:r>
-            <a:endParaRPr lang="zh-CN" altLang="en-US"/>
           </a:p>
         </p:txBody>
       </p:sp>
@@ -1406,38 +1393,37 @@
           <a:p>
             <a:pPr lvl="0"/>
             <a:r>
-              <a:rPr lang="zh-CN" altLang="en-US" smtClean="0"/>
+              <a:rPr lang="zh-CN" altLang="en-US"/>
               <a:t>单击此处编辑母版文本样式</a:t>
             </a:r>
           </a:p>
           <a:p>
             <a:pPr lvl="1"/>
             <a:r>
-              <a:rPr lang="zh-CN" altLang="en-US" smtClean="0"/>
+              <a:rPr lang="zh-CN" altLang="en-US"/>
               <a:t>第二级</a:t>
             </a:r>
           </a:p>
           <a:p>
             <a:pPr lvl="2"/>
             <a:r>
-              <a:rPr lang="zh-CN" altLang="en-US" smtClean="0"/>
+              <a:rPr lang="zh-CN" altLang="en-US"/>
               <a:t>第三级</a:t>
             </a:r>
           </a:p>
           <a:p>
             <a:pPr lvl="3"/>
             <a:r>
-              <a:rPr lang="zh-CN" altLang="en-US" smtClean="0"/>
+              <a:rPr lang="zh-CN" altLang="en-US"/>
               <a:t>第四级</a:t>
             </a:r>
           </a:p>
           <a:p>
             <a:pPr lvl="4"/>
             <a:r>
-              <a:rPr lang="zh-CN" altLang="en-US" smtClean="0"/>
+              <a:rPr lang="zh-CN" altLang="en-US"/>
               <a:t>第五级</a:t>
             </a:r>
-            <a:endParaRPr lang="zh-CN" altLang="en-US"/>
           </a:p>
         </p:txBody>
       </p:sp>
@@ -1578,10 +1564,9 @@
           <a:lstStyle/>
           <a:p>
             <a:r>
-              <a:rPr lang="zh-CN" altLang="en-US" smtClean="0"/>
+              <a:rPr lang="zh-CN" altLang="en-US"/>
               <a:t>单击此处编辑母版标题样式</a:t>
             </a:r>
-            <a:endParaRPr lang="zh-CN" altLang="en-US"/>
           </a:p>
         </p:txBody>
       </p:sp>
@@ -1606,7 +1591,7 @@
           <a:lstStyle/>
           <a:p>
             <a:pPr lvl="0"/>
-            <a:endParaRPr lang="zh-CN" altLang="en-US" noProof="0" smtClean="0"/>
+            <a:endParaRPr lang="zh-CN" altLang="en-US" noProof="0"/>
           </a:p>
         </p:txBody>
       </p:sp>
@@ -1747,10 +1732,9 @@
           <a:lstStyle/>
           <a:p>
             <a:r>
-              <a:rPr lang="zh-CN" altLang="en-US" smtClean="0"/>
+              <a:rPr lang="zh-CN" altLang="en-US"/>
               <a:t>单击此处编辑母版标题样式</a:t>
             </a:r>
-            <a:endParaRPr lang="zh-CN" altLang="en-US"/>
           </a:p>
         </p:txBody>
       </p:sp>
@@ -1771,38 +1755,37 @@
           <a:p>
             <a:pPr lvl="0"/>
             <a:r>
-              <a:rPr lang="zh-CN" altLang="en-US" smtClean="0"/>
+              <a:rPr lang="zh-CN" altLang="en-US"/>
               <a:t>单击此处编辑母版文本样式</a:t>
             </a:r>
           </a:p>
           <a:p>
             <a:pPr lvl="1"/>
             <a:r>
-              <a:rPr lang="zh-CN" altLang="en-US" smtClean="0"/>
+              <a:rPr lang="zh-CN" altLang="en-US"/>
               <a:t>第二级</a:t>
             </a:r>
           </a:p>
           <a:p>
             <a:pPr lvl="2"/>
             <a:r>
-              <a:rPr lang="zh-CN" altLang="en-US" smtClean="0"/>
+              <a:rPr lang="zh-CN" altLang="en-US"/>
               <a:t>第三级</a:t>
             </a:r>
           </a:p>
           <a:p>
             <a:pPr lvl="3"/>
             <a:r>
-              <a:rPr lang="zh-CN" altLang="en-US" smtClean="0"/>
+              <a:rPr lang="zh-CN" altLang="en-US"/>
               <a:t>第四级</a:t>
             </a:r>
           </a:p>
           <a:p>
             <a:pPr lvl="4"/>
             <a:r>
-              <a:rPr lang="zh-CN" altLang="en-US" smtClean="0"/>
+              <a:rPr lang="zh-CN" altLang="en-US"/>
               <a:t>第五级</a:t>
             </a:r>
-            <a:endParaRPr lang="zh-CN" altLang="en-US"/>
           </a:p>
         </p:txBody>
       </p:sp>
@@ -1902,13 +1885,6 @@
   <p:clrMapOvr>
     <a:masterClrMapping/>
   </p:clrMapOvr>
-  <p:timing>
-    <p:tnLst>
-      <p:par>
-        <p:cTn id="1" dur="indefinite" restart="never" nodeType="tmRoot"/>
-      </p:par>
-    </p:tnLst>
-  </p:timing>
 </p:sldLayout>
 </file>
 
@@ -1954,10 +1930,9 @@
           </a:lstStyle>
           <a:p>
             <a:r>
-              <a:rPr lang="zh-CN" altLang="en-US" smtClean="0"/>
+              <a:rPr lang="zh-CN" altLang="en-US"/>
               <a:t>单击此处编辑母版标题样式</a:t>
             </a:r>
-            <a:endParaRPr lang="zh-CN" altLang="en-US"/>
           </a:p>
         </p:txBody>
       </p:sp>
@@ -2020,7 +1995,7 @@
           <a:p>
             <a:pPr lvl="0"/>
             <a:r>
-              <a:rPr lang="zh-CN" altLang="en-US" smtClean="0"/>
+              <a:rPr lang="zh-CN" altLang="en-US"/>
               <a:t>单击此处编辑母版文本样式</a:t>
             </a:r>
           </a:p>
@@ -2158,10 +2133,9 @@
           <a:lstStyle/>
           <a:p>
             <a:r>
-              <a:rPr lang="zh-CN" altLang="en-US" smtClean="0"/>
+              <a:rPr lang="zh-CN" altLang="en-US"/>
               <a:t>单击此处编辑母版标题样式</a:t>
             </a:r>
-            <a:endParaRPr lang="zh-CN" altLang="en-US"/>
           </a:p>
         </p:txBody>
       </p:sp>
@@ -2215,38 +2189,37 @@
           <a:p>
             <a:pPr lvl="0"/>
             <a:r>
-              <a:rPr lang="zh-CN" altLang="en-US" smtClean="0"/>
+              <a:rPr lang="zh-CN" altLang="en-US"/>
               <a:t>单击此处编辑母版文本样式</a:t>
             </a:r>
           </a:p>
           <a:p>
             <a:pPr lvl="1"/>
             <a:r>
-              <a:rPr lang="zh-CN" altLang="en-US" smtClean="0"/>
+              <a:rPr lang="zh-CN" altLang="en-US"/>
               <a:t>第二级</a:t>
             </a:r>
           </a:p>
           <a:p>
             <a:pPr lvl="2"/>
             <a:r>
-              <a:rPr lang="zh-CN" altLang="en-US" smtClean="0"/>
+              <a:rPr lang="zh-CN" altLang="en-US"/>
               <a:t>第三级</a:t>
             </a:r>
           </a:p>
           <a:p>
             <a:pPr lvl="3"/>
             <a:r>
-              <a:rPr lang="zh-CN" altLang="en-US" smtClean="0"/>
+              <a:rPr lang="zh-CN" altLang="en-US"/>
               <a:t>第四级</a:t>
             </a:r>
           </a:p>
           <a:p>
             <a:pPr lvl="4"/>
             <a:r>
-              <a:rPr lang="zh-CN" altLang="en-US" smtClean="0"/>
+              <a:rPr lang="zh-CN" altLang="en-US"/>
               <a:t>第五级</a:t>
             </a:r>
-            <a:endParaRPr lang="zh-CN" altLang="en-US"/>
           </a:p>
         </p:txBody>
       </p:sp>
@@ -2300,38 +2273,37 @@
           <a:p>
             <a:pPr lvl="0"/>
             <a:r>
-              <a:rPr lang="zh-CN" altLang="en-US" smtClean="0"/>
+              <a:rPr lang="zh-CN" altLang="en-US"/>
               <a:t>单击此处编辑母版文本样式</a:t>
             </a:r>
           </a:p>
           <a:p>
             <a:pPr lvl="1"/>
             <a:r>
-              <a:rPr lang="zh-CN" altLang="en-US" smtClean="0"/>
+              <a:rPr lang="zh-CN" altLang="en-US"/>
               <a:t>第二级</a:t>
             </a:r>
           </a:p>
           <a:p>
             <a:pPr lvl="2"/>
             <a:r>
-              <a:rPr lang="zh-CN" altLang="en-US" smtClean="0"/>
+              <a:rPr lang="zh-CN" altLang="en-US"/>
               <a:t>第三级</a:t>
             </a:r>
           </a:p>
           <a:p>
             <a:pPr lvl="3"/>
             <a:r>
-              <a:rPr lang="zh-CN" altLang="en-US" smtClean="0"/>
+              <a:rPr lang="zh-CN" altLang="en-US"/>
               <a:t>第四级</a:t>
             </a:r>
           </a:p>
           <a:p>
             <a:pPr lvl="4"/>
             <a:r>
-              <a:rPr lang="zh-CN" altLang="en-US" smtClean="0"/>
+              <a:rPr lang="zh-CN" altLang="en-US"/>
               <a:t>第五级</a:t>
             </a:r>
-            <a:endParaRPr lang="zh-CN" altLang="en-US"/>
           </a:p>
         </p:txBody>
       </p:sp>
@@ -2476,10 +2448,9 @@
           </a:lstStyle>
           <a:p>
             <a:r>
-              <a:rPr lang="zh-CN" altLang="en-US" smtClean="0"/>
+              <a:rPr lang="zh-CN" altLang="en-US"/>
               <a:t>单击此处编辑母版标题样式</a:t>
             </a:r>
-            <a:endParaRPr lang="zh-CN" altLang="en-US"/>
           </a:p>
         </p:txBody>
       </p:sp>
@@ -2542,7 +2513,7 @@
           <a:p>
             <a:pPr lvl="0"/>
             <a:r>
-              <a:rPr lang="zh-CN" altLang="en-US" smtClean="0"/>
+              <a:rPr lang="zh-CN" altLang="en-US"/>
               <a:t>单击此处编辑母版文本样式</a:t>
             </a:r>
           </a:p>
@@ -2598,38 +2569,37 @@
           <a:p>
             <a:pPr lvl="0"/>
             <a:r>
-              <a:rPr lang="zh-CN" altLang="en-US" smtClean="0"/>
+              <a:rPr lang="zh-CN" altLang="en-US"/>
               <a:t>单击此处编辑母版文本样式</a:t>
             </a:r>
           </a:p>
           <a:p>
             <a:pPr lvl="1"/>
             <a:r>
-              <a:rPr lang="zh-CN" altLang="en-US" smtClean="0"/>
+              <a:rPr lang="zh-CN" altLang="en-US"/>
               <a:t>第二级</a:t>
             </a:r>
           </a:p>
           <a:p>
             <a:pPr lvl="2"/>
             <a:r>
-              <a:rPr lang="zh-CN" altLang="en-US" smtClean="0"/>
+              <a:rPr lang="zh-CN" altLang="en-US"/>
               <a:t>第三级</a:t>
             </a:r>
           </a:p>
           <a:p>
             <a:pPr lvl="3"/>
             <a:r>
-              <a:rPr lang="zh-CN" altLang="en-US" smtClean="0"/>
+              <a:rPr lang="zh-CN" altLang="en-US"/>
               <a:t>第四级</a:t>
             </a:r>
           </a:p>
           <a:p>
             <a:pPr lvl="4"/>
             <a:r>
-              <a:rPr lang="zh-CN" altLang="en-US" smtClean="0"/>
+              <a:rPr lang="zh-CN" altLang="en-US"/>
               <a:t>第五级</a:t>
             </a:r>
-            <a:endParaRPr lang="zh-CN" altLang="en-US"/>
           </a:p>
         </p:txBody>
       </p:sp>
@@ -2692,7 +2662,7 @@
           <a:p>
             <a:pPr lvl="0"/>
             <a:r>
-              <a:rPr lang="zh-CN" altLang="en-US" smtClean="0"/>
+              <a:rPr lang="zh-CN" altLang="en-US"/>
               <a:t>单击此处编辑母版文本样式</a:t>
             </a:r>
           </a:p>
@@ -2748,38 +2718,37 @@
           <a:p>
             <a:pPr lvl="0"/>
             <a:r>
-              <a:rPr lang="zh-CN" altLang="en-US" smtClean="0"/>
+              <a:rPr lang="zh-CN" altLang="en-US"/>
               <a:t>单击此处编辑母版文本样式</a:t>
             </a:r>
           </a:p>
           <a:p>
             <a:pPr lvl="1"/>
             <a:r>
-              <a:rPr lang="zh-CN" altLang="en-US" smtClean="0"/>
+              <a:rPr lang="zh-CN" altLang="en-US"/>
               <a:t>第二级</a:t>
             </a:r>
           </a:p>
           <a:p>
             <a:pPr lvl="2"/>
             <a:r>
-              <a:rPr lang="zh-CN" altLang="en-US" smtClean="0"/>
+              <a:rPr lang="zh-CN" altLang="en-US"/>
               <a:t>第三级</a:t>
             </a:r>
           </a:p>
           <a:p>
             <a:pPr lvl="3"/>
             <a:r>
-              <a:rPr lang="zh-CN" altLang="en-US" smtClean="0"/>
+              <a:rPr lang="zh-CN" altLang="en-US"/>
               <a:t>第四级</a:t>
             </a:r>
           </a:p>
           <a:p>
             <a:pPr lvl="4"/>
             <a:r>
-              <a:rPr lang="zh-CN" altLang="en-US" smtClean="0"/>
+              <a:rPr lang="zh-CN" altLang="en-US"/>
               <a:t>第五级</a:t>
             </a:r>
-            <a:endParaRPr lang="zh-CN" altLang="en-US"/>
           </a:p>
         </p:txBody>
       </p:sp>
@@ -2915,10 +2884,9 @@
           <a:lstStyle/>
           <a:p>
             <a:r>
-              <a:rPr lang="zh-CN" altLang="en-US" smtClean="0"/>
+              <a:rPr lang="zh-CN" altLang="en-US"/>
               <a:t>单击此处编辑母版标题样式</a:t>
             </a:r>
-            <a:endParaRPr lang="zh-CN" altLang="en-US"/>
           </a:p>
         </p:txBody>
       </p:sp>
@@ -3179,10 +3147,9 @@
           </a:lstStyle>
           <a:p>
             <a:r>
-              <a:rPr lang="zh-CN" altLang="en-US" smtClean="0"/>
+              <a:rPr lang="zh-CN" altLang="en-US"/>
               <a:t>单击此处编辑母版标题样式</a:t>
             </a:r>
-            <a:endParaRPr lang="zh-CN" altLang="en-US"/>
           </a:p>
         </p:txBody>
       </p:sp>
@@ -3236,38 +3203,37 @@
           <a:p>
             <a:pPr lvl="0"/>
             <a:r>
-              <a:rPr lang="zh-CN" altLang="en-US" smtClean="0"/>
+              <a:rPr lang="zh-CN" altLang="en-US"/>
               <a:t>单击此处编辑母版文本样式</a:t>
             </a:r>
           </a:p>
           <a:p>
             <a:pPr lvl="1"/>
             <a:r>
-              <a:rPr lang="zh-CN" altLang="en-US" smtClean="0"/>
+              <a:rPr lang="zh-CN" altLang="en-US"/>
               <a:t>第二级</a:t>
             </a:r>
           </a:p>
           <a:p>
             <a:pPr lvl="2"/>
             <a:r>
-              <a:rPr lang="zh-CN" altLang="en-US" smtClean="0"/>
+              <a:rPr lang="zh-CN" altLang="en-US"/>
               <a:t>第三级</a:t>
             </a:r>
           </a:p>
           <a:p>
             <a:pPr lvl="3"/>
             <a:r>
-              <a:rPr lang="zh-CN" altLang="en-US" smtClean="0"/>
+              <a:rPr lang="zh-CN" altLang="en-US"/>
               <a:t>第四级</a:t>
             </a:r>
           </a:p>
           <a:p>
             <a:pPr lvl="4"/>
             <a:r>
-              <a:rPr lang="zh-CN" altLang="en-US" smtClean="0"/>
+              <a:rPr lang="zh-CN" altLang="en-US"/>
               <a:t>第五级</a:t>
             </a:r>
-            <a:endParaRPr lang="zh-CN" altLang="en-US"/>
           </a:p>
         </p:txBody>
       </p:sp>
@@ -3330,7 +3296,7 @@
           <a:p>
             <a:pPr lvl="0"/>
             <a:r>
-              <a:rPr lang="zh-CN" altLang="en-US" smtClean="0"/>
+              <a:rPr lang="zh-CN" altLang="en-US"/>
               <a:t>单击此处编辑母版文本样式</a:t>
             </a:r>
           </a:p>
@@ -3477,10 +3443,9 @@
           </a:lstStyle>
           <a:p>
             <a:r>
-              <a:rPr lang="zh-CN" altLang="en-US" smtClean="0"/>
+              <a:rPr lang="zh-CN" altLang="en-US"/>
               <a:t>单击此处编辑母版标题样式</a:t>
             </a:r>
-            <a:endParaRPr lang="zh-CN" altLang="en-US"/>
           </a:p>
         </p:txBody>
       </p:sp>
@@ -3542,7 +3507,7 @@
           </a:lstStyle>
           <a:p>
             <a:pPr lvl="0"/>
-            <a:endParaRPr lang="zh-CN" altLang="en-US" noProof="0" smtClean="0"/>
+            <a:endParaRPr lang="zh-CN" altLang="en-US" noProof="0"/>
           </a:p>
         </p:txBody>
       </p:sp>
@@ -3605,7 +3570,7 @@
           <a:p>
             <a:pPr lvl="0"/>
             <a:r>
-              <a:rPr lang="zh-CN" altLang="en-US" smtClean="0"/>
+              <a:rPr lang="zh-CN" altLang="en-US"/>
               <a:t>单击此处编辑母版文本样式</a:t>
             </a:r>
           </a:p>
@@ -3791,7 +3756,7 @@
           <a:p>
             <a:pPr lvl="0"/>
             <a:r>
-              <a:rPr lang="zh-CN" altLang="en-US" smtClean="0"/>
+              <a:rPr lang="zh-CN" altLang="en-US"/>
               <a:t>标题标题标题</a:t>
             </a:r>
           </a:p>
@@ -3849,25 +3814,25 @@
           <a:p>
             <a:pPr lvl="0"/>
             <a:r>
-              <a:rPr lang="en-US" altLang="zh-CN" smtClean="0"/>
+              <a:rPr lang="en-US" altLang="zh-CN"/>
               <a:t> </a:t>
             </a:r>
             <a:r>
-              <a:rPr lang="zh-CN" altLang="en-US" smtClean="0"/>
+              <a:rPr lang="zh-CN" altLang="en-US"/>
               <a:t>第一级</a:t>
             </a:r>
           </a:p>
           <a:p>
             <a:pPr lvl="1"/>
             <a:r>
-              <a:rPr lang="zh-CN" altLang="en-US" smtClean="0"/>
+              <a:rPr lang="zh-CN" altLang="en-US"/>
               <a:t> 第二级</a:t>
             </a:r>
           </a:p>
           <a:p>
             <a:pPr lvl="2"/>
             <a:r>
-              <a:rPr lang="zh-CN" altLang="en-US" smtClean="0"/>
+              <a:rPr lang="zh-CN" altLang="en-US"/>
               <a:t> 第三级</a:t>
             </a:r>
           </a:p>
@@ -4184,13 +4149,6 @@
     <p:sldLayoutId id="2147483906" r:id="rId12"/>
     <p:sldLayoutId id="2147483908" r:id="rId13"/>
   </p:sldLayoutIdLst>
-  <p:timing>
-    <p:tnLst>
-      <p:par>
-        <p:cTn id="1" dur="indefinite" restart="never" nodeType="tmRoot"/>
-      </p:par>
-    </p:tnLst>
-  </p:timing>
   <p:txStyles>
     <p:titleStyle>
       <a:lvl1pPr algn="l" rtl="0" eaLnBrk="0" fontAlgn="base" hangingPunct="0">
@@ -4638,7 +4596,7 @@
               <a:defRPr/>
             </a:pPr>
             <a:r>
-              <a:rPr lang="en-US" altLang="zh-CN" b="1" dirty="0" smtClean="0">
+              <a:rPr lang="en-US" altLang="zh-CN" b="1" dirty="0">
                 <a:solidFill>
                   <a:srgbClr val="FF6600"/>
                 </a:solidFill>
@@ -4646,11 +4604,11 @@
               <a:t>D</a:t>
             </a:r>
             <a:r>
-              <a:rPr lang="en-US" altLang="zh-CN" b="1" dirty="0" smtClean="0"/>
+              <a:rPr lang="en-US" altLang="zh-CN" b="1" dirty="0"/>
               <a:t>esign </a:t>
             </a:r>
             <a:r>
-              <a:rPr lang="en-US" altLang="zh-CN" b="1" dirty="0" smtClean="0">
+              <a:rPr lang="en-US" altLang="zh-CN" b="1" dirty="0">
                 <a:solidFill>
                   <a:srgbClr val="FF6600"/>
                 </a:solidFill>
@@ -4658,10 +4616,10 @@
               <a:t>P</a:t>
             </a:r>
             <a:r>
-              <a:rPr lang="en-US" altLang="zh-CN" b="1" dirty="0" smtClean="0"/>
+              <a:rPr lang="en-US" altLang="zh-CN" b="1" dirty="0"/>
               <a:t>atterns</a:t>
             </a:r>
-            <a:endParaRPr lang="zh-CN" altLang="en-US" b="1" dirty="0" smtClean="0">
+            <a:endParaRPr lang="zh-CN" altLang="en-US" b="1" dirty="0">
               <a:effectLst>
                 <a:outerShdw blurRad="38100" dist="38100" dir="2700000" algn="tl">
                   <a:srgbClr val="C0C0C0"/>
@@ -4695,7 +4653,7 @@
               <a:defRPr/>
             </a:pPr>
             <a:r>
-              <a:rPr lang="zh-CN" altLang="en-US" sz="4800" b="1" dirty="0" smtClean="0"/>
+              <a:rPr lang="zh-CN" altLang="en-US" sz="4800" b="1" dirty="0"/>
               <a:t>设计模式概述</a:t>
             </a:r>
           </a:p>
@@ -4960,13 +4918,6 @@
   <p:clrMapOvr>
     <a:masterClrMapping/>
   </p:clrMapOvr>
-  <p:timing>
-    <p:tnLst>
-      <p:par>
-        <p:cTn id="1" dur="indefinite" restart="never" nodeType="tmRoot"/>
-      </p:par>
-    </p:tnLst>
-  </p:timing>
 </p:sld>
 </file>
 
@@ -5009,7 +4960,7 @@
           <a:p>
             <a:pPr eaLnBrk="1" hangingPunct="1"/>
             <a:r>
-              <a:rPr lang="zh-CN" altLang="en-US" smtClean="0"/>
+              <a:rPr lang="zh-CN" altLang="en-US"/>
               <a:t>引言</a:t>
             </a:r>
           </a:p>
@@ -5037,18 +4988,18 @@
           <a:p>
             <a:pPr eaLnBrk="1" hangingPunct="1"/>
             <a:r>
-              <a:rPr lang="zh-CN" altLang="en-US" smtClean="0"/>
+              <a:rPr lang="zh-CN" altLang="en-US" dirty="0"/>
               <a:t>重用第三方算法库时面临的问题</a:t>
             </a:r>
-            <a:endParaRPr lang="en-US" altLang="zh-CN" smtClean="0"/>
+            <a:endParaRPr lang="en-US" altLang="zh-CN" dirty="0"/>
           </a:p>
           <a:p>
             <a:pPr lvl="1"/>
             <a:r>
-              <a:rPr kumimoji="1" lang="zh-CN" altLang="en-US" smtClean="0"/>
+              <a:rPr kumimoji="1" lang="zh-CN" altLang="en-US" dirty="0"/>
               <a:t>实例说明</a:t>
             </a:r>
-            <a:endParaRPr kumimoji="1" lang="en-US" altLang="zh-CN" smtClean="0"/>
+            <a:endParaRPr kumimoji="1" lang="en-US" altLang="zh-CN" dirty="0"/>
           </a:p>
           <a:p>
             <a:pPr lvl="2">
@@ -5056,13 +5007,13 @@
               <a:buChar char="•"/>
             </a:pPr>
             <a:r>
-              <a:rPr kumimoji="1" lang="zh-CN" altLang="en-US" sz="2400" smtClean="0">
+              <a:rPr kumimoji="1" lang="zh-CN" altLang="en-US" sz="2400" dirty="0">
                 <a:ea typeface="黑体" panose="02010609060101010101" pitchFamily="49" charset="-122"/>
               </a:rPr>
               <a:t>某软件公司在开发一个银行业务处理系统时需要对其中的机密数据进行加密处理，通过分析发现，用于加密的程序已经存在于一个第三方算法库中，但是</a:t>
             </a:r>
             <a:r>
-              <a:rPr kumimoji="1" lang="zh-CN" altLang="en-US" sz="2400" smtClean="0">
+              <a:rPr kumimoji="1" lang="zh-CN" altLang="en-US" sz="2400" dirty="0">
                 <a:solidFill>
                   <a:srgbClr val="FF3300"/>
                 </a:solidFill>
@@ -5071,19 +5022,19 @@
               <a:t>没有该算法库的源代码</a:t>
             </a:r>
             <a:r>
-              <a:rPr kumimoji="1" lang="zh-CN" altLang="en-US" sz="2400" smtClean="0">
+              <a:rPr kumimoji="1" lang="zh-CN" altLang="en-US" sz="2400" dirty="0">
                 <a:ea typeface="黑体" panose="02010609060101010101" pitchFamily="49" charset="-122"/>
               </a:rPr>
               <a:t>。在系统初始设计阶段，已定义数据操作接口</a:t>
             </a:r>
             <a:r>
-              <a:rPr kumimoji="1" lang="en-US" altLang="zh-CN" sz="2400" smtClean="0">
+              <a:rPr kumimoji="1" lang="en-US" altLang="zh-CN" sz="2400" dirty="0" err="1">
                 <a:ea typeface="黑体" panose="02010609060101010101" pitchFamily="49" charset="-122"/>
               </a:rPr>
               <a:t>DataOperation</a:t>
             </a:r>
             <a:r>
-              <a:rPr kumimoji="1" lang="zh-CN" altLang="en-US" sz="2400" smtClean="0">
+              <a:rPr kumimoji="1" lang="zh-CN" altLang="en-US" sz="2400" dirty="0">
                 <a:ea typeface="黑体" panose="02010609060101010101" pitchFamily="49" charset="-122"/>
               </a:rPr>
               <a:t>，且该接口已被很多同事使用，对该接口的修改势必导致大量代码需要产生改动。</a:t>
@@ -5101,13 +5052,6 @@
   <p:clrMapOvr>
     <a:masterClrMapping/>
   </p:clrMapOvr>
-  <p:timing>
-    <p:tnLst>
-      <p:par>
-        <p:cTn id="1" dur="indefinite" restart="never" nodeType="tmRoot"/>
-      </p:par>
-    </p:tnLst>
-  </p:timing>
 </p:sld>
 </file>
 
@@ -5150,7 +5094,7 @@
           <a:p>
             <a:pPr eaLnBrk="1" hangingPunct="1"/>
             <a:r>
-              <a:rPr lang="zh-CN" altLang="en-US" smtClean="0"/>
+              <a:rPr lang="zh-CN" altLang="en-US"/>
               <a:t>引言</a:t>
             </a:r>
           </a:p>
@@ -5178,17 +5122,17 @@
           <a:p>
             <a:pPr eaLnBrk="1" hangingPunct="1"/>
             <a:r>
-              <a:rPr lang="zh-CN" altLang="en-US" smtClean="0"/>
+              <a:rPr lang="zh-CN" altLang="en-US" dirty="0"/>
               <a:t>重用第三方算法库时面临的问题</a:t>
             </a:r>
           </a:p>
           <a:p>
             <a:pPr lvl="1"/>
             <a:r>
-              <a:rPr kumimoji="1" lang="zh-CN" altLang="en-US" smtClean="0"/>
+              <a:rPr kumimoji="1" lang="zh-CN" altLang="en-US" dirty="0"/>
               <a:t>问题</a:t>
             </a:r>
-            <a:endParaRPr kumimoji="1" lang="en-US" altLang="zh-CN" smtClean="0"/>
+            <a:endParaRPr kumimoji="1" lang="en-US" altLang="zh-CN" dirty="0"/>
           </a:p>
           <a:p>
             <a:pPr lvl="2">
@@ -5196,13 +5140,13 @@
               <a:buChar char="•"/>
             </a:pPr>
             <a:r>
-              <a:rPr kumimoji="1" lang="zh-CN" altLang="en-US" sz="2400" smtClean="0">
+              <a:rPr kumimoji="1" lang="zh-CN" altLang="en-US" sz="2400" dirty="0">
                 <a:ea typeface="黑体" panose="02010609060101010101" pitchFamily="49" charset="-122"/>
               </a:rPr>
               <a:t>如何在</a:t>
             </a:r>
             <a:r>
-              <a:rPr lang="zh-CN" altLang="en-US" sz="2400" smtClean="0">
+              <a:rPr lang="zh-CN" altLang="en-US" sz="2400" dirty="0">
                 <a:solidFill>
                   <a:srgbClr val="FF3300"/>
                 </a:solidFill>
@@ -5211,13 +5155,13 @@
               <a:t>既不修改现有接口</a:t>
             </a:r>
             <a:r>
-              <a:rPr lang="zh-CN" altLang="en-US" sz="2400" smtClean="0">
+              <a:rPr lang="zh-CN" altLang="en-US" sz="2400" dirty="0">
                 <a:ea typeface="黑体" panose="02010609060101010101" pitchFamily="49" charset="-122"/>
               </a:rPr>
               <a:t>又</a:t>
             </a:r>
             <a:r>
-              <a:rPr lang="zh-CN" altLang="en-US" sz="2400" smtClean="0">
+              <a:rPr lang="zh-CN" altLang="en-US" sz="2400" dirty="0">
                 <a:solidFill>
                   <a:srgbClr val="FF3300"/>
                 </a:solidFill>
@@ -5226,12 +5170,12 @@
               <a:t>不需要算法库源代码</a:t>
             </a:r>
             <a:r>
-              <a:rPr lang="zh-CN" altLang="en-US" sz="2400" smtClean="0">
+              <a:rPr lang="zh-CN" altLang="en-US" sz="2400" dirty="0">
                 <a:ea typeface="黑体" panose="02010609060101010101" pitchFamily="49" charset="-122"/>
               </a:rPr>
               <a:t>的基础上能够实现第三方算法库的重用是该软件公司开发人员必须面对的问题。</a:t>
             </a:r>
-            <a:endParaRPr kumimoji="1" lang="zh-CN" altLang="en-US" sz="2400" smtClean="0">
+            <a:endParaRPr kumimoji="1" lang="zh-CN" altLang="en-US" sz="2400" dirty="0">
               <a:ea typeface="黑体" panose="02010609060101010101" pitchFamily="49" charset="-122"/>
             </a:endParaRPr>
           </a:p>
@@ -5461,22 +5405,28 @@
           <p:cNvGraphicFramePr>
             <a:graphicFrameLocks noChangeAspect="1"/>
           </p:cNvGraphicFramePr>
-          <p:nvPr/>
+          <p:nvPr>
+            <p:extLst>
+              <p:ext uri="{D42A27DB-BD31-4B8C-83A1-F6EECF244321}">
+                <p14:modId xmlns:p14="http://schemas.microsoft.com/office/powerpoint/2010/main" val="210868800"/>
+              </p:ext>
+            </p:extLst>
+          </p:nvPr>
         </p:nvGraphicFramePr>
         <p:xfrm>
-          <a:off x="38100" y="2362200"/>
+          <a:off x="358588" y="4495800"/>
           <a:ext cx="9029700" cy="3886200"/>
         </p:xfrm>
         <a:graphic>
           <a:graphicData uri="http://schemas.openxmlformats.org/presentationml/2006/ole">
             <mc:AlternateContent xmlns:mc="http://schemas.openxmlformats.org/markup-compatibility/2006">
               <mc:Choice xmlns:v="urn:schemas-microsoft-com:vml" Requires="v">
-                <p:oleObj spid="_x0000_s3117" name="Visio" r:id="rId3" imgW="7624585" imgH="3286868" progId="Visio.Drawing.11">
+                <p:oleObj name="Visio" r:id="rId2" imgW="7624585" imgH="3286868" progId="Visio.Drawing.11">
                   <p:embed/>
                 </p:oleObj>
               </mc:Choice>
               <mc:Fallback>
-                <p:oleObj name="Visio" r:id="rId3" imgW="7624585" imgH="3286868" progId="Visio.Drawing.11">
+                <p:oleObj name="Visio" r:id="rId2" imgW="7624585" imgH="3286868" progId="Visio.Drawing.11">
                   <p:embed/>
                   <p:pic>
                     <p:nvPicPr>
@@ -5487,7 +5437,7 @@
                       <p:nvPr/>
                     </p:nvPicPr>
                     <p:blipFill>
-                      <a:blip r:embed="rId4">
+                      <a:blip r:embed="rId3">
                         <a:extLst>
                           <a:ext uri="{28A0092B-C50C-407E-A947-70E740481C1C}">
                             <a14:useLocalDpi xmlns:a14="http://schemas.microsoft.com/office/drawing/2010/main" val="0"/>
@@ -5501,7 +5451,7 @@
                     </p:blipFill>
                     <p:spPr bwMode="auto">
                       <a:xfrm>
-                        <a:off x="38100" y="2362200"/>
+                        <a:off x="358588" y="4495800"/>
                         <a:ext cx="9029700" cy="3886200"/>
                       </a:xfrm>
                       <a:prstGeom prst="rect">
@@ -5711,7 +5661,7 @@
           <a:p>
             <a:pPr eaLnBrk="1" hangingPunct="1"/>
             <a:r>
-              <a:rPr lang="zh-CN" altLang="en-US" smtClean="0"/>
+              <a:rPr lang="zh-CN" altLang="en-US"/>
               <a:t>引言</a:t>
             </a:r>
           </a:p>
@@ -5964,7 +5914,7 @@
         </p:blipFill>
         <p:spPr bwMode="auto">
           <a:xfrm>
-            <a:off x="2133600" y="381000"/>
+            <a:off x="4267200" y="1595718"/>
             <a:ext cx="4703763" cy="6240463"/>
           </a:xfrm>
           <a:prstGeom prst="rect">
@@ -6214,7 +6164,7 @@
           <a:p>
             <a:pPr eaLnBrk="1" hangingPunct="1"/>
             <a:r>
-              <a:rPr lang="zh-CN" altLang="en-US" smtClean="0"/>
+              <a:rPr lang="zh-CN" altLang="en-US"/>
               <a:t>引言</a:t>
             </a:r>
           </a:p>
@@ -6509,13 +6459,6 @@
   <p:clrMapOvr>
     <a:masterClrMapping/>
   </p:clrMapOvr>
-  <p:timing>
-    <p:tnLst>
-      <p:par>
-        <p:cTn id="1" dur="indefinite" restart="never" nodeType="tmRoot"/>
-      </p:par>
-    </p:tnLst>
-  </p:timing>
 </p:sld>
 </file>
 
@@ -6558,7 +6501,7 @@
           <a:p>
             <a:pPr eaLnBrk="1" hangingPunct="1"/>
             <a:r>
-              <a:rPr lang="zh-CN" altLang="en-US" smtClean="0"/>
+              <a:rPr lang="zh-CN" altLang="en-US" dirty="0"/>
               <a:t>设计模式的诞生与发展</a:t>
             </a:r>
           </a:p>
@@ -6586,26 +6529,26 @@
           <a:p>
             <a:pPr eaLnBrk="1" hangingPunct="1"/>
             <a:r>
-              <a:rPr kumimoji="1" lang="zh-CN" altLang="en-US" smtClean="0"/>
+              <a:rPr kumimoji="1" lang="zh-CN" altLang="en-US" dirty="0"/>
               <a:t>模式的诞生与定义 </a:t>
             </a:r>
           </a:p>
           <a:p>
             <a:pPr lvl="1" eaLnBrk="1" hangingPunct="1"/>
             <a:r>
-              <a:rPr kumimoji="1" lang="zh-CN" altLang="en-US" sz="2000" smtClean="0"/>
+              <a:rPr kumimoji="1" lang="zh-CN" altLang="en-US" sz="2000" dirty="0"/>
               <a:t>模式</a:t>
             </a:r>
             <a:r>
-              <a:rPr kumimoji="1" lang="en-US" altLang="zh-CN" sz="2000" smtClean="0"/>
+              <a:rPr kumimoji="1" lang="en-US" altLang="zh-CN" sz="2000" dirty="0"/>
               <a:t>(Pattern)</a:t>
             </a:r>
             <a:r>
-              <a:rPr kumimoji="1" lang="zh-CN" altLang="en-US" sz="2000" smtClean="0"/>
+              <a:rPr kumimoji="1" lang="zh-CN" altLang="en-US" sz="2000" dirty="0"/>
               <a:t>起源于</a:t>
             </a:r>
             <a:r>
-              <a:rPr kumimoji="1" lang="zh-CN" altLang="en-US" sz="2000" smtClean="0">
+              <a:rPr kumimoji="1" lang="zh-CN" altLang="en-US" sz="2000" dirty="0">
                 <a:solidFill>
                   <a:srgbClr val="FF3300"/>
                 </a:solidFill>
@@ -6613,26 +6556,26 @@
               <a:t>建筑业</a:t>
             </a:r>
             <a:r>
-              <a:rPr kumimoji="1" lang="zh-CN" altLang="en-US" sz="2000" smtClean="0"/>
+              <a:rPr kumimoji="1" lang="zh-CN" altLang="en-US" sz="2000" dirty="0"/>
               <a:t>而非软件业</a:t>
             </a:r>
           </a:p>
           <a:p>
             <a:pPr lvl="1" eaLnBrk="1" hangingPunct="1"/>
             <a:r>
-              <a:rPr kumimoji="1" lang="zh-CN" altLang="en-US" sz="2000" smtClean="0"/>
+              <a:rPr kumimoji="1" lang="zh-CN" altLang="en-US" sz="2000" dirty="0"/>
               <a:t>模式之父</a:t>
             </a:r>
             <a:r>
-              <a:rPr kumimoji="1" lang="en-US" altLang="zh-CN" sz="2000" smtClean="0"/>
+              <a:rPr kumimoji="1" lang="en-US" altLang="zh-CN" sz="2000" dirty="0"/>
               <a:t>——</a:t>
             </a:r>
             <a:r>
-              <a:rPr kumimoji="1" lang="zh-CN" altLang="en-US" sz="2000" smtClean="0"/>
+              <a:rPr kumimoji="1" lang="zh-CN" altLang="en-US" sz="2000" dirty="0"/>
               <a:t>美国加利佛尼亚大学环境结构中心研究所所长</a:t>
             </a:r>
             <a:r>
-              <a:rPr kumimoji="1" lang="en-US" altLang="zh-CN" sz="2000" smtClean="0">
+              <a:rPr kumimoji="1" lang="en-US" altLang="zh-CN" sz="2000" dirty="0">
                 <a:solidFill>
                   <a:srgbClr val="FF3300"/>
                 </a:solidFill>
@@ -6640,7 +6583,7 @@
               <a:t>Christopher Alexander</a:t>
             </a:r>
             <a:r>
-              <a:rPr kumimoji="1" lang="zh-CN" altLang="en-US" sz="2000" smtClean="0">
+              <a:rPr kumimoji="1" lang="zh-CN" altLang="en-US" sz="2000" dirty="0">
                 <a:solidFill>
                   <a:srgbClr val="FF3300"/>
                 </a:solidFill>
@@ -6651,18 +6594,18 @@
           <a:p>
             <a:pPr lvl="1" eaLnBrk="1" hangingPunct="1"/>
             <a:r>
-              <a:rPr kumimoji="1" lang="en-US" altLang="zh-CN" sz="2000" smtClean="0"/>
+              <a:rPr kumimoji="1" lang="en-US" altLang="zh-CN" sz="2000" dirty="0"/>
               <a:t>《A Pattern Language: Towns, Buildings, Construction》——253</a:t>
             </a:r>
             <a:r>
-              <a:rPr kumimoji="1" lang="zh-CN" altLang="en-US" sz="2000" smtClean="0"/>
+              <a:rPr kumimoji="1" lang="zh-CN" altLang="en-US" sz="2000" dirty="0"/>
               <a:t>个建筑和城市规划模式</a:t>
             </a:r>
           </a:p>
           <a:p>
             <a:pPr lvl="1" eaLnBrk="1" hangingPunct="1"/>
             <a:r>
-              <a:rPr kumimoji="1" lang="zh-CN" altLang="en-US" sz="2000" smtClean="0"/>
+              <a:rPr kumimoji="1" lang="zh-CN" altLang="en-US" sz="2000" dirty="0"/>
               <a:t>模式</a:t>
             </a:r>
           </a:p>
@@ -6672,7 +6615,7 @@
               <a:buChar char="•"/>
             </a:pPr>
             <a:r>
-              <a:rPr kumimoji="1" lang="en-US" altLang="zh-CN" sz="1800" smtClean="0">
+              <a:rPr kumimoji="1" lang="en-US" altLang="zh-CN" sz="1800" dirty="0">
                 <a:solidFill>
                   <a:srgbClr val="FF3300"/>
                 </a:solidFill>
@@ -6681,7 +6624,7 @@
               <a:t>Context</a:t>
             </a:r>
             <a:r>
-              <a:rPr kumimoji="1" lang="zh-CN" altLang="en-US" sz="1800" smtClean="0">
+              <a:rPr kumimoji="1" lang="zh-CN" altLang="en-US" sz="1800" dirty="0">
                 <a:ea typeface="黑体" panose="02010609060101010101" pitchFamily="49" charset="-122"/>
               </a:rPr>
               <a:t>（模式可适用的前提条件）</a:t>
@@ -6693,7 +6636,7 @@
               <a:buChar char="•"/>
             </a:pPr>
             <a:r>
-              <a:rPr kumimoji="1" lang="en-US" altLang="zh-CN" sz="1800" smtClean="0">
+              <a:rPr kumimoji="1" lang="en-US" altLang="zh-CN" sz="1800" dirty="0">
                 <a:solidFill>
                   <a:srgbClr val="FF3300"/>
                 </a:solidFill>
@@ -6702,7 +6645,7 @@
               <a:t>Theme</a:t>
             </a:r>
             <a:r>
-              <a:rPr kumimoji="1" lang="zh-CN" altLang="en-US" sz="1800" smtClean="0">
+              <a:rPr kumimoji="1" lang="zh-CN" altLang="en-US" sz="1800" dirty="0">
                 <a:solidFill>
                   <a:srgbClr val="FF3300"/>
                 </a:solidFill>
@@ -6711,7 +6654,7 @@
               <a:t>或</a:t>
             </a:r>
             <a:r>
-              <a:rPr kumimoji="1" lang="en-US" altLang="zh-CN" sz="1800" smtClean="0">
+              <a:rPr kumimoji="1" lang="en-US" altLang="zh-CN" sz="1800" dirty="0">
                 <a:solidFill>
                   <a:srgbClr val="FF3300"/>
                 </a:solidFill>
@@ -6720,7 +6663,7 @@
               <a:t>Problem</a:t>
             </a:r>
             <a:r>
-              <a:rPr kumimoji="1" lang="zh-CN" altLang="en-US" sz="1800" smtClean="0">
+              <a:rPr kumimoji="1" lang="zh-CN" altLang="en-US" sz="1800" dirty="0">
                 <a:ea typeface="黑体" panose="02010609060101010101" pitchFamily="49" charset="-122"/>
               </a:rPr>
               <a:t>（在特定条件下要解决的目标问题）</a:t>
@@ -6732,7 +6675,7 @@
               <a:buChar char="•"/>
             </a:pPr>
             <a:r>
-              <a:rPr kumimoji="1" lang="en-US" altLang="zh-CN" sz="1800" smtClean="0">
+              <a:rPr kumimoji="1" lang="en-US" altLang="zh-CN" sz="1800" dirty="0">
                 <a:solidFill>
                   <a:srgbClr val="FF3300"/>
                 </a:solidFill>
@@ -6741,7 +6684,7 @@
               <a:t>Solution</a:t>
             </a:r>
             <a:r>
-              <a:rPr kumimoji="1" lang="zh-CN" altLang="en-US" sz="1800" smtClean="0">
+              <a:rPr kumimoji="1" lang="zh-CN" altLang="en-US" sz="1800" dirty="0">
                 <a:ea typeface="黑体" panose="02010609060101010101" pitchFamily="49" charset="-122"/>
               </a:rPr>
               <a:t>（对目标问题求解过程中各种物理关系的记述）</a:t>
@@ -6759,13 +6702,6 @@
   <p:clrMapOvr>
     <a:masterClrMapping/>
   </p:clrMapOvr>
-  <p:timing>
-    <p:tnLst>
-      <p:par>
-        <p:cTn id="1" dur="indefinite" restart="never" nodeType="tmRoot"/>
-      </p:par>
-    </p:tnLst>
-  </p:timing>
 </p:sld>
 </file>
 
@@ -6808,7 +6744,7 @@
           <a:p>
             <a:pPr eaLnBrk="1" hangingPunct="1"/>
             <a:r>
-              <a:rPr lang="zh-CN" altLang="en-US" smtClean="0"/>
+              <a:rPr lang="zh-CN" altLang="en-US"/>
               <a:t>设计模式的诞生与发展</a:t>
             </a:r>
           </a:p>
@@ -6830,7 +6766,7 @@
           <a:lstStyle/>
           <a:p>
             <a:pPr eaLnBrk="1" hangingPunct="1"/>
-            <a:endParaRPr kumimoji="1" lang="zh-CN" altLang="zh-CN" smtClean="0">
+            <a:endParaRPr kumimoji="1" lang="zh-CN" altLang="zh-CN" dirty="0">
               <a:solidFill>
                 <a:schemeClr val="tx1"/>
               </a:solidFill>
@@ -7136,7 +7072,7 @@
         </p:blipFill>
         <p:spPr bwMode="auto">
           <a:xfrm>
-            <a:off x="685800" y="2657475"/>
+            <a:off x="363071" y="2743200"/>
             <a:ext cx="7981950" cy="3438525"/>
           </a:xfrm>
           <a:prstGeom prst="rect">
@@ -7177,13 +7113,6 @@
   <p:clrMapOvr>
     <a:masterClrMapping/>
   </p:clrMapOvr>
-  <p:timing>
-    <p:tnLst>
-      <p:par>
-        <p:cTn id="1" dur="indefinite" restart="never" nodeType="tmRoot"/>
-      </p:par>
-    </p:tnLst>
-  </p:timing>
 </p:sld>
 </file>
 
@@ -7226,7 +7155,7 @@
           <a:p>
             <a:pPr eaLnBrk="1" hangingPunct="1"/>
             <a:r>
-              <a:rPr lang="zh-CN" altLang="en-US" smtClean="0"/>
+              <a:rPr lang="zh-CN" altLang="en-US"/>
               <a:t>设计模式的诞生与发展</a:t>
             </a:r>
           </a:p>
@@ -7258,7 +7187,7 @@
               <a:buFont typeface="Wingdings" panose="05000000000000000000" pitchFamily="2" charset="2"/>
               <a:buNone/>
             </a:pPr>
-            <a:endParaRPr kumimoji="1" lang="en-US" altLang="zh-CN" smtClean="0">
+            <a:endParaRPr kumimoji="1" lang="en-US" altLang="zh-CN">
               <a:solidFill>
                 <a:schemeClr val="tx1"/>
               </a:solidFill>
@@ -7266,7 +7195,7 @@
           </a:p>
           <a:p>
             <a:pPr eaLnBrk="1" hangingPunct="1"/>
-            <a:endParaRPr kumimoji="1" lang="en-US" altLang="zh-CN" smtClean="0">
+            <a:endParaRPr kumimoji="1" lang="en-US" altLang="zh-CN">
               <a:solidFill>
                 <a:schemeClr val="tx1"/>
               </a:solidFill>
@@ -7471,7 +7400,7 @@
           <a:p>
             <a:pPr eaLnBrk="1" hangingPunct="1"/>
             <a:r>
-              <a:rPr kumimoji="1" lang="zh-CN" altLang="en-US"/>
+              <a:rPr kumimoji="1" lang="zh-CN" altLang="en-US" dirty="0"/>
               <a:t>模式的诞生与定义 </a:t>
             </a:r>
           </a:p>
@@ -7482,14 +7411,14 @@
               </a:lnSpc>
             </a:pPr>
             <a:r>
-              <a:rPr kumimoji="1" lang="en-US" altLang="zh-CN"/>
+              <a:rPr kumimoji="1" lang="en-US" altLang="zh-CN" dirty="0"/>
               <a:t>Alexander</a:t>
             </a:r>
             <a:r>
-              <a:rPr kumimoji="1" lang="zh-CN" altLang="en-US"/>
+              <a:rPr kumimoji="1" lang="zh-CN" altLang="en-US" dirty="0"/>
               <a:t>给出了关于模式的经典定义：</a:t>
             </a:r>
-            <a:endParaRPr kumimoji="1" lang="en-US" altLang="zh-CN"/>
+            <a:endParaRPr kumimoji="1" lang="en-US" altLang="zh-CN" dirty="0"/>
           </a:p>
           <a:p>
             <a:pPr lvl="2" eaLnBrk="1" hangingPunct="1">
@@ -7503,13 +7432,13 @@
               <a:buChar char="•"/>
             </a:pPr>
             <a:r>
-              <a:rPr kumimoji="1" lang="zh-CN" altLang="en-US" sz="2400" b="1">
+              <a:rPr kumimoji="1" lang="zh-CN" altLang="en-US" sz="2400" b="1" dirty="0">
                 <a:ea typeface="楷体_GB2312" pitchFamily="49" charset="-122"/>
               </a:rPr>
               <a:t>每个模式都描述了一个</a:t>
             </a:r>
             <a:r>
-              <a:rPr kumimoji="1" lang="zh-CN" altLang="en-US" sz="2400" b="1">
+              <a:rPr kumimoji="1" lang="zh-CN" altLang="en-US" sz="2400" b="1" dirty="0">
                 <a:solidFill>
                   <a:srgbClr val="FF3300"/>
                 </a:solidFill>
@@ -7518,13 +7447,13 @@
               <a:t>在我们的环境中不断出现的问题</a:t>
             </a:r>
             <a:r>
-              <a:rPr kumimoji="1" lang="zh-CN" altLang="en-US" sz="2400" b="1">
+              <a:rPr kumimoji="1" lang="zh-CN" altLang="en-US" sz="2400" b="1" dirty="0">
                 <a:ea typeface="楷体_GB2312" pitchFamily="49" charset="-122"/>
               </a:rPr>
               <a:t>，然后描述了该问题的</a:t>
             </a:r>
             <a:r>
-              <a:rPr kumimoji="1" lang="zh-CN" altLang="en-US" sz="2400" b="1">
+              <a:rPr kumimoji="1" lang="zh-CN" altLang="en-US" sz="2400" b="1" dirty="0">
                 <a:solidFill>
                   <a:srgbClr val="FF3300"/>
                 </a:solidFill>
@@ -7533,13 +7462,13 @@
               <a:t>解决方案的核心</a:t>
             </a:r>
             <a:r>
-              <a:rPr kumimoji="1" lang="zh-CN" altLang="en-US" sz="2400" b="1">
+              <a:rPr kumimoji="1" lang="zh-CN" altLang="en-US" sz="2400" b="1" dirty="0">
                 <a:ea typeface="楷体_GB2312" pitchFamily="49" charset="-122"/>
               </a:rPr>
               <a:t>，通过这种方式，人们可以无数次地</a:t>
             </a:r>
             <a:r>
-              <a:rPr kumimoji="1" lang="zh-CN" altLang="en-US" sz="2400" b="1">
+              <a:rPr kumimoji="1" lang="zh-CN" altLang="en-US" sz="2400" b="1" dirty="0">
                 <a:solidFill>
                   <a:srgbClr val="FF3300"/>
                 </a:solidFill>
@@ -7548,7 +7477,7 @@
               <a:t>重用那些已有的解决方案</a:t>
             </a:r>
             <a:r>
-              <a:rPr kumimoji="1" lang="zh-CN" altLang="en-US" sz="2400" b="1">
+              <a:rPr kumimoji="1" lang="zh-CN" altLang="en-US" sz="2400" b="1" dirty="0">
                 <a:ea typeface="楷体_GB2312" pitchFamily="49" charset="-122"/>
               </a:rPr>
               <a:t>，无须再重复相同的工作</a:t>
@@ -7573,7 +7502,13 @@
             <a:tbl>
               <a:tblPr/>
               <a:tblGrid>
-                <a:gridCol w="7467600"/>
+                <a:gridCol w="7467600">
+                  <a:extLst>
+                    <a:ext uri="{9D8B030D-6E8A-4147-A177-3AD203B41FA5}">
+                      <a16:colId xmlns:a16="http://schemas.microsoft.com/office/drawing/2014/main" val="20000"/>
+                    </a:ext>
+                  </a:extLst>
+                </a:gridCol>
               </a:tblGrid>
               <a:tr h="1341437">
                 <a:tc>
@@ -7587,7 +7522,7 @@
                         </a:spcAft>
                       </a:pPr>
                       <a:r>
-                        <a:rPr lang="en-US" altLang="zh-CN" sz="2200" b="1" kern="100" dirty="0" smtClean="0">
+                        <a:rPr lang="en-US" altLang="zh-CN" sz="2200" b="1" kern="100" dirty="0">
                           <a:latin typeface="Times New Roman"/>
                           <a:ea typeface="宋体"/>
                           <a:cs typeface="Times New Roman"/>
@@ -7595,20 +7530,12 @@
                         <a:t>    </a:t>
                       </a:r>
                       <a:r>
-                        <a:rPr lang="zh-CN" sz="2200" b="1" kern="100" dirty="0" smtClean="0">
-                          <a:latin typeface="Times New Roman"/>
-                          <a:ea typeface="宋体"/>
-                          <a:cs typeface="Times New Roman"/>
-                        </a:rPr>
-                        <a:t>模式</a:t>
-                      </a:r>
-                      <a:r>
                         <a:rPr lang="zh-CN" sz="2200" b="1" kern="100" dirty="0">
                           <a:latin typeface="Times New Roman"/>
                           <a:ea typeface="宋体"/>
                           <a:cs typeface="Times New Roman"/>
                         </a:rPr>
-                        <a:t>是</a:t>
+                        <a:t>模式是</a:t>
                       </a:r>
                       <a:r>
                         <a:rPr lang="zh-CN" sz="2200" b="1" kern="100" dirty="0">
@@ -7675,20 +7602,12 @@
                         </a:spcAft>
                       </a:pPr>
                       <a:r>
-                        <a:rPr lang="en-US" sz="2200" b="1" kern="100" dirty="0" smtClean="0">
-                          <a:latin typeface="Times New Roman"/>
-                          <a:ea typeface="宋体"/>
-                          <a:cs typeface="Times New Roman"/>
-                        </a:rPr>
-                        <a:t>    A </a:t>
-                      </a:r>
-                      <a:r>
                         <a:rPr lang="en-US" sz="2200" b="1" kern="100" dirty="0">
                           <a:latin typeface="Times New Roman"/>
                           <a:ea typeface="宋体"/>
                           <a:cs typeface="Times New Roman"/>
                         </a:rPr>
-                        <a:t>pattern is a successful or efficient </a:t>
+                        <a:t>    A pattern is a successful or efficient </a:t>
                       </a:r>
                       <a:r>
                         <a:rPr lang="en-US" sz="2200" b="1" kern="100" dirty="0">
@@ -7798,6 +7717,11 @@
                     </a:solidFill>
                   </a:tcPr>
                 </a:tc>
+                <a:extLst>
+                  <a:ext uri="{0D108BD9-81ED-4DB2-BD59-A6C34878D82A}">
+                    <a16:rowId xmlns:a16="http://schemas.microsoft.com/office/drawing/2014/main" val="10000"/>
+                  </a:ext>
+                </a:extLst>
               </a:tr>
             </a:tbl>
           </a:graphicData>
@@ -7813,13 +7737,6 @@
   <p:clrMapOvr>
     <a:masterClrMapping/>
   </p:clrMapOvr>
-  <p:timing>
-    <p:tnLst>
-      <p:par>
-        <p:cTn id="1" dur="indefinite" restart="never" nodeType="tmRoot"/>
-      </p:par>
-    </p:tnLst>
-  </p:timing>
 </p:sld>
 </file>
 
@@ -7862,7 +7779,7 @@
           <a:p>
             <a:pPr eaLnBrk="1" hangingPunct="1"/>
             <a:r>
-              <a:rPr lang="zh-CN" altLang="en-US" smtClean="0"/>
+              <a:rPr lang="zh-CN" altLang="en-US"/>
               <a:t>设计模式的诞生与发展</a:t>
             </a:r>
           </a:p>
@@ -7894,7 +7811,7 @@
               <a:buFont typeface="Wingdings" panose="05000000000000000000" pitchFamily="2" charset="2"/>
               <a:buNone/>
             </a:pPr>
-            <a:endParaRPr kumimoji="1" lang="en-US" altLang="zh-CN" smtClean="0">
+            <a:endParaRPr kumimoji="1" lang="en-US" altLang="zh-CN">
               <a:solidFill>
                 <a:schemeClr val="tx1"/>
               </a:solidFill>
@@ -7902,7 +7819,7 @@
           </a:p>
           <a:p>
             <a:pPr eaLnBrk="1" hangingPunct="1"/>
-            <a:endParaRPr kumimoji="1" lang="en-US" altLang="zh-CN" smtClean="0">
+            <a:endParaRPr kumimoji="1" lang="en-US" altLang="zh-CN">
               <a:solidFill>
                 <a:schemeClr val="tx1"/>
               </a:solidFill>
@@ -8107,7 +8024,7 @@
           <a:p>
             <a:pPr eaLnBrk="1" hangingPunct="1"/>
             <a:r>
-              <a:rPr kumimoji="1" lang="zh-CN" altLang="en-US"/>
+              <a:rPr kumimoji="1" lang="zh-CN" altLang="en-US" dirty="0"/>
               <a:t>软件模式概述 </a:t>
             </a:r>
           </a:p>
@@ -8118,30 +8035,30 @@
               </a:lnSpc>
             </a:pPr>
             <a:r>
-              <a:rPr kumimoji="1" lang="en-US" altLang="zh-CN" sz="2200"/>
+              <a:rPr kumimoji="1" lang="en-US" altLang="zh-CN" sz="2200" dirty="0"/>
               <a:t>20</a:t>
             </a:r>
             <a:r>
-              <a:rPr kumimoji="1" lang="zh-CN" altLang="en-US" sz="2200"/>
+              <a:rPr kumimoji="1" lang="zh-CN" altLang="en-US" sz="2200" dirty="0"/>
               <a:t>世纪</a:t>
             </a:r>
             <a:r>
-              <a:rPr kumimoji="1" lang="en-US" altLang="zh-CN" sz="2200"/>
+              <a:rPr kumimoji="1" lang="en-US" altLang="zh-CN" sz="2200" dirty="0"/>
               <a:t>80</a:t>
             </a:r>
             <a:r>
-              <a:rPr kumimoji="1" lang="zh-CN" altLang="en-US" sz="2200"/>
+              <a:rPr kumimoji="1" lang="zh-CN" altLang="en-US" sz="2200" dirty="0"/>
               <a:t>年代末，软件工程界开始关注</a:t>
             </a:r>
             <a:r>
-              <a:rPr kumimoji="1" lang="en-US" altLang="zh-CN" sz="2200"/>
+              <a:rPr kumimoji="1" lang="en-US" altLang="zh-CN" sz="2200" dirty="0"/>
               <a:t>Christopher Alexander</a:t>
             </a:r>
             <a:r>
-              <a:rPr kumimoji="1" lang="zh-CN" altLang="en-US" sz="2200"/>
+              <a:rPr kumimoji="1" lang="zh-CN" altLang="en-US" sz="2200" dirty="0"/>
               <a:t>等在这一住宅、公共建筑与城市规划领域的重大突破</a:t>
             </a:r>
-            <a:endParaRPr kumimoji="1" lang="en-US" altLang="zh-CN" sz="2200"/>
+            <a:endParaRPr kumimoji="1" lang="en-US" altLang="zh-CN" sz="2200" dirty="0"/>
           </a:p>
           <a:p>
             <a:pPr lvl="1" eaLnBrk="1" hangingPunct="1">
@@ -8150,15 +8067,15 @@
               </a:lnSpc>
             </a:pPr>
             <a:r>
-              <a:rPr kumimoji="1" lang="zh-CN" altLang="en-US" sz="2200"/>
+              <a:rPr kumimoji="1" lang="zh-CN" altLang="en-US" sz="2200" dirty="0"/>
               <a:t>“四人组</a:t>
             </a:r>
             <a:r>
-              <a:rPr kumimoji="1" lang="en-US" altLang="zh-CN" sz="2200"/>
+              <a:rPr kumimoji="1" lang="en-US" altLang="zh-CN" sz="2200" dirty="0"/>
               <a:t>(</a:t>
             </a:r>
             <a:r>
-              <a:rPr kumimoji="1" lang="en-US" altLang="zh-CN" sz="2200">
+              <a:rPr kumimoji="1" lang="en-US" altLang="zh-CN" sz="2200" dirty="0">
                 <a:solidFill>
                   <a:srgbClr val="FF3300"/>
                 </a:solidFill>
@@ -8166,7 +8083,7 @@
               <a:t>Gang of Four</a:t>
             </a:r>
             <a:r>
-              <a:rPr kumimoji="1" lang="zh-CN" altLang="en-US" sz="2200">
+              <a:rPr kumimoji="1" lang="zh-CN" altLang="en-US" sz="2200" dirty="0">
                 <a:solidFill>
                   <a:srgbClr val="FF3300"/>
                 </a:solidFill>
@@ -8174,7 +8091,7 @@
               <a:t>，</a:t>
             </a:r>
             <a:r>
-              <a:rPr kumimoji="1" lang="en-US" altLang="zh-CN" sz="2200">
+              <a:rPr kumimoji="1" lang="en-US" altLang="zh-CN" sz="2200" dirty="0" err="1">
                 <a:solidFill>
                   <a:srgbClr val="FF3300"/>
                 </a:solidFill>
@@ -8182,7 +8099,7 @@
               <a:t>GoF</a:t>
             </a:r>
             <a:r>
-              <a:rPr kumimoji="1" lang="zh-CN" altLang="en-US" sz="2200">
+              <a:rPr kumimoji="1" lang="zh-CN" altLang="en-US" sz="2200" dirty="0">
                 <a:solidFill>
                   <a:srgbClr val="FF3300"/>
                 </a:solidFill>
@@ -8190,7 +8107,7 @@
               <a:t>，分别是</a:t>
             </a:r>
             <a:r>
-              <a:rPr kumimoji="1" lang="en-US" altLang="zh-CN" sz="2200">
+              <a:rPr kumimoji="1" lang="en-US" altLang="zh-CN" sz="2200" dirty="0">
                 <a:solidFill>
                   <a:srgbClr val="FF3300"/>
                 </a:solidFill>
@@ -8198,7 +8115,7 @@
               <a:t>Erich Gamma, Richard Helm, Ralph Johnson</a:t>
             </a:r>
             <a:r>
-              <a:rPr kumimoji="1" lang="zh-CN" altLang="en-US" sz="2200">
+              <a:rPr kumimoji="1" lang="zh-CN" altLang="en-US" sz="2200" dirty="0">
                 <a:solidFill>
                   <a:srgbClr val="FF3300"/>
                 </a:solidFill>
@@ -8206,46 +8123,54 @@
               <a:t>和</a:t>
             </a:r>
             <a:r>
-              <a:rPr kumimoji="1" lang="en-US" altLang="zh-CN" sz="2200">
+              <a:rPr kumimoji="1" lang="en-US" altLang="zh-CN" sz="2200" dirty="0">
                 <a:solidFill>
                   <a:srgbClr val="FF3300"/>
                 </a:solidFill>
               </a:rPr>
-              <a:t>John Vlissides</a:t>
-            </a:r>
-            <a:r>
-              <a:rPr kumimoji="1" lang="en-US" altLang="zh-CN" sz="2200"/>
+              <a:t>John </a:t>
+            </a:r>
+            <a:r>
+              <a:rPr kumimoji="1" lang="en-US" altLang="zh-CN" sz="2200" dirty="0" err="1">
+                <a:solidFill>
+                  <a:srgbClr val="FF3300"/>
+                </a:solidFill>
+              </a:rPr>
+              <a:t>Vlissides</a:t>
+            </a:r>
+            <a:r>
+              <a:rPr kumimoji="1" lang="en-US" altLang="zh-CN" sz="2200" dirty="0"/>
               <a:t>)</a:t>
             </a:r>
             <a:r>
-              <a:rPr kumimoji="1" lang="zh-CN" altLang="en-US" sz="2200"/>
+              <a:rPr kumimoji="1" lang="zh-CN" altLang="en-US" sz="2200" dirty="0"/>
               <a:t>”于</a:t>
             </a:r>
             <a:r>
-              <a:rPr kumimoji="1" lang="en-US" altLang="zh-CN" sz="2200"/>
+              <a:rPr kumimoji="1" lang="en-US" altLang="zh-CN" sz="2200" dirty="0"/>
               <a:t>1994</a:t>
             </a:r>
             <a:r>
-              <a:rPr kumimoji="1" lang="zh-CN" altLang="en-US" sz="2200"/>
+              <a:rPr kumimoji="1" lang="zh-CN" altLang="en-US" sz="2200" dirty="0"/>
               <a:t>年归纳发表了</a:t>
             </a:r>
             <a:r>
-              <a:rPr kumimoji="1" lang="en-US" altLang="zh-CN" sz="2200"/>
+              <a:rPr kumimoji="1" lang="en-US" altLang="zh-CN" sz="2200" dirty="0"/>
               <a:t>23</a:t>
             </a:r>
             <a:r>
-              <a:rPr kumimoji="1" lang="zh-CN" altLang="en-US" sz="2200"/>
+              <a:rPr kumimoji="1" lang="zh-CN" altLang="en-US" sz="2200" dirty="0"/>
               <a:t>种在软件开发中使用频率较高的设计模式，旨在</a:t>
             </a:r>
             <a:r>
-              <a:rPr kumimoji="1" lang="zh-CN" altLang="en-US" sz="2200">
+              <a:rPr kumimoji="1" lang="zh-CN" altLang="en-US" sz="2200" dirty="0">
                 <a:solidFill>
                   <a:srgbClr val="FF3300"/>
                 </a:solidFill>
               </a:rPr>
               <a:t>用模式来统一沟通面向对象方法在分析、设计和实现间的鸿沟</a:t>
             </a:r>
-            <a:endParaRPr kumimoji="1" lang="zh-CN" altLang="en-US" sz="2200"/>
+            <a:endParaRPr kumimoji="1" lang="zh-CN" altLang="en-US" sz="2200" dirty="0"/>
           </a:p>
         </p:txBody>
       </p:sp>
@@ -8259,13 +8184,6 @@
   <p:clrMapOvr>
     <a:masterClrMapping/>
   </p:clrMapOvr>
-  <p:timing>
-    <p:tnLst>
-      <p:par>
-        <p:cTn id="1" dur="indefinite" restart="never" nodeType="tmRoot"/>
-      </p:par>
-    </p:tnLst>
-  </p:timing>
 </p:sld>
 </file>
 
@@ -8308,7 +8226,7 @@
           <a:p>
             <a:pPr eaLnBrk="1" hangingPunct="1"/>
             <a:r>
-              <a:rPr lang="zh-CN" altLang="en-US" smtClean="0"/>
+              <a:rPr lang="zh-CN" altLang="en-US"/>
               <a:t>设计模式的诞生与发展</a:t>
             </a:r>
           </a:p>
@@ -8340,7 +8258,7 @@
               <a:buFont typeface="Wingdings" panose="05000000000000000000" pitchFamily="2" charset="2"/>
               <a:buNone/>
             </a:pPr>
-            <a:endParaRPr kumimoji="1" lang="en-US" altLang="zh-CN" smtClean="0">
+            <a:endParaRPr kumimoji="1" lang="en-US" altLang="zh-CN">
               <a:solidFill>
                 <a:schemeClr val="tx1"/>
               </a:solidFill>
@@ -8348,7 +8266,7 @@
           </a:p>
           <a:p>
             <a:pPr eaLnBrk="1" hangingPunct="1"/>
-            <a:endParaRPr kumimoji="1" lang="en-US" altLang="zh-CN" smtClean="0">
+            <a:endParaRPr kumimoji="1" lang="en-US" altLang="zh-CN">
               <a:solidFill>
                 <a:schemeClr val="tx1"/>
               </a:solidFill>
@@ -8583,7 +8501,7 @@
         </p:blipFill>
         <p:spPr bwMode="auto">
           <a:xfrm>
-            <a:off x="1331913" y="1755775"/>
+            <a:off x="1752600" y="1752600"/>
             <a:ext cx="5094287" cy="4721225"/>
           </a:xfrm>
           <a:prstGeom prst="rect">
@@ -8722,13 +8640,6 @@
   <p:clrMapOvr>
     <a:masterClrMapping/>
   </p:clrMapOvr>
-  <p:timing>
-    <p:tnLst>
-      <p:par>
-        <p:cTn id="1" dur="indefinite" restart="never" nodeType="tmRoot"/>
-      </p:par>
-    </p:tnLst>
-  </p:timing>
 </p:sld>
 </file>
 
@@ -8771,7 +8682,7 @@
           <a:p>
             <a:pPr eaLnBrk="1" hangingPunct="1"/>
             <a:r>
-              <a:rPr lang="zh-CN" altLang="en-US" smtClean="0"/>
+              <a:rPr lang="zh-CN" altLang="en-US"/>
               <a:t>设计模式的诞生与发展</a:t>
             </a:r>
           </a:p>
@@ -9261,35 +9172,35 @@
               <a:buNone/>
             </a:pPr>
             <a:r>
-              <a:rPr lang="zh-CN" altLang="en-US" sz="1800" b="1">
+              <a:rPr lang="zh-CN" altLang="en-US" sz="1800" b="1" dirty="0">
                 <a:latin typeface="Arial" panose="020B0604020202020204" pitchFamily="34" charset="0"/>
                 <a:ea typeface="宋体" panose="02010600030101010101" pitchFamily="2" charset="-122"/>
               </a:rPr>
               <a:t>苏黎世大学计算机科学博士，是</a:t>
             </a:r>
             <a:r>
-              <a:rPr lang="en-US" altLang="zh-CN" sz="1800" b="1">
+              <a:rPr lang="en-US" altLang="zh-CN" sz="1800" b="1" dirty="0">
                 <a:latin typeface="Arial" panose="020B0604020202020204" pitchFamily="34" charset="0"/>
                 <a:ea typeface="宋体" panose="02010600030101010101" pitchFamily="2" charset="-122"/>
               </a:rPr>
               <a:t>Eclipse</a:t>
             </a:r>
             <a:r>
-              <a:rPr lang="zh-CN" altLang="en-US" sz="1800" b="1">
+              <a:rPr lang="zh-CN" altLang="en-US" sz="1800" b="1" dirty="0">
                 <a:latin typeface="Arial" panose="020B0604020202020204" pitchFamily="34" charset="0"/>
                 <a:ea typeface="宋体" panose="02010600030101010101" pitchFamily="2" charset="-122"/>
               </a:rPr>
               <a:t>、 </a:t>
             </a:r>
             <a:r>
-              <a:rPr lang="en-US" altLang="zh-CN" sz="1800" b="1">
+              <a:rPr lang="en-US" altLang="zh-CN" sz="1800" b="1" dirty="0">
                 <a:latin typeface="Arial" panose="020B0604020202020204" pitchFamily="34" charset="0"/>
                 <a:ea typeface="宋体" panose="02010600030101010101" pitchFamily="2" charset="-122"/>
               </a:rPr>
               <a:t>JUnit </a:t>
             </a:r>
             <a:r>
-              <a:rPr lang="zh-CN" altLang="en-US" sz="1800" b="1">
+              <a:rPr lang="zh-CN" altLang="en-US" sz="1800" b="1" dirty="0">
                 <a:latin typeface="Arial" panose="020B0604020202020204" pitchFamily="34" charset="0"/>
                 <a:ea typeface="宋体" panose="02010600030101010101" pitchFamily="2" charset="-122"/>
               </a:rPr>
@@ -10825,13 +10736,6 @@
   <p:clrMapOvr>
     <a:masterClrMapping/>
   </p:clrMapOvr>
-  <p:timing>
-    <p:tnLst>
-      <p:par>
-        <p:cTn id="1" dur="indefinite" restart="never" nodeType="tmRoot"/>
-      </p:par>
-    </p:tnLst>
-  </p:timing>
 </p:sld>
 </file>
 
@@ -10869,7 +10773,7 @@
           <a:p>
             <a:pPr eaLnBrk="1" hangingPunct="1"/>
             <a:r>
-              <a:rPr lang="zh-CN" altLang="en-US" smtClean="0"/>
+              <a:rPr lang="zh-CN" altLang="en-US"/>
               <a:t>大纲</a:t>
             </a:r>
           </a:p>
@@ -10892,47 +10796,47 @@
           <a:p>
             <a:pPr eaLnBrk="1" hangingPunct="1"/>
             <a:r>
-              <a:rPr lang="zh-CN" altLang="en-US" smtClean="0"/>
+              <a:rPr lang="zh-CN" altLang="en-US" dirty="0"/>
               <a:t>引言</a:t>
             </a:r>
-            <a:endParaRPr lang="en-US" altLang="zh-CN" smtClean="0"/>
-          </a:p>
-          <a:p>
-            <a:r>
-              <a:rPr lang="zh-CN" altLang="en-US" smtClean="0"/>
+            <a:endParaRPr lang="en-US" altLang="zh-CN" dirty="0"/>
+          </a:p>
+          <a:p>
+            <a:r>
+              <a:rPr lang="zh-CN" altLang="en-US" dirty="0"/>
               <a:t>设计模式的诞生与发展</a:t>
             </a:r>
           </a:p>
           <a:p>
             <a:pPr eaLnBrk="1" hangingPunct="1"/>
             <a:r>
-              <a:rPr lang="zh-CN" altLang="en-US" smtClean="0"/>
+              <a:rPr lang="zh-CN" altLang="en-US" dirty="0"/>
               <a:t>设计模式的定义与分类</a:t>
             </a:r>
-            <a:endParaRPr lang="en-US" altLang="zh-CN" smtClean="0"/>
+            <a:endParaRPr lang="en-US" altLang="zh-CN" dirty="0"/>
           </a:p>
           <a:p>
             <a:pPr eaLnBrk="1" hangingPunct="1"/>
             <a:r>
-              <a:rPr lang="en-US" altLang="zh-CN" smtClean="0"/>
+              <a:rPr lang="en-US" altLang="zh-CN" dirty="0" err="1"/>
               <a:t>GoF</a:t>
             </a:r>
             <a:r>
-              <a:rPr lang="zh-CN" altLang="en-US" smtClean="0"/>
+              <a:rPr lang="zh-CN" altLang="en-US" dirty="0"/>
               <a:t>设计模式简介</a:t>
             </a:r>
-            <a:endParaRPr lang="en-US" altLang="zh-CN" smtClean="0"/>
+            <a:endParaRPr lang="en-US" altLang="zh-CN" dirty="0"/>
           </a:p>
           <a:p>
             <a:pPr eaLnBrk="1" hangingPunct="1"/>
             <a:r>
-              <a:rPr lang="zh-CN" altLang="en-US" smtClean="0"/>
+              <a:rPr lang="zh-CN" altLang="en-US" dirty="0"/>
               <a:t>设计模式的优点</a:t>
             </a:r>
           </a:p>
           <a:p>
             <a:pPr eaLnBrk="1" hangingPunct="1"/>
-            <a:endParaRPr lang="en-US" altLang="zh-CN" smtClean="0"/>
+            <a:endParaRPr lang="en-US" altLang="zh-CN" dirty="0"/>
           </a:p>
         </p:txBody>
       </p:sp>
@@ -11054,13 +10958,6 @@
   <p:clrMapOvr>
     <a:masterClrMapping/>
   </p:clrMapOvr>
-  <p:timing>
-    <p:tnLst>
-      <p:par>
-        <p:cTn id="1" dur="indefinite" restart="never" nodeType="tmRoot"/>
-      </p:par>
-    </p:tnLst>
-  </p:timing>
 </p:sld>
 </file>
 
@@ -11103,7 +11000,7 @@
           <a:p>
             <a:pPr eaLnBrk="1" hangingPunct="1"/>
             <a:r>
-              <a:rPr lang="zh-CN" altLang="en-US" smtClean="0"/>
+              <a:rPr lang="zh-CN" altLang="en-US"/>
               <a:t>设计模式的诞生与发展</a:t>
             </a:r>
           </a:p>
@@ -11126,26 +11023,26 @@
           <a:p>
             <a:pPr eaLnBrk="1" hangingPunct="1"/>
             <a:r>
-              <a:rPr kumimoji="1" lang="zh-CN" altLang="en-US" smtClean="0"/>
+              <a:rPr kumimoji="1" lang="zh-CN" altLang="en-US" dirty="0"/>
               <a:t>软件模式概述 </a:t>
             </a:r>
-            <a:endParaRPr lang="zh-CN" altLang="en-US" smtClean="0"/>
+            <a:endParaRPr lang="zh-CN" altLang="en-US" dirty="0"/>
           </a:p>
           <a:p>
             <a:pPr lvl="1" eaLnBrk="1" hangingPunct="1"/>
             <a:r>
-              <a:rPr lang="zh-CN" altLang="en-US" smtClean="0"/>
+              <a:rPr lang="zh-CN" altLang="en-US" dirty="0"/>
               <a:t>软件模式：</a:t>
             </a:r>
             <a:r>
-              <a:rPr lang="zh-CN" altLang="en-US" smtClean="0">
+              <a:rPr lang="zh-CN" altLang="en-US" dirty="0">
                 <a:solidFill>
                   <a:srgbClr val="FF3300"/>
                 </a:solidFill>
               </a:rPr>
               <a:t>在一定条件下的软件开发问题及其解法</a:t>
             </a:r>
-            <a:endParaRPr lang="en-US" altLang="zh-CN" smtClean="0">
+            <a:endParaRPr lang="en-US" altLang="zh-CN" dirty="0">
               <a:solidFill>
                 <a:srgbClr val="FF3300"/>
               </a:solidFill>
@@ -11157,12 +11054,12 @@
               <a:buChar char="•"/>
             </a:pPr>
             <a:r>
-              <a:rPr lang="zh-CN" altLang="en-US" sz="2400" smtClean="0">
+              <a:rPr lang="zh-CN" altLang="en-US" sz="2400" dirty="0">
                 <a:ea typeface="黑体" panose="02010609060101010101" pitchFamily="49" charset="-122"/>
               </a:rPr>
               <a:t> 问题描述</a:t>
             </a:r>
-            <a:endParaRPr lang="en-US" altLang="zh-CN" sz="2400" smtClean="0">
+            <a:endParaRPr lang="en-US" altLang="zh-CN" sz="2400" dirty="0">
               <a:ea typeface="黑体" panose="02010609060101010101" pitchFamily="49" charset="-122"/>
             </a:endParaRPr>
           </a:p>
@@ -11172,12 +11069,12 @@
               <a:buChar char="•"/>
             </a:pPr>
             <a:r>
-              <a:rPr lang="zh-CN" altLang="en-US" sz="2400" smtClean="0">
+              <a:rPr lang="zh-CN" altLang="en-US" sz="2400" dirty="0">
                 <a:ea typeface="黑体" panose="02010609060101010101" pitchFamily="49" charset="-122"/>
               </a:rPr>
               <a:t> 前提条件（环境或约束条件）</a:t>
             </a:r>
-            <a:endParaRPr lang="en-US" altLang="zh-CN" sz="2400" smtClean="0">
+            <a:endParaRPr lang="en-US" altLang="zh-CN" sz="2400" dirty="0">
               <a:ea typeface="黑体" panose="02010609060101010101" pitchFamily="49" charset="-122"/>
             </a:endParaRPr>
           </a:p>
@@ -11187,12 +11084,12 @@
               <a:buChar char="•"/>
             </a:pPr>
             <a:r>
-              <a:rPr lang="zh-CN" altLang="en-US" sz="2400" smtClean="0">
+              <a:rPr lang="zh-CN" altLang="en-US" sz="2400" dirty="0">
                 <a:ea typeface="黑体" panose="02010609060101010101" pitchFamily="49" charset="-122"/>
               </a:rPr>
               <a:t> 解法</a:t>
             </a:r>
-            <a:endParaRPr lang="en-US" altLang="zh-CN" sz="2400" smtClean="0">
+            <a:endParaRPr lang="en-US" altLang="zh-CN" sz="2400" dirty="0">
               <a:ea typeface="黑体" panose="02010609060101010101" pitchFamily="49" charset="-122"/>
             </a:endParaRPr>
           </a:p>
@@ -11202,12 +11099,12 @@
               <a:buChar char="•"/>
             </a:pPr>
             <a:r>
-              <a:rPr lang="zh-CN" altLang="en-US" sz="2400" smtClean="0">
+              <a:rPr lang="zh-CN" altLang="en-US" sz="2400" dirty="0">
                 <a:ea typeface="黑体" panose="02010609060101010101" pitchFamily="49" charset="-122"/>
               </a:rPr>
               <a:t> 效果</a:t>
             </a:r>
-            <a:endParaRPr lang="zh-CN" altLang="en-US" sz="2400" smtClean="0">
+            <a:endParaRPr lang="zh-CN" altLang="en-US" sz="2400" dirty="0">
               <a:solidFill>
                 <a:srgbClr val="FF3300"/>
               </a:solidFill>
@@ -11226,13 +11123,6 @@
   <p:clrMapOvr>
     <a:masterClrMapping/>
   </p:clrMapOvr>
-  <p:timing>
-    <p:tnLst>
-      <p:par>
-        <p:cTn id="1" dur="indefinite" restart="never" nodeType="tmRoot"/>
-      </p:par>
-    </p:tnLst>
-  </p:timing>
 </p:sld>
 </file>
 
@@ -11275,7 +11165,7 @@
           <a:p>
             <a:pPr eaLnBrk="1" hangingPunct="1"/>
             <a:r>
-              <a:rPr lang="zh-CN" altLang="en-US" smtClean="0"/>
+              <a:rPr lang="zh-CN" altLang="en-US"/>
               <a:t>设计模式的诞生与发展</a:t>
             </a:r>
           </a:p>
@@ -11298,7 +11188,7 @@
           <a:p>
             <a:pPr eaLnBrk="1" hangingPunct="1"/>
             <a:r>
-              <a:rPr kumimoji="1" lang="zh-CN" altLang="en-US" smtClean="0"/>
+              <a:rPr kumimoji="1" lang="zh-CN" altLang="en-US"/>
               <a:t>软件模式概述</a:t>
             </a:r>
           </a:p>
@@ -11756,12 +11646,12 @@
           <a:graphicData uri="http://schemas.openxmlformats.org/presentationml/2006/ole">
             <mc:AlternateContent xmlns:mc="http://schemas.openxmlformats.org/markup-compatibility/2006">
               <mc:Choice xmlns:v="urn:schemas-microsoft-com:vml" Requires="v">
-                <p:oleObj spid="_x0000_s4141" name="Visio" r:id="rId3" imgW="6958881" imgH="4514715" progId="Visio.Drawing.11">
+                <p:oleObj name="Visio" r:id="rId2" imgW="6958881" imgH="4514715" progId="Visio.Drawing.11">
                   <p:embed/>
                 </p:oleObj>
               </mc:Choice>
               <mc:Fallback>
-                <p:oleObj name="Visio" r:id="rId3" imgW="6958881" imgH="4514715" progId="Visio.Drawing.11">
+                <p:oleObj name="Visio" r:id="rId2" imgW="6958881" imgH="4514715" progId="Visio.Drawing.11">
                   <p:embed/>
                   <p:pic>
                     <p:nvPicPr>
@@ -11772,7 +11662,7 @@
                       <p:nvPr/>
                     </p:nvPicPr>
                     <p:blipFill>
-                      <a:blip r:embed="rId4">
+                      <a:blip r:embed="rId3">
                         <a:extLst>
                           <a:ext uri="{28A0092B-C50C-407E-A947-70E740481C1C}">
                             <a14:useLocalDpi xmlns:a14="http://schemas.microsoft.com/office/drawing/2010/main" val="0"/>
@@ -11833,13 +11723,6 @@
   <p:clrMapOvr>
     <a:masterClrMapping/>
   </p:clrMapOvr>
-  <p:timing>
-    <p:tnLst>
-      <p:par>
-        <p:cTn id="1" dur="indefinite" restart="never" nodeType="tmRoot"/>
-      </p:par>
-    </p:tnLst>
-  </p:timing>
 </p:sld>
 </file>
 
@@ -11882,7 +11765,7 @@
           <a:p>
             <a:pPr eaLnBrk="1" hangingPunct="1"/>
             <a:r>
-              <a:rPr lang="zh-CN" altLang="en-US" smtClean="0"/>
+              <a:rPr lang="zh-CN" altLang="en-US"/>
               <a:t>设计模式的诞生与发展</a:t>
             </a:r>
           </a:p>
@@ -11905,14 +11788,14 @@
           <a:p>
             <a:pPr eaLnBrk="1" hangingPunct="1"/>
             <a:r>
-              <a:rPr kumimoji="1" lang="zh-CN" altLang="en-US" smtClean="0"/>
+              <a:rPr kumimoji="1" lang="zh-CN" altLang="en-US" dirty="0"/>
               <a:t>软件模式概述</a:t>
             </a:r>
           </a:p>
           <a:p>
             <a:pPr lvl="1" eaLnBrk="1" hangingPunct="1"/>
             <a:r>
-              <a:rPr kumimoji="1" lang="zh-CN" altLang="en-US" smtClean="0">
+              <a:rPr kumimoji="1" lang="zh-CN" altLang="en-US" dirty="0">
                 <a:solidFill>
                   <a:srgbClr val="FF3300"/>
                 </a:solidFill>
@@ -11920,7 +11803,7 @@
               <a:t>大三律</a:t>
             </a:r>
             <a:r>
-              <a:rPr kumimoji="1" lang="en-US" altLang="zh-CN" smtClean="0">
+              <a:rPr kumimoji="1" lang="en-US" altLang="zh-CN" dirty="0">
                 <a:solidFill>
                   <a:srgbClr val="FF3300"/>
                 </a:solidFill>
@@ -11934,13 +11817,13 @@
               <a:buChar char="•"/>
             </a:pPr>
             <a:r>
-              <a:rPr kumimoji="1" lang="zh-CN" altLang="en-US" sz="2400" smtClean="0">
+              <a:rPr kumimoji="1" lang="zh-CN" altLang="en-US" sz="2400" dirty="0">
                 <a:ea typeface="黑体" panose="02010609060101010101" pitchFamily="49" charset="-122"/>
               </a:rPr>
               <a:t>只有经过</a:t>
             </a:r>
             <a:r>
-              <a:rPr kumimoji="1" lang="en-US" altLang="zh-CN" sz="2400" smtClean="0">
+              <a:rPr kumimoji="1" lang="en-US" altLang="zh-CN" sz="2400" dirty="0">
                 <a:solidFill>
                   <a:srgbClr val="FF3300"/>
                 </a:solidFill>
@@ -11949,7 +11832,7 @@
               <a:t>3</a:t>
             </a:r>
             <a:r>
-              <a:rPr kumimoji="1" lang="zh-CN" altLang="en-US" sz="2400" smtClean="0">
+              <a:rPr kumimoji="1" lang="zh-CN" altLang="en-US" sz="2400" dirty="0">
                 <a:solidFill>
                   <a:srgbClr val="FF3300"/>
                 </a:solidFill>
@@ -11958,7 +11841,7 @@
               <a:t>个以上不同类型（或不同领域）的系统</a:t>
             </a:r>
             <a:r>
-              <a:rPr kumimoji="1" lang="zh-CN" altLang="en-US" sz="2400" smtClean="0">
+              <a:rPr kumimoji="1" lang="zh-CN" altLang="en-US" sz="2400" dirty="0">
                 <a:ea typeface="黑体" panose="02010609060101010101" pitchFamily="49" charset="-122"/>
               </a:rPr>
               <a:t>的校验，一个解决方案才能从候选模式升格为模式</a:t>
@@ -12194,13 +12077,6 @@
   <p:clrMapOvr>
     <a:masterClrMapping/>
   </p:clrMapOvr>
-  <p:timing>
-    <p:tnLst>
-      <p:par>
-        <p:cTn id="1" dur="indefinite" restart="never" nodeType="tmRoot"/>
-      </p:par>
-    </p:tnLst>
-  </p:timing>
 </p:sld>
 </file>
 
@@ -12243,7 +12119,7 @@
           <a:p>
             <a:pPr eaLnBrk="1" hangingPunct="1"/>
             <a:r>
-              <a:rPr lang="zh-CN" altLang="en-US" smtClean="0"/>
+              <a:rPr lang="zh-CN" altLang="en-US"/>
               <a:t>设计模式的诞生与发展</a:t>
             </a:r>
           </a:p>
@@ -12275,7 +12151,7 @@
               </a:lnSpc>
             </a:pPr>
             <a:r>
-              <a:rPr kumimoji="1" lang="zh-CN" altLang="en-US" smtClean="0"/>
+              <a:rPr kumimoji="1" lang="zh-CN" altLang="en-US" dirty="0"/>
               <a:t>设计模式的发展 </a:t>
             </a:r>
           </a:p>
@@ -12286,7 +12162,7 @@
               </a:lnSpc>
             </a:pPr>
             <a:r>
-              <a:rPr kumimoji="1" lang="en-US" altLang="zh-CN" sz="1800" smtClean="0">
+              <a:rPr kumimoji="1" lang="en-US" altLang="zh-CN" sz="1800" dirty="0">
                 <a:solidFill>
                   <a:srgbClr val="FF3300"/>
                 </a:solidFill>
@@ -12294,7 +12170,7 @@
               <a:t>1987</a:t>
             </a:r>
             <a:r>
-              <a:rPr kumimoji="1" lang="zh-CN" altLang="en-US" sz="1800" smtClean="0">
+              <a:rPr kumimoji="1" lang="zh-CN" altLang="en-US" sz="1800" dirty="0">
                 <a:solidFill>
                   <a:srgbClr val="FF3300"/>
                 </a:solidFill>
@@ -12302,39 +12178,39 @@
               <a:t>年</a:t>
             </a:r>
             <a:r>
-              <a:rPr kumimoji="1" lang="zh-CN" altLang="en-US" sz="1800" smtClean="0"/>
+              <a:rPr kumimoji="1" lang="zh-CN" altLang="en-US" sz="1800" dirty="0"/>
               <a:t>，</a:t>
             </a:r>
             <a:r>
-              <a:rPr kumimoji="1" lang="en-US" altLang="zh-CN" sz="1800" smtClean="0"/>
+              <a:rPr kumimoji="1" lang="en-US" altLang="zh-CN" sz="1800" dirty="0"/>
               <a:t>Kent Beck</a:t>
             </a:r>
             <a:r>
-              <a:rPr kumimoji="1" lang="zh-CN" altLang="en-US" sz="1800" smtClean="0"/>
+              <a:rPr kumimoji="1" lang="zh-CN" altLang="en-US" sz="1800" dirty="0"/>
               <a:t>和</a:t>
             </a:r>
             <a:r>
-              <a:rPr kumimoji="1" lang="en-US" altLang="zh-CN" sz="1800" smtClean="0"/>
+              <a:rPr kumimoji="1" lang="en-US" altLang="zh-CN" sz="1800" dirty="0"/>
               <a:t>Ward Cunningham</a:t>
             </a:r>
             <a:r>
-              <a:rPr kumimoji="1" lang="zh-CN" altLang="en-US" sz="1800" smtClean="0"/>
+              <a:rPr kumimoji="1" lang="zh-CN" altLang="en-US" sz="1800" dirty="0"/>
               <a:t>借鉴</a:t>
             </a:r>
             <a:r>
-              <a:rPr kumimoji="1" lang="en-US" altLang="zh-CN" sz="1800" smtClean="0"/>
+              <a:rPr kumimoji="1" lang="en-US" altLang="zh-CN" sz="1800" dirty="0"/>
               <a:t>Alexander</a:t>
             </a:r>
             <a:r>
-              <a:rPr kumimoji="1" lang="zh-CN" altLang="en-US" sz="1800" smtClean="0"/>
+              <a:rPr kumimoji="1" lang="zh-CN" altLang="en-US" sz="1800" dirty="0"/>
               <a:t>的模式思想在程序开发中开始应用一些模式 ，在</a:t>
             </a:r>
             <a:r>
-              <a:rPr kumimoji="1" lang="en-US" altLang="zh-CN" sz="1800" smtClean="0"/>
+              <a:rPr kumimoji="1" lang="en-US" altLang="zh-CN" sz="1800" dirty="0"/>
               <a:t>OOPSLA</a:t>
             </a:r>
             <a:r>
-              <a:rPr kumimoji="1" lang="zh-CN" altLang="en-US" sz="1800" smtClean="0"/>
+              <a:rPr kumimoji="1" lang="zh-CN" altLang="en-US" sz="1800" dirty="0"/>
               <a:t>会议上发表了他们的成果</a:t>
             </a:r>
           </a:p>
@@ -12345,7 +12221,7 @@
               </a:lnSpc>
             </a:pPr>
             <a:r>
-              <a:rPr kumimoji="1" lang="en-US" altLang="zh-CN" sz="1800" smtClean="0">
+              <a:rPr kumimoji="1" lang="en-US" altLang="zh-CN" sz="1800" dirty="0">
                 <a:solidFill>
                   <a:srgbClr val="FF3300"/>
                 </a:solidFill>
@@ -12353,7 +12229,7 @@
               <a:t>1990</a:t>
             </a:r>
             <a:r>
-              <a:rPr kumimoji="1" lang="zh-CN" altLang="en-US" sz="1800" smtClean="0">
+              <a:rPr kumimoji="1" lang="zh-CN" altLang="en-US" sz="1800" dirty="0">
                 <a:solidFill>
                   <a:srgbClr val="FF3300"/>
                 </a:solidFill>
@@ -12361,55 +12237,55 @@
               <a:t>年</a:t>
             </a:r>
             <a:r>
-              <a:rPr kumimoji="1" lang="zh-CN" altLang="en-US" sz="1800" smtClean="0"/>
+              <a:rPr kumimoji="1" lang="zh-CN" altLang="en-US" sz="1800" dirty="0"/>
               <a:t>，</a:t>
             </a:r>
             <a:r>
-              <a:rPr kumimoji="1" lang="en-US" altLang="zh-CN" sz="1800" smtClean="0"/>
+              <a:rPr kumimoji="1" lang="en-US" altLang="zh-CN" sz="1800" dirty="0"/>
               <a:t>OOPSLA</a:t>
             </a:r>
             <a:r>
-              <a:rPr kumimoji="1" lang="zh-CN" altLang="en-US" sz="1800" smtClean="0"/>
+              <a:rPr kumimoji="1" lang="zh-CN" altLang="en-US" sz="1800" dirty="0"/>
               <a:t>与</a:t>
             </a:r>
             <a:r>
-              <a:rPr kumimoji="1" lang="en-US" altLang="zh-CN" sz="1800" smtClean="0"/>
+              <a:rPr kumimoji="1" lang="en-US" altLang="zh-CN" sz="1800" dirty="0"/>
               <a:t>ECOOP</a:t>
             </a:r>
             <a:r>
-              <a:rPr kumimoji="1" lang="zh-CN" altLang="en-US" sz="1800" smtClean="0"/>
+              <a:rPr kumimoji="1" lang="zh-CN" altLang="en-US" sz="1800" dirty="0"/>
               <a:t>联合举办，</a:t>
             </a:r>
             <a:r>
-              <a:rPr kumimoji="1" lang="en-US" altLang="zh-CN" sz="1800" smtClean="0"/>
+              <a:rPr kumimoji="1" lang="en-US" altLang="zh-CN" sz="1800" dirty="0"/>
               <a:t>Erich Gamma</a:t>
             </a:r>
             <a:r>
-              <a:rPr kumimoji="1" lang="zh-CN" altLang="en-US" sz="1800" smtClean="0"/>
+              <a:rPr kumimoji="1" lang="zh-CN" altLang="en-US" sz="1800" dirty="0"/>
               <a:t>和</a:t>
             </a:r>
             <a:r>
-              <a:rPr kumimoji="1" lang="en-US" altLang="zh-CN" sz="1800" smtClean="0"/>
+              <a:rPr kumimoji="1" lang="en-US" altLang="zh-CN" sz="1800" dirty="0"/>
               <a:t>Richard Helm</a:t>
             </a:r>
             <a:r>
-              <a:rPr kumimoji="1" lang="zh-CN" altLang="en-US" sz="1800" smtClean="0"/>
+              <a:rPr kumimoji="1" lang="zh-CN" altLang="en-US" sz="1800" dirty="0"/>
               <a:t>等人开始讨论有关模式的话题</a:t>
             </a:r>
             <a:r>
-              <a:rPr kumimoji="1" lang="en-US" altLang="zh-CN" sz="1800" smtClean="0"/>
+              <a:rPr kumimoji="1" lang="en-US" altLang="zh-CN" sz="1800" dirty="0"/>
               <a:t>(Bruce Anderson</a:t>
             </a:r>
             <a:r>
-              <a:rPr kumimoji="1" lang="zh-CN" altLang="en-US" sz="1800" smtClean="0"/>
+              <a:rPr kumimoji="1" lang="zh-CN" altLang="en-US" sz="1800" dirty="0"/>
               <a:t>主持</a:t>
             </a:r>
             <a:r>
-              <a:rPr kumimoji="1" lang="en-US" altLang="zh-CN" sz="1800" smtClean="0"/>
+              <a:rPr kumimoji="1" lang="en-US" altLang="zh-CN" sz="1800" dirty="0"/>
               <a:t>)</a:t>
             </a:r>
             <a:r>
-              <a:rPr kumimoji="1" lang="zh-CN" altLang="en-US" sz="1800" smtClean="0"/>
+              <a:rPr kumimoji="1" lang="zh-CN" altLang="en-US" sz="1800" dirty="0"/>
               <a:t>，“四人组” 正式成立，并开始着手进行设计模式的分类整理工作</a:t>
             </a:r>
           </a:p>
@@ -12420,7 +12296,7 @@
               </a:lnSpc>
             </a:pPr>
             <a:r>
-              <a:rPr kumimoji="1" lang="en-US" altLang="zh-CN" sz="1800" smtClean="0">
+              <a:rPr kumimoji="1" lang="en-US" altLang="zh-CN" sz="1800" dirty="0">
                 <a:solidFill>
                   <a:srgbClr val="FF3300"/>
                 </a:solidFill>
@@ -12428,7 +12304,7 @@
               <a:t>1991 </a:t>
             </a:r>
             <a:r>
-              <a:rPr kumimoji="1" lang="zh-CN" altLang="en-US" sz="1800" smtClean="0">
+              <a:rPr kumimoji="1" lang="zh-CN" altLang="en-US" sz="1800" dirty="0">
                 <a:solidFill>
                   <a:srgbClr val="FF3300"/>
                 </a:solidFill>
@@ -12436,23 +12312,23 @@
               <a:t>年</a:t>
             </a:r>
             <a:r>
-              <a:rPr kumimoji="1" lang="zh-CN" altLang="en-US" sz="1800" smtClean="0"/>
+              <a:rPr kumimoji="1" lang="zh-CN" altLang="en-US" sz="1800" dirty="0"/>
               <a:t>，</a:t>
             </a:r>
             <a:r>
-              <a:rPr kumimoji="1" lang="en-US" altLang="zh-CN" sz="1800" smtClean="0"/>
+              <a:rPr kumimoji="1" lang="en-US" altLang="zh-CN" sz="1800" dirty="0"/>
               <a:t>OOPSLA</a:t>
             </a:r>
             <a:r>
-              <a:rPr kumimoji="1" lang="zh-CN" altLang="en-US" sz="1800" smtClean="0"/>
+              <a:rPr kumimoji="1" lang="zh-CN" altLang="en-US" sz="1800" dirty="0"/>
               <a:t>，</a:t>
             </a:r>
             <a:r>
-              <a:rPr kumimoji="1" lang="en-US" altLang="zh-CN" sz="1800" smtClean="0"/>
+              <a:rPr kumimoji="1" lang="en-US" altLang="zh-CN" sz="1800" dirty="0"/>
               <a:t>Bruce Anderson</a:t>
             </a:r>
             <a:r>
-              <a:rPr kumimoji="1" lang="zh-CN" altLang="en-US" sz="1800" smtClean="0"/>
+              <a:rPr kumimoji="1" lang="zh-CN" altLang="en-US" sz="1800" dirty="0"/>
               <a:t>主持了首次针对设计模式的研讨会 </a:t>
             </a:r>
           </a:p>
@@ -12463,7 +12339,7 @@
               </a:lnSpc>
             </a:pPr>
             <a:r>
-              <a:rPr kumimoji="1" lang="en-US" altLang="zh-CN" sz="1800" smtClean="0">
+              <a:rPr kumimoji="1" lang="en-US" altLang="zh-CN" sz="1800" dirty="0">
                 <a:solidFill>
                   <a:srgbClr val="FF3300"/>
                 </a:solidFill>
@@ -12471,7 +12347,7 @@
               <a:t>1992 </a:t>
             </a:r>
             <a:r>
-              <a:rPr kumimoji="1" lang="zh-CN" altLang="en-US" sz="1800" smtClean="0">
+              <a:rPr kumimoji="1" lang="zh-CN" altLang="en-US" sz="1800" dirty="0">
                 <a:solidFill>
                   <a:srgbClr val="FF3300"/>
                 </a:solidFill>
@@ -12479,23 +12355,23 @@
               <a:t>年</a:t>
             </a:r>
             <a:r>
-              <a:rPr kumimoji="1" lang="zh-CN" altLang="en-US" sz="1800" smtClean="0"/>
+              <a:rPr kumimoji="1" lang="zh-CN" altLang="en-US" sz="1800" dirty="0"/>
               <a:t>，</a:t>
             </a:r>
             <a:r>
-              <a:rPr kumimoji="1" lang="en-US" altLang="zh-CN" sz="1800" smtClean="0"/>
+              <a:rPr kumimoji="1" lang="en-US" altLang="zh-CN" sz="1800" dirty="0"/>
               <a:t>OOPSLA </a:t>
             </a:r>
             <a:r>
-              <a:rPr kumimoji="1" lang="zh-CN" altLang="en-US" sz="1800" smtClean="0"/>
+              <a:rPr kumimoji="1" lang="zh-CN" altLang="en-US" sz="1800" dirty="0"/>
               <a:t>，</a:t>
             </a:r>
             <a:r>
-              <a:rPr kumimoji="1" lang="en-US" altLang="zh-CN" sz="1800" smtClean="0"/>
+              <a:rPr kumimoji="1" lang="en-US" altLang="zh-CN" sz="1800" dirty="0"/>
               <a:t>Anderson</a:t>
             </a:r>
             <a:r>
-              <a:rPr kumimoji="1" lang="zh-CN" altLang="en-US" sz="1800" smtClean="0"/>
+              <a:rPr kumimoji="1" lang="zh-CN" altLang="en-US" sz="1800" dirty="0"/>
               <a:t>再度主持研讨会，模式已经逐渐成为人们讨论的话题</a:t>
             </a:r>
           </a:p>
@@ -12506,7 +12382,7 @@
               </a:lnSpc>
             </a:pPr>
             <a:r>
-              <a:rPr lang="zh-CN" altLang="en-US" sz="1800" smtClean="0">
+              <a:rPr lang="zh-CN" altLang="en-US" sz="1800" dirty="0">
                 <a:solidFill>
                   <a:schemeClr val="tx1"/>
                 </a:solidFill>
@@ -12514,7 +12390,7 @@
               <a:t>注</a:t>
             </a:r>
             <a:r>
-              <a:rPr lang="en-US" altLang="zh-CN" sz="1800" smtClean="0">
+              <a:rPr lang="en-US" altLang="zh-CN" sz="1800" dirty="0">
                 <a:solidFill>
                   <a:schemeClr val="tx1"/>
                 </a:solidFill>
@@ -12522,7 +12398,7 @@
               <a:t>:</a:t>
             </a:r>
             <a:r>
-              <a:rPr lang="en-US" altLang="zh-CN" sz="1800" smtClean="0">
+              <a:rPr lang="en-US" altLang="zh-CN" sz="1800" dirty="0">
                 <a:solidFill>
                   <a:srgbClr val="FF3300"/>
                 </a:solidFill>
@@ -12530,7 +12406,7 @@
               <a:t> OOPSLA (Object-Oriented Programming, Systems, Languages &amp; Applications</a:t>
             </a:r>
             <a:r>
-              <a:rPr lang="zh-CN" altLang="en-US" sz="1800" smtClean="0">
+              <a:rPr lang="zh-CN" altLang="en-US" sz="1800" dirty="0">
                 <a:solidFill>
                   <a:srgbClr val="FF3300"/>
                 </a:solidFill>
@@ -12538,11 +12414,11 @@
               <a:t>，</a:t>
             </a:r>
             <a:r>
-              <a:rPr kumimoji="1" lang="zh-CN" altLang="en-US" sz="1800" smtClean="0"/>
+              <a:rPr kumimoji="1" lang="zh-CN" altLang="en-US" sz="1800" dirty="0"/>
               <a:t>面向对象编程、系统、语言和应用大会</a:t>
             </a:r>
             <a:r>
-              <a:rPr lang="en-US" altLang="zh-CN" sz="1800" smtClean="0">
+              <a:rPr lang="en-US" altLang="zh-CN" sz="1800" dirty="0">
                 <a:solidFill>
                   <a:srgbClr val="FF3300"/>
                 </a:solidFill>
@@ -12550,26 +12426,26 @@
               <a:t>)</a:t>
             </a:r>
             <a:r>
-              <a:rPr kumimoji="1" lang="zh-CN" altLang="en-US" sz="1800" smtClean="0"/>
+              <a:rPr kumimoji="1" lang="zh-CN" altLang="en-US" sz="1800" dirty="0"/>
               <a:t>，编程语言及软件工程国际顶级会议，</a:t>
             </a:r>
             <a:r>
-              <a:rPr kumimoji="1" lang="en-US" altLang="zh-CN" sz="1800" smtClean="0"/>
+              <a:rPr kumimoji="1" lang="en-US" altLang="zh-CN" sz="1800" dirty="0"/>
               <a:t>2010</a:t>
             </a:r>
             <a:r>
-              <a:rPr kumimoji="1" lang="zh-CN" altLang="en-US" sz="1800" smtClean="0"/>
+              <a:rPr kumimoji="1" lang="zh-CN" altLang="en-US" sz="1800" dirty="0"/>
               <a:t>年改为</a:t>
             </a:r>
             <a:r>
-              <a:rPr lang="en-US" altLang="zh-CN" sz="1800" smtClean="0">
+              <a:rPr lang="en-US" altLang="zh-CN" sz="1800" dirty="0">
                 <a:solidFill>
                   <a:srgbClr val="FF3300"/>
                 </a:solidFill>
               </a:rPr>
               <a:t>SPLASH --- Systems, Programming, Languages and Applications: Software for Humanity </a:t>
             </a:r>
-            <a:endParaRPr kumimoji="1" lang="en-US" altLang="zh-CN" sz="1800" smtClean="0">
+            <a:endParaRPr kumimoji="1" lang="en-US" altLang="zh-CN" sz="1800" dirty="0">
               <a:solidFill>
                 <a:srgbClr val="FF3300"/>
               </a:solidFill>
@@ -12581,7 +12457,7 @@
                 <a:spcPct val="100000"/>
               </a:lnSpc>
             </a:pPr>
-            <a:endParaRPr kumimoji="1" lang="en-US" altLang="zh-CN" sz="1800" smtClean="0">
+            <a:endParaRPr kumimoji="1" lang="en-US" altLang="zh-CN" sz="1800" dirty="0">
               <a:solidFill>
                 <a:srgbClr val="FF3300"/>
               </a:solidFill>
@@ -12817,13 +12693,6 @@
   <p:clrMapOvr>
     <a:masterClrMapping/>
   </p:clrMapOvr>
-  <p:timing>
-    <p:tnLst>
-      <p:par>
-        <p:cTn id="1" dur="indefinite" restart="never" nodeType="tmRoot"/>
-      </p:par>
-    </p:tnLst>
-  </p:timing>
 </p:sld>
 </file>
 
@@ -12866,7 +12735,7 @@
           <a:p>
             <a:pPr eaLnBrk="1" hangingPunct="1"/>
             <a:r>
-              <a:rPr lang="zh-CN" altLang="en-US" smtClean="0"/>
+              <a:rPr lang="zh-CN" altLang="en-US"/>
               <a:t>设计模式的诞生与发展</a:t>
             </a:r>
           </a:p>
@@ -12894,14 +12763,14 @@
           <a:p>
             <a:pPr eaLnBrk="1" hangingPunct="1"/>
             <a:r>
-              <a:rPr kumimoji="1" lang="zh-CN" altLang="en-US" smtClean="0"/>
+              <a:rPr kumimoji="1" lang="zh-CN" altLang="en-US" dirty="0"/>
               <a:t>设计模式的发展 </a:t>
             </a:r>
           </a:p>
           <a:p>
             <a:pPr lvl="1" eaLnBrk="1" hangingPunct="1"/>
             <a:r>
-              <a:rPr kumimoji="1" lang="en-US" altLang="zh-CN" sz="1800" smtClean="0">
+              <a:rPr kumimoji="1" lang="en-US" altLang="zh-CN" sz="1800" dirty="0">
                 <a:solidFill>
                   <a:srgbClr val="FF3300"/>
                 </a:solidFill>
@@ -12909,7 +12778,7 @@
               <a:t>1993</a:t>
             </a:r>
             <a:r>
-              <a:rPr kumimoji="1" lang="zh-CN" altLang="en-US" sz="1800" smtClean="0">
+              <a:rPr kumimoji="1" lang="zh-CN" altLang="en-US" sz="1800" dirty="0">
                 <a:solidFill>
                   <a:srgbClr val="FF3300"/>
                 </a:solidFill>
@@ -12917,38 +12786,46 @@
               <a:t>年</a:t>
             </a:r>
             <a:r>
-              <a:rPr kumimoji="1" lang="zh-CN" altLang="en-US" sz="1800" smtClean="0"/>
+              <a:rPr kumimoji="1" lang="zh-CN" altLang="en-US" sz="1800" dirty="0"/>
               <a:t>，</a:t>
             </a:r>
             <a:r>
-              <a:rPr kumimoji="1" lang="en-US" altLang="zh-CN" sz="1800" smtClean="0"/>
+              <a:rPr kumimoji="1" lang="en-US" altLang="zh-CN" sz="1800" dirty="0"/>
               <a:t>Kent Beck </a:t>
             </a:r>
             <a:r>
-              <a:rPr kumimoji="1" lang="zh-CN" altLang="en-US" sz="1800" smtClean="0"/>
+              <a:rPr kumimoji="1" lang="zh-CN" altLang="en-US" sz="1800" dirty="0"/>
               <a:t>和 </a:t>
             </a:r>
             <a:r>
-              <a:rPr kumimoji="1" lang="en-US" altLang="zh-CN" sz="1800" smtClean="0"/>
-              <a:t>Grady Booch </a:t>
-            </a:r>
-            <a:r>
-              <a:rPr kumimoji="1" lang="zh-CN" altLang="en-US" sz="1800" smtClean="0"/>
+              <a:rPr kumimoji="1" lang="en-US" altLang="zh-CN" sz="1800" dirty="0"/>
+              <a:t>Grady </a:t>
+            </a:r>
+            <a:r>
+              <a:rPr kumimoji="1" lang="en-US" altLang="zh-CN" sz="1800" dirty="0" err="1"/>
+              <a:t>Booch</a:t>
+            </a:r>
+            <a:r>
+              <a:rPr kumimoji="1" lang="en-US" altLang="zh-CN" sz="1800" dirty="0"/>
+              <a:t> </a:t>
+            </a:r>
+            <a:r>
+              <a:rPr kumimoji="1" lang="zh-CN" altLang="en-US" sz="1800" dirty="0"/>
               <a:t>赞助了第一次关于设计模式的会议，这个设计模式研究组织发展成为著名的</a:t>
             </a:r>
             <a:r>
-              <a:rPr kumimoji="1" lang="en-US" altLang="zh-CN" sz="1800" smtClean="0"/>
+              <a:rPr kumimoji="1" lang="en-US" altLang="zh-CN" sz="1800" dirty="0"/>
               <a:t>Hillside Group</a:t>
             </a:r>
             <a:r>
-              <a:rPr kumimoji="1" lang="zh-CN" altLang="en-US" sz="1800" smtClean="0"/>
+              <a:rPr kumimoji="1" lang="zh-CN" altLang="en-US" sz="1800" dirty="0"/>
               <a:t>研究组</a:t>
             </a:r>
           </a:p>
           <a:p>
             <a:pPr lvl="1" eaLnBrk="1" hangingPunct="1"/>
             <a:r>
-              <a:rPr kumimoji="1" lang="en-US" altLang="zh-CN" sz="1800" smtClean="0">
+              <a:rPr kumimoji="1" lang="en-US" altLang="zh-CN" sz="1800" dirty="0">
                 <a:solidFill>
                   <a:srgbClr val="FF3300"/>
                 </a:solidFill>
@@ -12956,7 +12833,7 @@
               <a:t>1994 </a:t>
             </a:r>
             <a:r>
-              <a:rPr kumimoji="1" lang="zh-CN" altLang="en-US" sz="1800" smtClean="0">
+              <a:rPr kumimoji="1" lang="zh-CN" altLang="en-US" sz="1800" dirty="0">
                 <a:solidFill>
                   <a:srgbClr val="FF3300"/>
                 </a:solidFill>
@@ -12964,59 +12841,67 @@
               <a:t>年</a:t>
             </a:r>
             <a:r>
-              <a:rPr kumimoji="1" lang="zh-CN" altLang="en-US" sz="1800" smtClean="0"/>
+              <a:rPr kumimoji="1" lang="zh-CN" altLang="en-US" sz="1800" dirty="0"/>
               <a:t>，由</a:t>
             </a:r>
             <a:r>
-              <a:rPr kumimoji="1" lang="en-US" altLang="zh-CN" sz="1800" smtClean="0"/>
+              <a:rPr kumimoji="1" lang="en-US" altLang="zh-CN" sz="1800" dirty="0"/>
               <a:t>Hillside Group</a:t>
             </a:r>
             <a:r>
-              <a:rPr kumimoji="1" lang="zh-CN" altLang="en-US" sz="1800" smtClean="0"/>
+              <a:rPr kumimoji="1" lang="zh-CN" altLang="en-US" sz="1800" dirty="0"/>
               <a:t>发起，在美国伊利诺伊州</a:t>
             </a:r>
             <a:r>
-              <a:rPr kumimoji="1" lang="en-US" altLang="zh-CN" sz="1800" smtClean="0"/>
+              <a:rPr kumimoji="1" lang="en-US" altLang="zh-CN" sz="1800" dirty="0"/>
               <a:t>(Illinois)</a:t>
             </a:r>
             <a:r>
-              <a:rPr kumimoji="1" lang="zh-CN" altLang="en-US" sz="1800" smtClean="0"/>
+              <a:rPr kumimoji="1" lang="zh-CN" altLang="en-US" sz="1800" dirty="0"/>
               <a:t>的</a:t>
             </a:r>
             <a:r>
-              <a:rPr kumimoji="1" lang="en-US" altLang="zh-CN" sz="1800" smtClean="0"/>
+              <a:rPr kumimoji="1" lang="en-US" altLang="zh-CN" sz="1800" dirty="0"/>
               <a:t>Allerton Park</a:t>
             </a:r>
             <a:r>
-              <a:rPr kumimoji="1" lang="zh-CN" altLang="en-US" sz="1800" smtClean="0"/>
+              <a:rPr kumimoji="1" lang="zh-CN" altLang="en-US" sz="1800" dirty="0"/>
               <a:t>召开了第</a:t>
             </a:r>
             <a:r>
-              <a:rPr kumimoji="1" lang="en-US" altLang="zh-CN" sz="1800" smtClean="0"/>
+              <a:rPr kumimoji="1" lang="en-US" altLang="zh-CN" sz="1800" dirty="0"/>
               <a:t>1</a:t>
             </a:r>
             <a:r>
-              <a:rPr kumimoji="1" lang="zh-CN" altLang="en-US" sz="1800" smtClean="0"/>
+              <a:rPr kumimoji="1" lang="zh-CN" altLang="en-US" sz="1800" dirty="0"/>
               <a:t>届关于面向对象模式的世界性会议，名为</a:t>
             </a:r>
             <a:r>
-              <a:rPr kumimoji="1" lang="en-US" altLang="zh-CN" sz="1800" smtClean="0">
+              <a:rPr kumimoji="1" lang="en-US" altLang="zh-CN" sz="1800" dirty="0" err="1">
                 <a:solidFill>
                   <a:srgbClr val="FF3300"/>
                 </a:solidFill>
               </a:rPr>
-              <a:t>PLoP(Pattern Languages of Programs, </a:t>
-            </a:r>
-            <a:r>
-              <a:rPr kumimoji="1" lang="zh-CN" altLang="en-US" sz="1800" smtClean="0">
+              <a:t>PLoP</a:t>
+            </a:r>
+            <a:r>
+              <a:rPr kumimoji="1" lang="en-US" altLang="zh-CN" sz="1800" dirty="0">
                 <a:solidFill>
                   <a:srgbClr val="FF3300"/>
                 </a:solidFill>
               </a:rPr>
+              <a:t>(Pattern Languages of Programs, </a:t>
+            </a:r>
+            <a:r>
+              <a:rPr kumimoji="1" lang="zh-CN" altLang="en-US" sz="1800" dirty="0">
+                <a:solidFill>
+                  <a:srgbClr val="FF3300"/>
+                </a:solidFill>
+              </a:rPr>
               <a:t>编程语言模式会议</a:t>
             </a:r>
             <a:r>
-              <a:rPr kumimoji="1" lang="en-US" altLang="zh-CN" sz="1800" smtClean="0">
+              <a:rPr kumimoji="1" lang="en-US" altLang="zh-CN" sz="1800" dirty="0">
                 <a:solidFill>
                   <a:srgbClr val="FF3300"/>
                 </a:solidFill>
@@ -13024,19 +12909,19 @@
               <a:t>)</a:t>
             </a:r>
             <a:r>
-              <a:rPr kumimoji="1" lang="zh-CN" altLang="en-US" sz="1800" smtClean="0"/>
+              <a:rPr kumimoji="1" lang="zh-CN" altLang="en-US" sz="1800" dirty="0"/>
               <a:t>，简称</a:t>
             </a:r>
             <a:r>
-              <a:rPr kumimoji="1" lang="en-US" altLang="zh-CN" sz="1800" smtClean="0"/>
+              <a:rPr kumimoji="1" lang="en-US" altLang="zh-CN" sz="1800" dirty="0"/>
               <a:t>PLoP‘94</a:t>
             </a:r>
-            <a:endParaRPr kumimoji="1" lang="zh-CN" altLang="en-US" sz="1800" smtClean="0"/>
+            <a:endParaRPr kumimoji="1" lang="zh-CN" altLang="en-US" sz="1800" dirty="0"/>
           </a:p>
           <a:p>
             <a:pPr lvl="1" eaLnBrk="1" hangingPunct="1"/>
             <a:r>
-              <a:rPr kumimoji="1" lang="en-US" altLang="zh-CN" sz="1800" smtClean="0">
+              <a:rPr kumimoji="1" lang="en-US" altLang="zh-CN" sz="1800" dirty="0">
                 <a:solidFill>
                   <a:srgbClr val="FF3300"/>
                 </a:solidFill>
@@ -13044,7 +12929,7 @@
               <a:t>1995</a:t>
             </a:r>
             <a:r>
-              <a:rPr kumimoji="1" lang="zh-CN" altLang="en-US" sz="1800" smtClean="0">
+              <a:rPr kumimoji="1" lang="zh-CN" altLang="en-US" sz="1800" dirty="0">
                 <a:solidFill>
                   <a:srgbClr val="FF3300"/>
                 </a:solidFill>
@@ -13052,39 +12937,39 @@
               <a:t>年</a:t>
             </a:r>
             <a:r>
-              <a:rPr kumimoji="1" lang="zh-CN" altLang="en-US" sz="1800" smtClean="0"/>
+              <a:rPr kumimoji="1" lang="zh-CN" altLang="en-US" sz="1800" dirty="0"/>
               <a:t>，</a:t>
             </a:r>
             <a:r>
-              <a:rPr kumimoji="1" lang="en-US" altLang="zh-CN" sz="1800" smtClean="0"/>
+              <a:rPr kumimoji="1" lang="en-US" altLang="zh-CN" sz="1800" dirty="0"/>
               <a:t>PLoP‘95 </a:t>
             </a:r>
             <a:r>
-              <a:rPr kumimoji="1" lang="zh-CN" altLang="en-US" sz="1800" smtClean="0"/>
+              <a:rPr kumimoji="1" lang="zh-CN" altLang="en-US" sz="1800" dirty="0"/>
               <a:t>仍在伊利诺伊州的</a:t>
             </a:r>
             <a:r>
-              <a:rPr kumimoji="1" lang="en-US" altLang="zh-CN" sz="1800" smtClean="0"/>
+              <a:rPr kumimoji="1" lang="en-US" altLang="zh-CN" sz="1800" dirty="0"/>
               <a:t>Allerton Park</a:t>
             </a:r>
             <a:r>
-              <a:rPr kumimoji="1" lang="zh-CN" altLang="en-US" sz="1800" smtClean="0"/>
+              <a:rPr kumimoji="1" lang="zh-CN" altLang="en-US" sz="1800" dirty="0"/>
               <a:t>举行 ，“四人组”出版了</a:t>
             </a:r>
             <a:r>
-              <a:rPr kumimoji="1" lang="en-US" altLang="zh-CN" sz="1800" smtClean="0"/>
+              <a:rPr kumimoji="1" lang="en-US" altLang="zh-CN" sz="1800" dirty="0"/>
               <a:t>《</a:t>
             </a:r>
             <a:r>
-              <a:rPr kumimoji="1" lang="zh-CN" altLang="en-US" sz="1800" smtClean="0"/>
+              <a:rPr kumimoji="1" lang="zh-CN" altLang="en-US" sz="1800" dirty="0"/>
               <a:t>设计模式：可复用面向对象软件的基础</a:t>
             </a:r>
             <a:r>
-              <a:rPr kumimoji="1" lang="en-US" altLang="zh-CN" sz="1800" smtClean="0"/>
+              <a:rPr kumimoji="1" lang="en-US" altLang="zh-CN" sz="1800" dirty="0"/>
               <a:t>》(</a:t>
             </a:r>
             <a:r>
-              <a:rPr kumimoji="1" lang="en-US" altLang="zh-CN" sz="1800" smtClean="0">
+              <a:rPr kumimoji="1" lang="en-US" altLang="zh-CN" sz="1800" dirty="0">
                 <a:solidFill>
                   <a:srgbClr val="FF3300"/>
                 </a:solidFill>
@@ -13092,25 +12977,25 @@
               <a:t>Design Patterns: Elements of Reusable Object-Oriented Software</a:t>
             </a:r>
             <a:r>
-              <a:rPr kumimoji="1" lang="en-US" altLang="zh-CN" sz="1800" smtClean="0"/>
+              <a:rPr kumimoji="1" lang="en-US" altLang="zh-CN" sz="1800" dirty="0"/>
               <a:t>)</a:t>
             </a:r>
             <a:r>
-              <a:rPr kumimoji="1" lang="zh-CN" altLang="en-US" sz="1800" smtClean="0"/>
+              <a:rPr kumimoji="1" lang="zh-CN" altLang="en-US" sz="1800" dirty="0"/>
               <a:t>一书，本书成为</a:t>
             </a:r>
             <a:r>
-              <a:rPr kumimoji="1" lang="en-US" altLang="zh-CN" sz="1800" smtClean="0"/>
+              <a:rPr kumimoji="1" lang="en-US" altLang="zh-CN" sz="1800" dirty="0"/>
               <a:t>1995</a:t>
             </a:r>
             <a:r>
-              <a:rPr kumimoji="1" lang="zh-CN" altLang="en-US" sz="1800" smtClean="0"/>
+              <a:rPr kumimoji="1" lang="zh-CN" altLang="en-US" sz="1800" dirty="0"/>
               <a:t>年最抢手的面向对象书籍，也成为设计模式的经典书籍 </a:t>
             </a:r>
           </a:p>
           <a:p>
             <a:pPr lvl="1" eaLnBrk="1" hangingPunct="1"/>
-            <a:endParaRPr kumimoji="1" lang="en-US" altLang="zh-CN" sz="1800" smtClean="0"/>
+            <a:endParaRPr kumimoji="1" lang="en-US" altLang="zh-CN" sz="1800" dirty="0"/>
           </a:p>
         </p:txBody>
       </p:sp>
@@ -13342,13 +13227,6 @@
   <p:clrMapOvr>
     <a:masterClrMapping/>
   </p:clrMapOvr>
-  <p:timing>
-    <p:tnLst>
-      <p:par>
-        <p:cTn id="1" dur="indefinite" restart="never" nodeType="tmRoot"/>
-      </p:par>
-    </p:tnLst>
-  </p:timing>
 </p:sld>
 </file>
 
@@ -13391,7 +13269,7 @@
           <a:p>
             <a:pPr eaLnBrk="1" hangingPunct="1"/>
             <a:r>
-              <a:rPr lang="zh-CN" altLang="en-US" smtClean="0"/>
+              <a:rPr lang="zh-CN" altLang="en-US"/>
               <a:t>设计模式的诞生与发展</a:t>
             </a:r>
           </a:p>
@@ -13419,26 +13297,26 @@
           <a:p>
             <a:pPr eaLnBrk="1" hangingPunct="1"/>
             <a:r>
-              <a:rPr kumimoji="1" lang="zh-CN" altLang="en-US" smtClean="0"/>
+              <a:rPr kumimoji="1" lang="zh-CN" altLang="en-US" dirty="0"/>
               <a:t>设计模式的发展 </a:t>
             </a:r>
           </a:p>
           <a:p>
             <a:pPr lvl="1" eaLnBrk="1" hangingPunct="1"/>
             <a:r>
-              <a:rPr kumimoji="1" lang="zh-CN" altLang="en-US" sz="2200" smtClean="0"/>
+              <a:rPr kumimoji="1" lang="zh-CN" altLang="en-US" sz="2200" dirty="0"/>
               <a:t>从</a:t>
             </a:r>
             <a:r>
-              <a:rPr kumimoji="1" lang="en-US" altLang="zh-CN" sz="2200" smtClean="0"/>
+              <a:rPr kumimoji="1" lang="en-US" altLang="zh-CN" sz="2200" dirty="0"/>
               <a:t>1995</a:t>
             </a:r>
             <a:r>
-              <a:rPr kumimoji="1" lang="zh-CN" altLang="en-US" sz="2200" smtClean="0"/>
+              <a:rPr kumimoji="1" lang="zh-CN" altLang="en-US" sz="2200" dirty="0"/>
               <a:t>年至今，设计模式在软件开发中得以广泛应用，在</a:t>
             </a:r>
             <a:r>
-              <a:rPr kumimoji="1" lang="en-US" altLang="zh-CN" sz="2200" smtClean="0">
+              <a:rPr kumimoji="1" lang="en-US" altLang="zh-CN" sz="2200" dirty="0">
                 <a:solidFill>
                   <a:srgbClr val="FF3300"/>
                 </a:solidFill>
@@ -13446,7 +13324,7 @@
               <a:t>Sun</a:t>
             </a:r>
             <a:r>
-              <a:rPr kumimoji="1" lang="zh-CN" altLang="en-US" sz="2200" smtClean="0">
+              <a:rPr kumimoji="1" lang="zh-CN" altLang="en-US" sz="2200" dirty="0">
                 <a:solidFill>
                   <a:srgbClr val="FF3300"/>
                 </a:solidFill>
@@ -13454,7 +13332,7 @@
               <a:t>的</a:t>
             </a:r>
             <a:r>
-              <a:rPr kumimoji="1" lang="en-US" altLang="zh-CN" sz="2200" smtClean="0">
+              <a:rPr kumimoji="1" lang="en-US" altLang="zh-CN" sz="2200" dirty="0">
                 <a:solidFill>
                   <a:srgbClr val="FF3300"/>
                 </a:solidFill>
@@ -13462,7 +13340,7 @@
               <a:t>Java SE/Java EE</a:t>
             </a:r>
             <a:r>
-              <a:rPr kumimoji="1" lang="zh-CN" altLang="en-US" sz="2200" smtClean="0">
+              <a:rPr kumimoji="1" lang="zh-CN" altLang="en-US" sz="2200" dirty="0">
                 <a:solidFill>
                   <a:srgbClr val="FF3300"/>
                 </a:solidFill>
@@ -13470,11 +13348,11 @@
               <a:t>平台</a:t>
             </a:r>
             <a:r>
-              <a:rPr kumimoji="1" lang="zh-CN" altLang="en-US" sz="2200" smtClean="0"/>
+              <a:rPr kumimoji="1" lang="zh-CN" altLang="en-US" sz="2200" dirty="0"/>
               <a:t>和</a:t>
             </a:r>
             <a:r>
-              <a:rPr kumimoji="1" lang="en-US" altLang="zh-CN" sz="2200" smtClean="0">
+              <a:rPr kumimoji="1" lang="en-US" altLang="zh-CN" sz="2200" dirty="0">
                 <a:solidFill>
                   <a:srgbClr val="FF3300"/>
                 </a:solidFill>
@@ -13482,7 +13360,7 @@
               <a:t>Microsoft</a:t>
             </a:r>
             <a:r>
-              <a:rPr kumimoji="1" lang="zh-CN" altLang="en-US" sz="2200" smtClean="0">
+              <a:rPr kumimoji="1" lang="zh-CN" altLang="en-US" sz="2200" dirty="0">
                 <a:solidFill>
                   <a:srgbClr val="FF3300"/>
                 </a:solidFill>
@@ -13490,7 +13368,7 @@
               <a:t>的</a:t>
             </a:r>
             <a:r>
-              <a:rPr kumimoji="1" lang="en-US" altLang="zh-CN" sz="2200" smtClean="0">
+              <a:rPr kumimoji="1" lang="en-US" altLang="zh-CN" sz="2200" dirty="0">
                 <a:solidFill>
                   <a:srgbClr val="FF3300"/>
                 </a:solidFill>
@@ -13498,7 +13376,7 @@
               <a:t>.NET</a:t>
             </a:r>
             <a:r>
-              <a:rPr kumimoji="1" lang="zh-CN" altLang="en-US" sz="2200" smtClean="0">
+              <a:rPr kumimoji="1" lang="zh-CN" altLang="en-US" sz="2200" dirty="0">
                 <a:solidFill>
                   <a:srgbClr val="FF3300"/>
                 </a:solidFill>
@@ -13506,10 +13384,10 @@
               <a:t>平台</a:t>
             </a:r>
             <a:r>
-              <a:rPr kumimoji="1" lang="zh-CN" altLang="en-US" sz="2200" smtClean="0"/>
+              <a:rPr kumimoji="1" lang="zh-CN" altLang="en-US" sz="2200" dirty="0"/>
               <a:t>设计中应用了大量的设计模式</a:t>
             </a:r>
-            <a:endParaRPr kumimoji="1" lang="en-US" altLang="zh-CN" sz="2200" smtClean="0"/>
+            <a:endParaRPr kumimoji="1" lang="en-US" altLang="zh-CN" sz="2200" dirty="0"/>
           </a:p>
           <a:p>
             <a:pPr lvl="2" eaLnBrk="1" hangingPunct="1">
@@ -13517,84 +13395,84 @@
               <a:buChar char="•"/>
             </a:pPr>
             <a:r>
-              <a:rPr lang="zh-CN" altLang="en-US" sz="1800" smtClean="0">
+              <a:rPr lang="zh-CN" altLang="en-US" sz="1800" dirty="0">
                 <a:ea typeface="黑体" panose="02010609060101010101" pitchFamily="49" charset="-122"/>
               </a:rPr>
               <a:t>轻量级框架：</a:t>
             </a:r>
             <a:r>
-              <a:rPr lang="en-US" altLang="zh-CN" sz="1800" smtClean="0">
+              <a:rPr lang="en-US" altLang="zh-CN" sz="1800" dirty="0">
                 <a:ea typeface="黑体" panose="02010609060101010101" pitchFamily="49" charset="-122"/>
               </a:rPr>
               <a:t>Struts</a:t>
             </a:r>
             <a:r>
-              <a:rPr lang="zh-CN" altLang="en-US" sz="1800" smtClean="0">
+              <a:rPr lang="zh-CN" altLang="en-US" sz="1800" dirty="0">
                 <a:ea typeface="黑体" panose="02010609060101010101" pitchFamily="49" charset="-122"/>
               </a:rPr>
               <a:t>、</a:t>
             </a:r>
             <a:r>
-              <a:rPr lang="en-US" altLang="zh-CN" sz="1800" smtClean="0">
+              <a:rPr lang="en-US" altLang="zh-CN" sz="1800" dirty="0">
                 <a:ea typeface="黑体" panose="02010609060101010101" pitchFamily="49" charset="-122"/>
               </a:rPr>
               <a:t>Spring</a:t>
             </a:r>
             <a:r>
-              <a:rPr lang="zh-CN" altLang="en-US" sz="1800" smtClean="0">
+              <a:rPr lang="zh-CN" altLang="en-US" sz="1800" dirty="0">
                 <a:ea typeface="黑体" panose="02010609060101010101" pitchFamily="49" charset="-122"/>
               </a:rPr>
               <a:t>、</a:t>
             </a:r>
             <a:r>
-              <a:rPr lang="en-US" altLang="zh-CN" sz="1800" smtClean="0">
+              <a:rPr lang="en-US" altLang="zh-CN" sz="1800" dirty="0">
                 <a:ea typeface="黑体" panose="02010609060101010101" pitchFamily="49" charset="-122"/>
               </a:rPr>
               <a:t>Hibernate</a:t>
             </a:r>
             <a:r>
-              <a:rPr lang="zh-CN" altLang="en-US" sz="1800" smtClean="0">
+              <a:rPr lang="zh-CN" altLang="en-US" sz="1800" dirty="0">
                 <a:ea typeface="黑体" panose="02010609060101010101" pitchFamily="49" charset="-122"/>
               </a:rPr>
               <a:t>、</a:t>
             </a:r>
             <a:r>
-              <a:rPr lang="en-US" altLang="zh-CN" sz="1800" smtClean="0">
+              <a:rPr lang="en-US" altLang="zh-CN" sz="1800" dirty="0">
                 <a:ea typeface="黑体" panose="02010609060101010101" pitchFamily="49" charset="-122"/>
               </a:rPr>
               <a:t>JUnit</a:t>
             </a:r>
             <a:r>
-              <a:rPr lang="zh-CN" altLang="en-US" sz="1800" smtClean="0">
+              <a:rPr lang="zh-CN" altLang="en-US" sz="1800" dirty="0">
                 <a:ea typeface="黑体" panose="02010609060101010101" pitchFamily="49" charset="-122"/>
               </a:rPr>
               <a:t>、</a:t>
             </a:r>
             <a:r>
-              <a:rPr lang="en-US" altLang="zh-CN" sz="1600" smtClean="0">
+              <a:rPr lang="en-US" altLang="zh-CN" sz="1600" dirty="0">
                 <a:ea typeface="黑体" panose="02010609060101010101" pitchFamily="49" charset="-122"/>
               </a:rPr>
               <a:t>NHibernate</a:t>
             </a:r>
             <a:r>
-              <a:rPr lang="zh-CN" altLang="en-US" sz="1600" smtClean="0">
+              <a:rPr lang="zh-CN" altLang="en-US" sz="1600" dirty="0">
                 <a:ea typeface="黑体" panose="02010609060101010101" pitchFamily="49" charset="-122"/>
               </a:rPr>
               <a:t>、</a:t>
             </a:r>
             <a:r>
-              <a:rPr lang="en-US" altLang="zh-CN" sz="1600" smtClean="0">
+              <a:rPr lang="en-US" altLang="zh-CN" sz="1600" dirty="0" err="1">
                 <a:ea typeface="黑体" panose="02010609060101010101" pitchFamily="49" charset="-122"/>
               </a:rPr>
               <a:t>NUnit</a:t>
             </a:r>
             <a:r>
-              <a:rPr lang="en-US" altLang="zh-CN" sz="1800" smtClean="0">
+              <a:rPr lang="en-US" altLang="zh-CN" sz="1800" dirty="0">
                 <a:ea typeface="黑体" panose="02010609060101010101" pitchFamily="49" charset="-122"/>
               </a:rPr>
               <a:t> ……</a:t>
             </a:r>
-            <a:endParaRPr kumimoji="1" lang="en-US" altLang="zh-CN" sz="1800" smtClean="0">
+            <a:endParaRPr kumimoji="1" lang="en-US" altLang="zh-CN" sz="1800" dirty="0">
               <a:ea typeface="黑体" panose="02010609060101010101" pitchFamily="49" charset="-122"/>
             </a:endParaRPr>
           </a:p>
@@ -13604,133 +13482,133 @@
               <a:buChar char="•"/>
             </a:pPr>
             <a:r>
-              <a:rPr kumimoji="1" lang="zh-CN" altLang="en-US" sz="1800" smtClean="0">
+              <a:rPr kumimoji="1" lang="zh-CN" altLang="en-US" sz="1800" dirty="0">
                 <a:ea typeface="黑体" panose="02010609060101010101" pitchFamily="49" charset="-122"/>
               </a:rPr>
               <a:t>语言：</a:t>
             </a:r>
             <a:r>
-              <a:rPr kumimoji="1" lang="en-US" altLang="zh-CN" sz="1800" smtClean="0">
+              <a:rPr kumimoji="1" lang="en-US" altLang="zh-CN" sz="1800" dirty="0">
                 <a:ea typeface="黑体" panose="02010609060101010101" pitchFamily="49" charset="-122"/>
               </a:rPr>
               <a:t>C++</a:t>
             </a:r>
             <a:r>
-              <a:rPr kumimoji="1" lang="zh-CN" altLang="en-US" sz="1800" smtClean="0">
+              <a:rPr kumimoji="1" lang="zh-CN" altLang="en-US" sz="1800" dirty="0">
                 <a:ea typeface="黑体" panose="02010609060101010101" pitchFamily="49" charset="-122"/>
               </a:rPr>
               <a:t>、</a:t>
             </a:r>
             <a:r>
-              <a:rPr kumimoji="1" lang="en-US" altLang="zh-CN" sz="1800" smtClean="0">
+              <a:rPr kumimoji="1" lang="en-US" altLang="zh-CN" sz="1800" dirty="0">
                 <a:ea typeface="黑体" panose="02010609060101010101" pitchFamily="49" charset="-122"/>
               </a:rPr>
               <a:t>Java</a:t>
             </a:r>
             <a:r>
-              <a:rPr kumimoji="1" lang="zh-CN" altLang="en-US" sz="1800" smtClean="0">
+              <a:rPr kumimoji="1" lang="zh-CN" altLang="en-US" sz="1800" dirty="0">
                 <a:ea typeface="黑体" panose="02010609060101010101" pitchFamily="49" charset="-122"/>
               </a:rPr>
               <a:t>、</a:t>
             </a:r>
             <a:r>
-              <a:rPr kumimoji="1" lang="en-US" altLang="zh-CN" sz="1800" smtClean="0">
+              <a:rPr kumimoji="1" lang="en-US" altLang="zh-CN" sz="1800" dirty="0">
                 <a:ea typeface="黑体" panose="02010609060101010101" pitchFamily="49" charset="-122"/>
               </a:rPr>
               <a:t>C#</a:t>
             </a:r>
             <a:r>
-              <a:rPr kumimoji="1" lang="zh-CN" altLang="en-US" sz="1800" smtClean="0">
+              <a:rPr kumimoji="1" lang="zh-CN" altLang="en-US" sz="1800" dirty="0">
                 <a:ea typeface="黑体" panose="02010609060101010101" pitchFamily="49" charset="-122"/>
               </a:rPr>
               <a:t>、</a:t>
             </a:r>
             <a:r>
-              <a:rPr kumimoji="1" lang="en-US" altLang="zh-CN" sz="1800" smtClean="0">
+              <a:rPr kumimoji="1" lang="en-US" altLang="zh-CN" sz="1800" dirty="0">
                 <a:ea typeface="黑体" panose="02010609060101010101" pitchFamily="49" charset="-122"/>
               </a:rPr>
               <a:t>Objective-C</a:t>
             </a:r>
             <a:r>
-              <a:rPr kumimoji="1" lang="zh-CN" altLang="en-US" sz="1800" smtClean="0">
+              <a:rPr kumimoji="1" lang="zh-CN" altLang="en-US" sz="1800" dirty="0">
                 <a:ea typeface="黑体" panose="02010609060101010101" pitchFamily="49" charset="-122"/>
               </a:rPr>
               <a:t>、</a:t>
             </a:r>
             <a:r>
-              <a:rPr lang="en-US" sz="1800" smtClean="0">
+              <a:rPr lang="en-US" sz="1800" dirty="0">
                 <a:ea typeface="黑体" panose="02010609060101010101" pitchFamily="49" charset="-122"/>
               </a:rPr>
               <a:t> </a:t>
             </a:r>
             <a:r>
-              <a:rPr lang="en-US" altLang="zh-CN" sz="1800" smtClean="0">
+              <a:rPr lang="en-US" altLang="zh-CN" sz="1800" dirty="0">
                 <a:ea typeface="黑体" panose="02010609060101010101" pitchFamily="49" charset="-122"/>
               </a:rPr>
               <a:t>VB.net</a:t>
             </a:r>
             <a:r>
-              <a:rPr lang="zh-CN" altLang="en-US" sz="1800" smtClean="0">
+              <a:rPr lang="zh-CN" altLang="en-US" sz="1800" dirty="0">
                 <a:ea typeface="黑体" panose="02010609060101010101" pitchFamily="49" charset="-122"/>
               </a:rPr>
               <a:t>、</a:t>
             </a:r>
             <a:r>
-              <a:rPr lang="en-US" altLang="zh-CN" sz="1800" smtClean="0">
+              <a:rPr lang="en-US" altLang="zh-CN" sz="1800" dirty="0">
                 <a:ea typeface="黑体" panose="02010609060101010101" pitchFamily="49" charset="-122"/>
               </a:rPr>
               <a:t>Smalltalk</a:t>
             </a:r>
             <a:r>
-              <a:rPr lang="zh-CN" altLang="en-US" sz="1800" smtClean="0">
+              <a:rPr lang="zh-CN" altLang="en-US" sz="1800" dirty="0">
                 <a:ea typeface="黑体" panose="02010609060101010101" pitchFamily="49" charset="-122"/>
               </a:rPr>
               <a:t>、</a:t>
             </a:r>
             <a:r>
-              <a:rPr lang="en-US" altLang="zh-CN" sz="1800" smtClean="0">
+              <a:rPr lang="en-US" altLang="zh-CN" sz="1800" dirty="0">
                 <a:ea typeface="黑体" panose="02010609060101010101" pitchFamily="49" charset="-122"/>
               </a:rPr>
               <a:t>PHP</a:t>
             </a:r>
             <a:r>
-              <a:rPr lang="zh-CN" altLang="en-US" sz="1800" smtClean="0">
+              <a:rPr lang="zh-CN" altLang="en-US" sz="1800" dirty="0">
                 <a:ea typeface="黑体" panose="02010609060101010101" pitchFamily="49" charset="-122"/>
               </a:rPr>
               <a:t>、</a:t>
             </a:r>
             <a:r>
-              <a:rPr lang="en-US" sz="1800" smtClean="0">
+              <a:rPr lang="en-US" sz="1800" dirty="0">
                 <a:ea typeface="黑体" panose="02010609060101010101" pitchFamily="49" charset="-122"/>
               </a:rPr>
               <a:t> </a:t>
             </a:r>
             <a:r>
-              <a:rPr lang="en-US" altLang="zh-CN" sz="1800" smtClean="0">
+              <a:rPr lang="en-US" altLang="zh-CN" sz="1800" dirty="0">
                 <a:ea typeface="黑体" panose="02010609060101010101" pitchFamily="49" charset="-122"/>
               </a:rPr>
               <a:t>Delphi</a:t>
             </a:r>
             <a:r>
-              <a:rPr lang="zh-CN" altLang="en-US" sz="1800" smtClean="0">
+              <a:rPr lang="zh-CN" altLang="en-US" sz="1800" dirty="0">
                 <a:ea typeface="黑体" panose="02010609060101010101" pitchFamily="49" charset="-122"/>
               </a:rPr>
               <a:t>、</a:t>
             </a:r>
             <a:r>
-              <a:rPr lang="en-US" altLang="zh-CN" sz="1800" smtClean="0">
+              <a:rPr lang="en-US" altLang="zh-CN" sz="1800" dirty="0">
                 <a:ea typeface="黑体" panose="02010609060101010101" pitchFamily="49" charset="-122"/>
               </a:rPr>
               <a:t>JavaScript</a:t>
             </a:r>
             <a:r>
-              <a:rPr lang="zh-CN" altLang="en-US" sz="1800" smtClean="0">
+              <a:rPr lang="zh-CN" altLang="en-US" sz="1800" dirty="0">
                 <a:ea typeface="黑体" panose="02010609060101010101" pitchFamily="49" charset="-122"/>
               </a:rPr>
               <a:t>、</a:t>
             </a:r>
             <a:r>
-              <a:rPr lang="en-US" altLang="zh-CN" sz="1800" smtClean="0">
+              <a:rPr lang="en-US" altLang="zh-CN" sz="1800" dirty="0">
                 <a:ea typeface="黑体" panose="02010609060101010101" pitchFamily="49" charset="-122"/>
               </a:rPr>
               <a:t>Ruby……</a:t>
@@ -13742,12 +13620,12 @@
               <a:buChar char="•"/>
             </a:pPr>
             <a:r>
-              <a:rPr kumimoji="1" lang="zh-CN" altLang="en-US" sz="1800" smtClean="0">
+              <a:rPr kumimoji="1" lang="zh-CN" altLang="en-US" sz="1800" dirty="0">
                 <a:ea typeface="黑体" panose="02010609060101010101" pitchFamily="49" charset="-122"/>
               </a:rPr>
               <a:t>得到越来越多的企业和高校的关注与重视</a:t>
             </a:r>
-            <a:endParaRPr kumimoji="1" lang="en-US" altLang="zh-CN" sz="1800" smtClean="0">
+            <a:endParaRPr kumimoji="1" lang="en-US" altLang="zh-CN" sz="1800" dirty="0">
               <a:ea typeface="黑体" panose="02010609060101010101" pitchFamily="49" charset="-122"/>
             </a:endParaRPr>
           </a:p>
@@ -13757,12 +13635,12 @@
               <a:buChar char="•"/>
             </a:pPr>
             <a:r>
-              <a:rPr lang="zh-CN" altLang="en-US" sz="1800" smtClean="0">
+              <a:rPr lang="zh-CN" altLang="en-US" sz="1800" dirty="0">
                 <a:ea typeface="黑体" panose="02010609060101010101" pitchFamily="49" charset="-122"/>
               </a:rPr>
               <a:t>越来越多的书籍和网站</a:t>
             </a:r>
-            <a:endParaRPr lang="en-US" altLang="zh-CN" sz="1800" smtClean="0">
+            <a:endParaRPr lang="en-US" altLang="zh-CN" sz="1800" dirty="0">
               <a:ea typeface="黑体" panose="02010609060101010101" pitchFamily="49" charset="-122"/>
             </a:endParaRPr>
           </a:p>
@@ -13996,13 +13874,6 @@
   <p:clrMapOvr>
     <a:masterClrMapping/>
   </p:clrMapOvr>
-  <p:timing>
-    <p:tnLst>
-      <p:par>
-        <p:cTn id="1" dur="indefinite" restart="never" nodeType="tmRoot"/>
-      </p:par>
-    </p:tnLst>
-  </p:timing>
 </p:sld>
 </file>
 
@@ -14045,7 +13916,7 @@
           <a:p>
             <a:pPr eaLnBrk="1" hangingPunct="1"/>
             <a:r>
-              <a:rPr lang="zh-CN" altLang="en-US" smtClean="0"/>
+              <a:rPr lang="zh-CN" altLang="en-US"/>
               <a:t>设计模式的定义与分类 </a:t>
             </a:r>
           </a:p>
@@ -14068,10 +13939,10 @@
           <a:p>
             <a:pPr eaLnBrk="1" hangingPunct="1"/>
             <a:r>
-              <a:rPr lang="zh-CN" altLang="en-US" smtClean="0"/>
+              <a:rPr lang="zh-CN" altLang="en-US" dirty="0"/>
               <a:t>设计模式的定义 </a:t>
             </a:r>
-            <a:endParaRPr lang="zh-CN" altLang="en-US" smtClean="0">
+            <a:endParaRPr lang="zh-CN" altLang="en-US" dirty="0">
               <a:solidFill>
                 <a:srgbClr val="FF3300"/>
               </a:solidFill>
@@ -14080,7 +13951,7 @@
           <a:p>
             <a:pPr lvl="1" eaLnBrk="1" hangingPunct="1"/>
             <a:r>
-              <a:rPr lang="zh-CN" altLang="en-US" smtClean="0">
+              <a:rPr lang="zh-CN" altLang="en-US" dirty="0">
                 <a:solidFill>
                   <a:srgbClr val="FF3300"/>
                 </a:solidFill>
@@ -14088,7 +13959,7 @@
               <a:t>设计模式</a:t>
             </a:r>
             <a:r>
-              <a:rPr lang="en-US" altLang="zh-CN" smtClean="0">
+              <a:rPr lang="en-US" altLang="zh-CN" dirty="0">
                 <a:solidFill>
                   <a:srgbClr val="FF3300"/>
                 </a:solidFill>
@@ -14102,13 +13973,13 @@
               <a:buChar char="•"/>
             </a:pPr>
             <a:r>
-              <a:rPr lang="zh-CN" altLang="en-US" sz="2200" smtClean="0">
+              <a:rPr lang="zh-CN" altLang="en-US" sz="2200" dirty="0">
                 <a:ea typeface="黑体" panose="02010609060101010101" pitchFamily="49" charset="-122"/>
               </a:rPr>
               <a:t>一套</a:t>
             </a:r>
             <a:r>
-              <a:rPr lang="zh-CN" altLang="en-US" sz="2200" smtClean="0">
+              <a:rPr lang="zh-CN" altLang="en-US" sz="2200" dirty="0">
                 <a:solidFill>
                   <a:srgbClr val="FF3300"/>
                 </a:solidFill>
@@ -14117,13 +13988,13 @@
               <a:t>被反复使用的</a:t>
             </a:r>
             <a:r>
-              <a:rPr lang="zh-CN" altLang="en-US" sz="2200" smtClean="0">
+              <a:rPr lang="zh-CN" altLang="en-US" sz="2200" dirty="0">
                 <a:ea typeface="黑体" panose="02010609060101010101" pitchFamily="49" charset="-122"/>
               </a:rPr>
               <a:t>、</a:t>
             </a:r>
             <a:r>
-              <a:rPr lang="zh-CN" altLang="en-US" sz="2200" smtClean="0">
+              <a:rPr lang="zh-CN" altLang="en-US" sz="2200" dirty="0">
                 <a:solidFill>
                   <a:srgbClr val="FF3300"/>
                 </a:solidFill>
@@ -14132,13 +14003,13 @@
               <a:t>多数人知晓的</a:t>
             </a:r>
             <a:r>
-              <a:rPr lang="zh-CN" altLang="en-US" sz="2200" smtClean="0">
+              <a:rPr lang="zh-CN" altLang="en-US" sz="2200" dirty="0">
                 <a:ea typeface="黑体" panose="02010609060101010101" pitchFamily="49" charset="-122"/>
               </a:rPr>
               <a:t>、</a:t>
             </a:r>
             <a:r>
-              <a:rPr lang="zh-CN" altLang="en-US" sz="2200" smtClean="0">
+              <a:rPr lang="zh-CN" altLang="en-US" sz="2200" dirty="0">
                 <a:solidFill>
                   <a:srgbClr val="FF3300"/>
                 </a:solidFill>
@@ -14147,13 +14018,13 @@
               <a:t>经过分类编目的</a:t>
             </a:r>
             <a:r>
-              <a:rPr lang="zh-CN" altLang="en-US" sz="2200" smtClean="0">
+              <a:rPr lang="zh-CN" altLang="en-US" sz="2200" dirty="0">
                 <a:ea typeface="黑体" panose="02010609060101010101" pitchFamily="49" charset="-122"/>
               </a:rPr>
               <a:t>、</a:t>
             </a:r>
             <a:r>
-              <a:rPr lang="zh-CN" altLang="en-US" sz="2200" smtClean="0">
+              <a:rPr lang="zh-CN" altLang="en-US" sz="2200" dirty="0">
                 <a:solidFill>
                   <a:srgbClr val="FF3300"/>
                 </a:solidFill>
@@ -14162,12 +14033,12 @@
               <a:t>代码设计经验的</a:t>
             </a:r>
             <a:r>
-              <a:rPr lang="zh-CN" altLang="en-US" sz="2200" smtClean="0">
+              <a:rPr lang="zh-CN" altLang="en-US" sz="2200" dirty="0">
                 <a:ea typeface="黑体" panose="02010609060101010101" pitchFamily="49" charset="-122"/>
               </a:rPr>
               <a:t>总结</a:t>
             </a:r>
-            <a:endParaRPr lang="en-US" altLang="zh-CN" sz="2200" smtClean="0">
+            <a:endParaRPr lang="en-US" altLang="zh-CN" sz="2200" dirty="0">
               <a:ea typeface="黑体" panose="02010609060101010101" pitchFamily="49" charset="-122"/>
             </a:endParaRPr>
           </a:p>
@@ -14177,13 +14048,13 @@
               <a:buChar char="•"/>
             </a:pPr>
             <a:r>
-              <a:rPr lang="zh-CN" altLang="en-US" sz="2200" smtClean="0">
+              <a:rPr lang="zh-CN" altLang="en-US" sz="2200" dirty="0">
                 <a:ea typeface="黑体" panose="02010609060101010101" pitchFamily="49" charset="-122"/>
               </a:rPr>
               <a:t>是一种用于对软件系统中不断重现的设计问题的</a:t>
             </a:r>
             <a:r>
-              <a:rPr lang="zh-CN" altLang="en-US" sz="2200" smtClean="0">
+              <a:rPr lang="zh-CN" altLang="en-US" sz="2200" dirty="0">
                 <a:solidFill>
                   <a:srgbClr val="FF3300"/>
                 </a:solidFill>
@@ -14192,13 +14063,13 @@
               <a:t>解决方案</a:t>
             </a:r>
             <a:r>
-              <a:rPr lang="zh-CN" altLang="en-US" sz="2200" smtClean="0">
+              <a:rPr lang="zh-CN" altLang="en-US" sz="2200" dirty="0">
                 <a:ea typeface="黑体" panose="02010609060101010101" pitchFamily="49" charset="-122"/>
               </a:rPr>
               <a:t>进行</a:t>
             </a:r>
             <a:r>
-              <a:rPr lang="zh-CN" altLang="en-US" sz="2200" smtClean="0">
+              <a:rPr lang="zh-CN" altLang="en-US" sz="2200" dirty="0">
                 <a:solidFill>
                   <a:srgbClr val="FF3300"/>
                 </a:solidFill>
@@ -14207,12 +14078,12 @@
               <a:t>文档化</a:t>
             </a:r>
             <a:r>
-              <a:rPr lang="zh-CN" altLang="en-US" sz="2200" smtClean="0">
+              <a:rPr lang="zh-CN" altLang="en-US" sz="2200" dirty="0">
                 <a:ea typeface="黑体" panose="02010609060101010101" pitchFamily="49" charset="-122"/>
               </a:rPr>
               <a:t>的技术</a:t>
             </a:r>
-            <a:endParaRPr lang="en-US" altLang="zh-CN" sz="2200" smtClean="0">
+            <a:endParaRPr lang="en-US" altLang="zh-CN" sz="2200" dirty="0">
               <a:ea typeface="黑体" panose="02010609060101010101" pitchFamily="49" charset="-122"/>
             </a:endParaRPr>
           </a:p>
@@ -14222,13 +14093,13 @@
               <a:buChar char="•"/>
             </a:pPr>
             <a:r>
-              <a:rPr lang="zh-CN" altLang="en-US" sz="2200" smtClean="0">
+              <a:rPr lang="zh-CN" altLang="en-US" sz="2200" dirty="0">
                 <a:ea typeface="黑体" panose="02010609060101010101" pitchFamily="49" charset="-122"/>
               </a:rPr>
               <a:t>是一种</a:t>
             </a:r>
             <a:r>
-              <a:rPr lang="zh-CN" altLang="en-US" sz="2200" smtClean="0">
+              <a:rPr lang="zh-CN" altLang="en-US" sz="2200" dirty="0">
                 <a:solidFill>
                   <a:srgbClr val="FF3300"/>
                 </a:solidFill>
@@ -14237,12 +14108,12 @@
               <a:t>共享专家设计经验</a:t>
             </a:r>
             <a:r>
-              <a:rPr lang="zh-CN" altLang="en-US" sz="2200" smtClean="0">
+              <a:rPr lang="zh-CN" altLang="en-US" sz="2200" dirty="0">
                 <a:ea typeface="黑体" panose="02010609060101010101" pitchFamily="49" charset="-122"/>
               </a:rPr>
               <a:t>的技术</a:t>
             </a:r>
-            <a:endParaRPr lang="en-US" altLang="zh-CN" sz="2200" smtClean="0">
+            <a:endParaRPr lang="en-US" altLang="zh-CN" sz="2200" dirty="0">
               <a:ea typeface="黑体" panose="02010609060101010101" pitchFamily="49" charset="-122"/>
             </a:endParaRPr>
           </a:p>
@@ -14252,13 +14123,13 @@
               <a:buChar char="•"/>
             </a:pPr>
             <a:r>
-              <a:rPr lang="zh-CN" altLang="en-US" sz="2200" smtClean="0">
+              <a:rPr lang="zh-CN" altLang="en-US" sz="2200" dirty="0">
                 <a:ea typeface="黑体" panose="02010609060101010101" pitchFamily="49" charset="-122"/>
               </a:rPr>
               <a:t>目的：</a:t>
             </a:r>
             <a:r>
-              <a:rPr lang="zh-CN" altLang="en-US" sz="2200" smtClean="0">
+              <a:rPr lang="zh-CN" altLang="en-US" sz="2200" dirty="0">
                 <a:solidFill>
                   <a:srgbClr val="FF3300"/>
                 </a:solidFill>
@@ -14267,13 +14138,13 @@
               <a:t>为了可重用代码</a:t>
             </a:r>
             <a:r>
-              <a:rPr lang="zh-CN" altLang="en-US" sz="2200" smtClean="0">
+              <a:rPr lang="zh-CN" altLang="en-US" sz="2200" dirty="0">
                 <a:ea typeface="黑体" panose="02010609060101010101" pitchFamily="49" charset="-122"/>
               </a:rPr>
               <a:t>、</a:t>
             </a:r>
             <a:r>
-              <a:rPr lang="zh-CN" altLang="en-US" sz="2200" smtClean="0">
+              <a:rPr lang="zh-CN" altLang="en-US" sz="2200" dirty="0">
                 <a:solidFill>
                   <a:srgbClr val="FF3300"/>
                 </a:solidFill>
@@ -14282,13 +14153,13 @@
               <a:t>让代码更容易被他人理解</a:t>
             </a:r>
             <a:r>
-              <a:rPr lang="zh-CN" altLang="en-US" sz="2200" smtClean="0">
+              <a:rPr lang="zh-CN" altLang="en-US" sz="2200" dirty="0">
                 <a:ea typeface="黑体" panose="02010609060101010101" pitchFamily="49" charset="-122"/>
               </a:rPr>
               <a:t>、</a:t>
             </a:r>
             <a:r>
-              <a:rPr lang="zh-CN" altLang="en-US" sz="2200" smtClean="0">
+              <a:rPr lang="zh-CN" altLang="en-US" sz="2200" dirty="0">
                 <a:solidFill>
                   <a:srgbClr val="FF3300"/>
                 </a:solidFill>
@@ -14296,13 +14167,13 @@
               </a:rPr>
               <a:t>提高代码可靠性</a:t>
             </a:r>
-            <a:endParaRPr lang="en-US" altLang="zh-CN" sz="2200" smtClean="0">
+            <a:endParaRPr lang="en-US" altLang="zh-CN" sz="2200" dirty="0">
               <a:ea typeface="黑体" panose="02010609060101010101" pitchFamily="49" charset="-122"/>
             </a:endParaRPr>
           </a:p>
           <a:p>
             <a:pPr eaLnBrk="1" hangingPunct="1"/>
-            <a:endParaRPr lang="en-US" altLang="zh-CN" smtClean="0"/>
+            <a:endParaRPr lang="en-US" altLang="zh-CN" dirty="0"/>
           </a:p>
         </p:txBody>
       </p:sp>
@@ -14316,13 +14187,6 @@
   <p:clrMapOvr>
     <a:masterClrMapping/>
   </p:clrMapOvr>
-  <p:timing>
-    <p:tnLst>
-      <p:par>
-        <p:cTn id="1" dur="indefinite" restart="never" nodeType="tmRoot"/>
-      </p:par>
-    </p:tnLst>
-  </p:timing>
 </p:sld>
 </file>
 
@@ -14365,7 +14229,7 @@
           <a:p>
             <a:pPr eaLnBrk="1" hangingPunct="1"/>
             <a:r>
-              <a:rPr lang="zh-CN" altLang="en-US" smtClean="0"/>
+              <a:rPr lang="zh-CN" altLang="en-US"/>
               <a:t>设计模式的定义与分类 </a:t>
             </a:r>
           </a:p>
@@ -14388,10 +14252,10 @@
           <a:p>
             <a:pPr eaLnBrk="1" hangingPunct="1"/>
             <a:r>
-              <a:rPr lang="zh-CN" altLang="en-US" smtClean="0"/>
+              <a:rPr lang="zh-CN" altLang="en-US"/>
               <a:t>设计模式的定义 </a:t>
             </a:r>
-            <a:endParaRPr lang="zh-CN" altLang="en-US" smtClean="0">
+            <a:endParaRPr lang="zh-CN" altLang="en-US">
               <a:solidFill>
                 <a:srgbClr val="FF3300"/>
               </a:solidFill>
@@ -14402,17 +14266,17 @@
               <a:buFont typeface="Wingdings" panose="05000000000000000000" pitchFamily="2" charset="2"/>
               <a:buChar char="Ø"/>
             </a:pPr>
-            <a:endParaRPr lang="zh-CN" altLang="en-US" sz="2200" smtClean="0">
+            <a:endParaRPr lang="zh-CN" altLang="en-US" sz="2200">
               <a:ea typeface="黑体" panose="02010609060101010101" pitchFamily="49" charset="-122"/>
             </a:endParaRPr>
           </a:p>
           <a:p>
             <a:pPr lvl="1" eaLnBrk="1" hangingPunct="1"/>
-            <a:endParaRPr lang="zh-CN" altLang="en-US" smtClean="0"/>
+            <a:endParaRPr lang="zh-CN" altLang="en-US"/>
           </a:p>
           <a:p>
             <a:pPr eaLnBrk="1" hangingPunct="1"/>
-            <a:endParaRPr lang="en-US" altLang="zh-CN" smtClean="0"/>
+            <a:endParaRPr lang="en-US" altLang="zh-CN"/>
           </a:p>
         </p:txBody>
       </p:sp>
@@ -14433,7 +14297,13 @@
             <a:tbl>
               <a:tblPr/>
               <a:tblGrid>
-                <a:gridCol w="8458200"/>
+                <a:gridCol w="8458200">
+                  <a:extLst>
+                    <a:ext uri="{9D8B030D-6E8A-4147-A177-3AD203B41FA5}">
+                      <a16:colId xmlns:a16="http://schemas.microsoft.com/office/drawing/2014/main" val="20000"/>
+                    </a:ext>
+                  </a:extLst>
+                </a:gridCol>
               </a:tblGrid>
               <a:tr h="2560638">
                 <a:tc>
@@ -14447,7 +14317,7 @@
                         </a:spcAft>
                       </a:pPr>
                       <a:r>
-                        <a:rPr lang="zh-CN" altLang="en-US" sz="2400" b="1" kern="100" dirty="0" smtClean="0">
+                        <a:rPr lang="zh-CN" altLang="en-US" sz="2400" b="1" kern="100" dirty="0">
                           <a:latin typeface="Times New Roman"/>
                           <a:ea typeface="宋体"/>
                           <a:cs typeface="Times New Roman"/>
@@ -14455,7 +14325,7 @@
                         <a:t>设计模式是</a:t>
                       </a:r>
                       <a:r>
-                        <a:rPr lang="zh-CN" altLang="en-US" sz="2400" b="1" kern="100" dirty="0" smtClean="0">
+                        <a:rPr lang="zh-CN" altLang="en-US" sz="2400" b="1" kern="100" dirty="0">
                           <a:solidFill>
                             <a:srgbClr val="FF3300"/>
                           </a:solidFill>
@@ -14466,7 +14336,7 @@
                         <a:t>在特定环境下</a:t>
                       </a:r>
                       <a:r>
-                        <a:rPr lang="zh-CN" altLang="en-US" sz="2400" b="1" kern="100" dirty="0" smtClean="0">
+                        <a:rPr lang="zh-CN" altLang="en-US" sz="2400" b="1" kern="100" dirty="0">
                           <a:latin typeface="Times New Roman"/>
                           <a:ea typeface="宋体"/>
                           <a:cs typeface="Times New Roman"/>
@@ -14474,7 +14344,7 @@
                         <a:t>为解决</a:t>
                       </a:r>
                       <a:r>
-                        <a:rPr lang="zh-CN" altLang="en-US" sz="2400" b="1" kern="100" dirty="0" smtClean="0">
+                        <a:rPr lang="zh-CN" altLang="en-US" sz="2400" b="1" kern="100" dirty="0">
                           <a:solidFill>
                             <a:srgbClr val="FF3300"/>
                           </a:solidFill>
@@ -14485,7 +14355,7 @@
                         <a:t>某一通用软件设计问题</a:t>
                       </a:r>
                       <a:r>
-                        <a:rPr lang="zh-CN" altLang="en-US" sz="2400" b="1" kern="100" dirty="0" smtClean="0">
+                        <a:rPr lang="zh-CN" altLang="en-US" sz="2400" b="1" kern="100" dirty="0">
                           <a:latin typeface="Times New Roman"/>
                           <a:ea typeface="宋体"/>
                           <a:cs typeface="Times New Roman"/>
@@ -14493,7 +14363,7 @@
                         <a:t>提供的</a:t>
                       </a:r>
                       <a:r>
-                        <a:rPr lang="zh-CN" altLang="en-US" sz="2400" b="1" kern="100" dirty="0" smtClean="0">
+                        <a:rPr lang="zh-CN" altLang="en-US" sz="2400" b="1" kern="100" dirty="0">
                           <a:solidFill>
                             <a:srgbClr val="FF3300"/>
                           </a:solidFill>
@@ -14504,14 +14374,14 @@
                         <a:t>一套定制的解决方案</a:t>
                       </a:r>
                       <a:r>
-                        <a:rPr lang="zh-CN" altLang="en-US" sz="2400" b="1" kern="100" dirty="0" smtClean="0">
+                        <a:rPr lang="zh-CN" altLang="en-US" sz="2400" b="1" kern="100" dirty="0">
                           <a:latin typeface="Times New Roman"/>
                           <a:ea typeface="宋体"/>
                           <a:cs typeface="Times New Roman"/>
                         </a:rPr>
                         <a:t>，该方案描述了对象和类之间的相互作用。</a:t>
                       </a:r>
-                      <a:endParaRPr lang="en-US" altLang="zh-CN" sz="2400" b="1" kern="100" dirty="0" smtClean="0">
+                      <a:endParaRPr lang="en-US" altLang="zh-CN" sz="2400" b="1" kern="100" dirty="0">
                         <a:latin typeface="Times New Roman"/>
                         <a:ea typeface="宋体"/>
                         <a:cs typeface="Times New Roman"/>
@@ -14523,7 +14393,7 @@
                           <a:spcPts val="0"/>
                         </a:spcAft>
                       </a:pPr>
-                      <a:endParaRPr lang="zh-CN" altLang="en-US" sz="2400" b="1" kern="100" dirty="0" smtClean="0">
+                      <a:endParaRPr lang="zh-CN" altLang="en-US" sz="2400" b="1" kern="100" dirty="0">
                         <a:latin typeface="Times New Roman"/>
                         <a:ea typeface="宋体"/>
                         <a:cs typeface="Times New Roman"/>
@@ -14536,7 +14406,7 @@
                         </a:spcAft>
                       </a:pPr>
                       <a:r>
-                        <a:rPr lang="en-US" altLang="zh-CN" sz="2400" b="1" kern="100" dirty="0" smtClean="0">
+                        <a:rPr lang="en-US" altLang="zh-CN" sz="2400" b="1" kern="100" dirty="0">
                           <a:latin typeface="Times New Roman"/>
                           <a:ea typeface="宋体"/>
                           <a:cs typeface="Times New Roman"/>
@@ -14544,7 +14414,7 @@
                         <a:t>Design patterns are descriptions of communicating objects and classes that are customized to </a:t>
                       </a:r>
                       <a:r>
-                        <a:rPr lang="en-US" altLang="zh-CN" sz="2400" b="1" kern="100" dirty="0" smtClean="0">
+                        <a:rPr lang="en-US" altLang="zh-CN" sz="2400" b="1" kern="100" dirty="0">
                           <a:solidFill>
                             <a:srgbClr val="FF3300"/>
                           </a:solidFill>
@@ -14555,7 +14425,7 @@
                         <a:t>solve</a:t>
                       </a:r>
                       <a:r>
-                        <a:rPr lang="en-US" altLang="zh-CN" sz="2400" b="1" kern="100" dirty="0" smtClean="0">
+                        <a:rPr lang="en-US" altLang="zh-CN" sz="2400" b="1" kern="100" dirty="0">
                           <a:latin typeface="Times New Roman"/>
                           <a:ea typeface="宋体"/>
                           <a:cs typeface="Times New Roman"/>
@@ -14563,7 +14433,7 @@
                         <a:t> a general </a:t>
                       </a:r>
                       <a:r>
-                        <a:rPr lang="en-US" altLang="zh-CN" sz="2400" b="1" kern="100" dirty="0" smtClean="0">
+                        <a:rPr lang="en-US" altLang="zh-CN" sz="2400" b="1" kern="100" dirty="0">
                           <a:solidFill>
                             <a:srgbClr val="FF3300"/>
                           </a:solidFill>
@@ -14574,7 +14444,7 @@
                         <a:t>design</a:t>
                       </a:r>
                       <a:r>
-                        <a:rPr lang="en-US" altLang="zh-CN" sz="2400" b="1" kern="100" dirty="0" smtClean="0">
+                        <a:rPr lang="en-US" altLang="zh-CN" sz="2400" b="1" kern="100" dirty="0">
                           <a:latin typeface="Times New Roman"/>
                           <a:ea typeface="宋体"/>
                           <a:cs typeface="Times New Roman"/>
@@ -14582,7 +14452,7 @@
                         <a:t> </a:t>
                       </a:r>
                       <a:r>
-                        <a:rPr lang="en-US" altLang="zh-CN" sz="2400" b="1" kern="100" dirty="0" smtClean="0">
+                        <a:rPr lang="en-US" altLang="zh-CN" sz="2400" b="1" kern="100" dirty="0">
                           <a:solidFill>
                             <a:srgbClr val="FF3300"/>
                           </a:solidFill>
@@ -14593,7 +14463,7 @@
                         <a:t>problem</a:t>
                       </a:r>
                       <a:r>
-                        <a:rPr lang="en-US" altLang="zh-CN" sz="2400" b="1" kern="100" dirty="0" smtClean="0">
+                        <a:rPr lang="en-US" altLang="zh-CN" sz="2400" b="1" kern="100" dirty="0">
                           <a:latin typeface="Times New Roman"/>
                           <a:ea typeface="宋体"/>
                           <a:cs typeface="Times New Roman"/>
@@ -14601,7 +14471,7 @@
                         <a:t> in a particular </a:t>
                       </a:r>
                       <a:r>
-                        <a:rPr lang="en-US" altLang="zh-CN" sz="2400" b="1" kern="100" dirty="0" smtClean="0">
+                        <a:rPr lang="en-US" altLang="zh-CN" sz="2400" b="1" kern="100" dirty="0">
                           <a:solidFill>
                             <a:srgbClr val="FF3300"/>
                           </a:solidFill>
@@ -14612,7 +14482,7 @@
                         <a:t>context</a:t>
                       </a:r>
                       <a:r>
-                        <a:rPr lang="en-US" altLang="zh-CN" sz="2400" b="1" kern="100" dirty="0" smtClean="0">
+                        <a:rPr lang="en-US" altLang="zh-CN" sz="2400" b="1" kern="100" dirty="0">
                           <a:latin typeface="Times New Roman"/>
                           <a:ea typeface="宋体"/>
                           <a:cs typeface="Times New Roman"/>
@@ -14670,6 +14540,11 @@
                     </a:solidFill>
                   </a:tcPr>
                 </a:tc>
+                <a:extLst>
+                  <a:ext uri="{0D108BD9-81ED-4DB2-BD59-A6C34878D82A}">
+                    <a16:rowId xmlns:a16="http://schemas.microsoft.com/office/drawing/2014/main" val="10000"/>
+                  </a:ext>
+                </a:extLst>
               </a:tr>
             </a:tbl>
           </a:graphicData>
@@ -14685,13 +14560,6 @@
   <p:clrMapOvr>
     <a:masterClrMapping/>
   </p:clrMapOvr>
-  <p:timing>
-    <p:tnLst>
-      <p:par>
-        <p:cTn id="1" dur="indefinite" restart="never" nodeType="tmRoot"/>
-      </p:par>
-    </p:tnLst>
-  </p:timing>
 </p:sld>
 </file>
 
@@ -14734,7 +14602,7 @@
           <a:p>
             <a:pPr eaLnBrk="1" hangingPunct="1"/>
             <a:r>
-              <a:rPr lang="zh-CN" altLang="en-US" smtClean="0"/>
+              <a:rPr lang="zh-CN" altLang="en-US"/>
               <a:t>设计模式的定义与分类</a:t>
             </a:r>
           </a:p>
@@ -14757,19 +14625,19 @@
           <a:p>
             <a:pPr eaLnBrk="1" hangingPunct="1"/>
             <a:r>
-              <a:rPr lang="zh-CN" altLang="en-US" smtClean="0"/>
+              <a:rPr lang="zh-CN" altLang="en-US"/>
               <a:t>设计模式的基本要素 </a:t>
             </a:r>
-            <a:endParaRPr lang="zh-CN" altLang="en-US" sz="2800" smtClean="0"/>
+            <a:endParaRPr lang="zh-CN" altLang="en-US" sz="2800"/>
           </a:p>
           <a:p>
             <a:pPr lvl="1" eaLnBrk="1" hangingPunct="1"/>
             <a:r>
-              <a:rPr lang="zh-CN" altLang="en-US" smtClean="0"/>
+              <a:rPr lang="zh-CN" altLang="en-US"/>
               <a:t>设计模式一般包含模式名称、问题、目的、解决方案、效果、实例代码和相关设计模式等基本要素，</a:t>
             </a:r>
             <a:r>
-              <a:rPr lang="en-US" altLang="zh-CN" smtClean="0">
+              <a:rPr lang="en-US" altLang="zh-CN">
                 <a:solidFill>
                   <a:srgbClr val="FF3300"/>
                 </a:solidFill>
@@ -14777,7 +14645,7 @@
               <a:t>4</a:t>
             </a:r>
             <a:r>
-              <a:rPr lang="zh-CN" altLang="en-US" smtClean="0">
+              <a:rPr lang="zh-CN" altLang="en-US">
                 <a:solidFill>
                   <a:srgbClr val="FF3300"/>
                 </a:solidFill>
@@ -14785,10 +14653,10 @@
               <a:t>个关键要素</a:t>
             </a:r>
             <a:r>
-              <a:rPr lang="zh-CN" altLang="en-US" smtClean="0"/>
+              <a:rPr lang="zh-CN" altLang="en-US"/>
               <a:t>如下：</a:t>
             </a:r>
-            <a:endParaRPr lang="en-US" altLang="zh-CN" smtClean="0"/>
+            <a:endParaRPr lang="en-US" altLang="zh-CN"/>
           </a:p>
           <a:p>
             <a:pPr lvl="2" eaLnBrk="1" hangingPunct="1">
@@ -14796,7 +14664,7 @@
               <a:buChar char="•"/>
             </a:pPr>
             <a:r>
-              <a:rPr lang="zh-CN" altLang="en-US" sz="2400" smtClean="0">
+              <a:rPr lang="zh-CN" altLang="en-US" sz="2400">
                 <a:solidFill>
                   <a:srgbClr val="FF3300"/>
                 </a:solidFill>
@@ -14805,7 +14673,7 @@
               <a:t>模式名称 </a:t>
             </a:r>
             <a:r>
-              <a:rPr lang="en-US" altLang="zh-CN" sz="2400" smtClean="0">
+              <a:rPr lang="en-US" altLang="zh-CN" sz="2400">
                 <a:ea typeface="黑体" panose="02010609060101010101" pitchFamily="49" charset="-122"/>
               </a:rPr>
               <a:t>(Pattern Name) </a:t>
@@ -14817,7 +14685,7 @@
               <a:buChar char="•"/>
             </a:pPr>
             <a:r>
-              <a:rPr lang="zh-CN" altLang="en-US" sz="2400" smtClean="0">
+              <a:rPr lang="zh-CN" altLang="en-US" sz="2400">
                 <a:solidFill>
                   <a:srgbClr val="FF3300"/>
                 </a:solidFill>
@@ -14826,7 +14694,7 @@
               <a:t>问题 </a:t>
             </a:r>
             <a:r>
-              <a:rPr lang="en-US" altLang="zh-CN" sz="2400" smtClean="0">
+              <a:rPr lang="en-US" altLang="zh-CN" sz="2400">
                 <a:ea typeface="黑体" panose="02010609060101010101" pitchFamily="49" charset="-122"/>
               </a:rPr>
               <a:t>(Problem) </a:t>
@@ -14838,7 +14706,7 @@
               <a:buChar char="•"/>
             </a:pPr>
             <a:r>
-              <a:rPr lang="zh-CN" altLang="en-US" sz="2400" smtClean="0">
+              <a:rPr lang="zh-CN" altLang="en-US" sz="2400">
                 <a:solidFill>
                   <a:srgbClr val="FF3300"/>
                 </a:solidFill>
@@ -14847,7 +14715,7 @@
               <a:t>解决方案 </a:t>
             </a:r>
             <a:r>
-              <a:rPr lang="en-US" altLang="zh-CN" sz="2400" smtClean="0">
+              <a:rPr lang="en-US" altLang="zh-CN" sz="2400">
                 <a:ea typeface="黑体" panose="02010609060101010101" pitchFamily="49" charset="-122"/>
               </a:rPr>
               <a:t>(Solution) </a:t>
@@ -14859,7 +14727,7 @@
               <a:buChar char="•"/>
             </a:pPr>
             <a:r>
-              <a:rPr lang="zh-CN" altLang="en-US" sz="2400" smtClean="0">
+              <a:rPr lang="zh-CN" altLang="en-US" sz="2400">
                 <a:solidFill>
                   <a:srgbClr val="FF3300"/>
                 </a:solidFill>
@@ -14868,7 +14736,7 @@
               <a:t>效果 </a:t>
             </a:r>
             <a:r>
-              <a:rPr lang="en-US" altLang="zh-CN" sz="2400" smtClean="0">
+              <a:rPr lang="en-US" altLang="zh-CN" sz="2400">
                 <a:ea typeface="黑体" panose="02010609060101010101" pitchFamily="49" charset="-122"/>
               </a:rPr>
               <a:t>(Consequences) </a:t>
@@ -14876,7 +14744,7 @@
           </a:p>
           <a:p>
             <a:pPr eaLnBrk="1" hangingPunct="1"/>
-            <a:endParaRPr lang="en-US" altLang="zh-CN" sz="2000" smtClean="0"/>
+            <a:endParaRPr lang="en-US" altLang="zh-CN" sz="2000"/>
           </a:p>
         </p:txBody>
       </p:sp>
@@ -14890,13 +14758,6 @@
   <p:clrMapOvr>
     <a:masterClrMapping/>
   </p:clrMapOvr>
-  <p:timing>
-    <p:tnLst>
-      <p:par>
-        <p:cTn id="1" dur="indefinite" restart="never" nodeType="tmRoot"/>
-      </p:par>
-    </p:tnLst>
-  </p:timing>
 </p:sld>
 </file>
 
@@ -14939,7 +14800,7 @@
           <a:p>
             <a:pPr eaLnBrk="1" hangingPunct="1"/>
             <a:r>
-              <a:rPr lang="zh-CN" altLang="en-US" smtClean="0"/>
+              <a:rPr lang="zh-CN" altLang="en-US"/>
               <a:t>设计模式的定义与分类</a:t>
             </a:r>
           </a:p>
@@ -14962,18 +14823,18 @@
           <a:p>
             <a:pPr eaLnBrk="1" hangingPunct="1"/>
             <a:r>
-              <a:rPr lang="zh-CN" altLang="en-US" smtClean="0"/>
+              <a:rPr lang="zh-CN" altLang="en-US"/>
               <a:t>设计模式的分类</a:t>
             </a:r>
           </a:p>
           <a:p>
             <a:pPr lvl="1" eaLnBrk="1" hangingPunct="1"/>
             <a:r>
-              <a:rPr lang="zh-CN" altLang="en-US" smtClean="0"/>
+              <a:rPr lang="zh-CN" altLang="en-US"/>
               <a:t>根据</a:t>
             </a:r>
             <a:r>
-              <a:rPr lang="zh-CN" altLang="en-US" smtClean="0">
+              <a:rPr lang="zh-CN" altLang="en-US">
                 <a:solidFill>
                   <a:srgbClr val="FF3300"/>
                 </a:solidFill>
@@ -14981,11 +14842,11 @@
               <a:t>目的</a:t>
             </a:r>
             <a:r>
-              <a:rPr lang="zh-CN" altLang="en-US" smtClean="0"/>
+              <a:rPr lang="zh-CN" altLang="en-US"/>
               <a:t>（模式是用来做什么的）可分为</a:t>
             </a:r>
             <a:r>
-              <a:rPr lang="zh-CN" altLang="en-US" smtClean="0">
+              <a:rPr lang="zh-CN" altLang="en-US">
                 <a:solidFill>
                   <a:srgbClr val="FF3300"/>
                 </a:solidFill>
@@ -14993,7 +14854,7 @@
               <a:t>创建型</a:t>
             </a:r>
             <a:r>
-              <a:rPr lang="en-US" altLang="zh-CN" smtClean="0">
+              <a:rPr lang="en-US" altLang="zh-CN">
                 <a:solidFill>
                   <a:srgbClr val="FF3300"/>
                 </a:solidFill>
@@ -15001,11 +14862,11 @@
               <a:t>(Creational)</a:t>
             </a:r>
             <a:r>
-              <a:rPr lang="zh-CN" altLang="en-US" smtClean="0"/>
+              <a:rPr lang="zh-CN" altLang="en-US"/>
               <a:t>，</a:t>
             </a:r>
             <a:r>
-              <a:rPr lang="zh-CN" altLang="en-US" smtClean="0">
+              <a:rPr lang="zh-CN" altLang="en-US">
                 <a:solidFill>
                   <a:srgbClr val="FF3300"/>
                 </a:solidFill>
@@ -15013,7 +14874,7 @@
               <a:t>结构型</a:t>
             </a:r>
             <a:r>
-              <a:rPr lang="en-US" altLang="zh-CN" smtClean="0">
+              <a:rPr lang="en-US" altLang="zh-CN">
                 <a:solidFill>
                   <a:srgbClr val="FF3300"/>
                 </a:solidFill>
@@ -15021,11 +14882,11 @@
               <a:t>(Structural)</a:t>
             </a:r>
             <a:r>
-              <a:rPr lang="zh-CN" altLang="en-US" smtClean="0"/>
+              <a:rPr lang="zh-CN" altLang="en-US"/>
               <a:t>和</a:t>
             </a:r>
             <a:r>
-              <a:rPr lang="zh-CN" altLang="en-US" smtClean="0">
+              <a:rPr lang="zh-CN" altLang="en-US">
                 <a:solidFill>
                   <a:srgbClr val="FF3300"/>
                 </a:solidFill>
@@ -15033,7 +14894,7 @@
               <a:t>行为型</a:t>
             </a:r>
             <a:r>
-              <a:rPr lang="en-US" altLang="zh-CN" smtClean="0">
+              <a:rPr lang="en-US" altLang="zh-CN">
                 <a:solidFill>
                   <a:srgbClr val="FF3300"/>
                 </a:solidFill>
@@ -15041,7 +14902,7 @@
               <a:t>(Behavioral)</a:t>
             </a:r>
             <a:r>
-              <a:rPr lang="zh-CN" altLang="en-US" smtClean="0"/>
+              <a:rPr lang="zh-CN" altLang="en-US"/>
               <a:t>三类：</a:t>
             </a:r>
           </a:p>
@@ -15051,7 +14912,7 @@
               <a:buChar char="•"/>
             </a:pPr>
             <a:r>
-              <a:rPr lang="zh-CN" altLang="en-US" sz="2400" b="1" smtClean="0">
+              <a:rPr lang="zh-CN" altLang="en-US" sz="2400" b="1">
                 <a:solidFill>
                   <a:srgbClr val="0070C0"/>
                 </a:solidFill>
@@ -15060,13 +14921,13 @@
               <a:t> 创建型模式</a:t>
             </a:r>
             <a:r>
-              <a:rPr lang="zh-CN" altLang="en-US" sz="2400" smtClean="0">
+              <a:rPr lang="zh-CN" altLang="en-US" sz="2400">
                 <a:ea typeface="黑体" panose="02010609060101010101" pitchFamily="49" charset="-122"/>
               </a:rPr>
               <a:t>主要用于</a:t>
             </a:r>
             <a:r>
-              <a:rPr lang="zh-CN" altLang="en-US" sz="2400" smtClean="0">
+              <a:rPr lang="zh-CN" altLang="en-US" sz="2400">
                 <a:solidFill>
                   <a:srgbClr val="FF3300"/>
                 </a:solidFill>
@@ -15074,7 +14935,7 @@
               </a:rPr>
               <a:t>创建对象</a:t>
             </a:r>
-            <a:endParaRPr lang="zh-CN" altLang="en-US" sz="2400" smtClean="0">
+            <a:endParaRPr lang="zh-CN" altLang="en-US" sz="2400">
               <a:ea typeface="黑体" panose="02010609060101010101" pitchFamily="49" charset="-122"/>
             </a:endParaRPr>
           </a:p>
@@ -15084,7 +14945,7 @@
               <a:buChar char="•"/>
             </a:pPr>
             <a:r>
-              <a:rPr lang="zh-CN" altLang="en-US" sz="2400" b="1" smtClean="0">
+              <a:rPr lang="zh-CN" altLang="en-US" sz="2400" b="1">
                 <a:solidFill>
                   <a:srgbClr val="0070C0"/>
                 </a:solidFill>
@@ -15093,13 +14954,13 @@
               <a:t> 结构型模式</a:t>
             </a:r>
             <a:r>
-              <a:rPr lang="zh-CN" altLang="en-US" sz="2400" smtClean="0">
+              <a:rPr lang="zh-CN" altLang="en-US" sz="2400">
                 <a:ea typeface="黑体" panose="02010609060101010101" pitchFamily="49" charset="-122"/>
               </a:rPr>
               <a:t>主要用于</a:t>
             </a:r>
             <a:r>
-              <a:rPr lang="zh-CN" altLang="en-US" sz="2400" smtClean="0">
+              <a:rPr lang="zh-CN" altLang="en-US" sz="2400">
                 <a:solidFill>
                   <a:srgbClr val="FF3300"/>
                 </a:solidFill>
@@ -15107,7 +14968,7 @@
               </a:rPr>
               <a:t>处理类或对象的组合</a:t>
             </a:r>
-            <a:endParaRPr lang="zh-CN" altLang="en-US" sz="2400" smtClean="0">
+            <a:endParaRPr lang="zh-CN" altLang="en-US" sz="2400">
               <a:ea typeface="黑体" panose="02010609060101010101" pitchFamily="49" charset="-122"/>
             </a:endParaRPr>
           </a:p>
@@ -15117,7 +14978,7 @@
               <a:buChar char="•"/>
             </a:pPr>
             <a:r>
-              <a:rPr lang="zh-CN" altLang="en-US" sz="2400" b="1" smtClean="0">
+              <a:rPr lang="zh-CN" altLang="en-US" sz="2400" b="1">
                 <a:solidFill>
                   <a:srgbClr val="0070C0"/>
                 </a:solidFill>
@@ -15126,13 +14987,13 @@
               <a:t> 行为型模式</a:t>
             </a:r>
             <a:r>
-              <a:rPr lang="zh-CN" altLang="en-US" sz="2400" smtClean="0">
+              <a:rPr lang="zh-CN" altLang="en-US" sz="2400">
                 <a:ea typeface="黑体" panose="02010609060101010101" pitchFamily="49" charset="-122"/>
               </a:rPr>
               <a:t>主要用于</a:t>
             </a:r>
             <a:r>
-              <a:rPr lang="zh-CN" altLang="en-US" sz="2400" smtClean="0">
+              <a:rPr lang="zh-CN" altLang="en-US" sz="2400">
                 <a:solidFill>
                   <a:srgbClr val="FF3300"/>
                 </a:solidFill>
@@ -15140,7 +15001,7 @@
               </a:rPr>
               <a:t>描述类或对象如何交互和怎样分配职责</a:t>
             </a:r>
-            <a:endParaRPr lang="zh-CN" altLang="en-US" sz="2400" smtClean="0">
+            <a:endParaRPr lang="zh-CN" altLang="en-US" sz="2400">
               <a:ea typeface="黑体" panose="02010609060101010101" pitchFamily="49" charset="-122"/>
             </a:endParaRPr>
           </a:p>
@@ -15156,13 +15017,6 @@
   <p:clrMapOvr>
     <a:masterClrMapping/>
   </p:clrMapOvr>
-  <p:timing>
-    <p:tnLst>
-      <p:par>
-        <p:cTn id="1" dur="indefinite" restart="never" nodeType="tmRoot"/>
-      </p:par>
-    </p:tnLst>
-  </p:timing>
 </p:sld>
 </file>
 
@@ -15205,7 +15059,7 @@
           <a:p>
             <a:pPr eaLnBrk="1" hangingPunct="1"/>
             <a:r>
-              <a:rPr lang="zh-CN" altLang="en-US" smtClean="0"/>
+              <a:rPr lang="zh-CN" altLang="en-US" dirty="0"/>
               <a:t>引言</a:t>
             </a:r>
           </a:p>
@@ -15233,17 +15087,17 @@
           <a:p>
             <a:pPr eaLnBrk="1" hangingPunct="1"/>
             <a:r>
-              <a:rPr lang="zh-CN" altLang="en-US" smtClean="0"/>
+              <a:rPr lang="zh-CN" altLang="en-US" dirty="0"/>
               <a:t>从三个实例说起</a:t>
             </a:r>
             <a:r>
-              <a:rPr lang="en-US" altLang="zh-CN" smtClean="0"/>
+              <a:rPr lang="en-US" altLang="zh-CN" dirty="0"/>
               <a:t>……</a:t>
             </a:r>
           </a:p>
           <a:p>
             <a:pPr eaLnBrk="1" hangingPunct="1"/>
-            <a:endParaRPr kumimoji="1" lang="zh-CN" altLang="en-US" sz="1800" smtClean="0"/>
+            <a:endParaRPr kumimoji="1" lang="zh-CN" altLang="en-US" sz="1800" dirty="0"/>
           </a:p>
         </p:txBody>
       </p:sp>
@@ -24584,7 +24438,7 @@
               <a:buChar char="•"/>
             </a:pPr>
             <a:r>
-              <a:rPr lang="en-US" altLang="zh-CN" sz="2000" b="1">
+              <a:rPr lang="en-US" altLang="zh-CN" sz="2000" b="1" dirty="0">
                 <a:solidFill>
                   <a:srgbClr val="FF0000"/>
                 </a:solidFill>
@@ -24594,7 +24448,7 @@
               <a:t> </a:t>
             </a:r>
             <a:r>
-              <a:rPr lang="zh-CN" altLang="en-US" sz="2000" b="1">
+              <a:rPr lang="zh-CN" altLang="en-US" sz="2000" b="1" dirty="0">
                 <a:solidFill>
                   <a:srgbClr val="FF0000"/>
                 </a:solidFill>
@@ -24603,7 +24457,7 @@
               </a:rPr>
               <a:t>实例一：</a:t>
             </a:r>
-            <a:endParaRPr lang="en-US" altLang="zh-CN" sz="2000" b="1">
+            <a:endParaRPr lang="en-US" altLang="zh-CN" sz="2000" b="1" dirty="0">
               <a:solidFill>
                 <a:srgbClr val="FF0000"/>
               </a:solidFill>
@@ -24624,7 +24478,7 @@
               <a:buNone/>
             </a:pPr>
             <a:r>
-              <a:rPr lang="zh-CN" altLang="en-US" sz="2000" b="1">
+              <a:rPr lang="zh-CN" altLang="en-US" sz="2000" b="1" dirty="0">
                 <a:solidFill>
                   <a:srgbClr val="008000"/>
                 </a:solidFill>
@@ -24633,7 +24487,7 @@
               </a:rPr>
               <a:t>庞大的跨平台图像浏览系统</a:t>
             </a:r>
-            <a:endParaRPr lang="zh-CN" altLang="en-US" sz="2000" b="1">
+            <a:endParaRPr lang="zh-CN" altLang="en-US" sz="2000" b="1" dirty="0">
               <a:solidFill>
                 <a:srgbClr val="FF0000"/>
               </a:solidFill>
@@ -24654,7 +24508,7 @@
               <a:buChar char="•"/>
             </a:pPr>
             <a:r>
-              <a:rPr lang="zh-CN" altLang="en-US" sz="2000" b="1">
+              <a:rPr lang="zh-CN" altLang="en-US" sz="2000" b="1" dirty="0">
                 <a:solidFill>
                   <a:srgbClr val="FF0000"/>
                 </a:solidFill>
@@ -24663,7 +24517,7 @@
               </a:rPr>
               <a:t> 实例二：</a:t>
             </a:r>
-            <a:endParaRPr lang="en-US" altLang="zh-CN" sz="2000" b="1">
+            <a:endParaRPr lang="en-US" altLang="zh-CN" sz="2000" b="1" dirty="0">
               <a:solidFill>
                 <a:srgbClr val="FF0000"/>
               </a:solidFill>
@@ -24684,7 +24538,7 @@
               <a:buNone/>
             </a:pPr>
             <a:r>
-              <a:rPr lang="zh-CN" altLang="en-US" sz="2000" b="1">
+              <a:rPr lang="zh-CN" altLang="en-US" sz="2000" b="1" dirty="0">
                 <a:solidFill>
                   <a:srgbClr val="008000"/>
                 </a:solidFill>
@@ -24707,7 +24561,7 @@
               <a:buChar char="•"/>
             </a:pPr>
             <a:r>
-              <a:rPr lang="zh-CN" altLang="en-US" sz="2000" b="1">
+              <a:rPr lang="zh-CN" altLang="en-US" sz="2000" b="1" dirty="0">
                 <a:solidFill>
                   <a:srgbClr val="FF0000"/>
                 </a:solidFill>
@@ -24716,7 +24570,7 @@
               </a:rPr>
               <a:t> 实例三：</a:t>
             </a:r>
-            <a:endParaRPr lang="en-US" altLang="zh-CN" sz="2000" b="1">
+            <a:endParaRPr lang="en-US" altLang="zh-CN" sz="2000" b="1" dirty="0">
               <a:solidFill>
                 <a:srgbClr val="FF0000"/>
               </a:solidFill>
@@ -24737,7 +24591,7 @@
               <a:buNone/>
             </a:pPr>
             <a:r>
-              <a:rPr lang="zh-CN" altLang="en-US" sz="2000" b="1">
+              <a:rPr lang="zh-CN" altLang="en-US" sz="2000" b="1" dirty="0">
                 <a:solidFill>
                   <a:srgbClr val="008000"/>
                 </a:solidFill>
@@ -24759,7 +24613,7 @@
               <a:buFontTx/>
               <a:buNone/>
             </a:pPr>
-            <a:endParaRPr lang="zh-CN" altLang="en-US" sz="2000" b="1">
+            <a:endParaRPr lang="zh-CN" altLang="en-US" sz="2000" b="1" dirty="0">
               <a:solidFill>
                 <a:srgbClr val="FF0000"/>
               </a:solidFill>
@@ -24779,13 +24633,6 @@
   <p:clrMapOvr>
     <a:masterClrMapping/>
   </p:clrMapOvr>
-  <p:timing>
-    <p:tnLst>
-      <p:par>
-        <p:cTn id="1" dur="indefinite" restart="never" nodeType="tmRoot"/>
-      </p:par>
-    </p:tnLst>
-  </p:timing>
 </p:sld>
 </file>
 
@@ -24828,7 +24675,7 @@
           <a:p>
             <a:pPr eaLnBrk="1" hangingPunct="1"/>
             <a:r>
-              <a:rPr lang="zh-CN" altLang="en-US" smtClean="0"/>
+              <a:rPr lang="zh-CN" altLang="en-US"/>
               <a:t>设计模式的定义与分类</a:t>
             </a:r>
           </a:p>
@@ -24851,18 +24698,18 @@
           <a:p>
             <a:pPr eaLnBrk="1" hangingPunct="1"/>
             <a:r>
-              <a:rPr lang="zh-CN" altLang="en-US" smtClean="0"/>
+              <a:rPr lang="zh-CN" altLang="en-US"/>
               <a:t>设计模式的分类</a:t>
             </a:r>
           </a:p>
           <a:p>
             <a:pPr lvl="1" eaLnBrk="1" hangingPunct="1"/>
             <a:r>
-              <a:rPr lang="zh-CN" altLang="en-US" smtClean="0"/>
+              <a:rPr lang="zh-CN" altLang="en-US"/>
               <a:t>根据</a:t>
             </a:r>
             <a:r>
-              <a:rPr lang="zh-CN" altLang="en-US" smtClean="0">
+              <a:rPr lang="zh-CN" altLang="en-US">
                 <a:solidFill>
                   <a:srgbClr val="FF3300"/>
                 </a:solidFill>
@@ -24870,11 +24717,11 @@
               <a:t>范围</a:t>
             </a:r>
             <a:r>
-              <a:rPr lang="zh-CN" altLang="en-US" smtClean="0"/>
+              <a:rPr lang="zh-CN" altLang="en-US"/>
               <a:t>，即模式主要是</a:t>
             </a:r>
             <a:r>
-              <a:rPr lang="zh-CN" altLang="en-US" smtClean="0">
+              <a:rPr lang="zh-CN" altLang="en-US">
                 <a:solidFill>
                   <a:srgbClr val="FF3300"/>
                 </a:solidFill>
@@ -24882,11 +24729,11 @@
               <a:t>处理类之间的关系</a:t>
             </a:r>
             <a:r>
-              <a:rPr lang="zh-CN" altLang="en-US" smtClean="0"/>
+              <a:rPr lang="zh-CN" altLang="en-US"/>
               <a:t>还是</a:t>
             </a:r>
             <a:r>
-              <a:rPr lang="zh-CN" altLang="en-US" smtClean="0">
+              <a:rPr lang="zh-CN" altLang="en-US">
                 <a:solidFill>
                   <a:srgbClr val="FF3300"/>
                 </a:solidFill>
@@ -24894,11 +24741,11 @@
               <a:t>处理对象之间的关系</a:t>
             </a:r>
             <a:r>
-              <a:rPr lang="zh-CN" altLang="en-US" smtClean="0"/>
+              <a:rPr lang="zh-CN" altLang="en-US"/>
               <a:t>，可分为</a:t>
             </a:r>
             <a:r>
-              <a:rPr lang="zh-CN" altLang="en-US" smtClean="0">
+              <a:rPr lang="zh-CN" altLang="en-US">
                 <a:solidFill>
                   <a:srgbClr val="FF3300"/>
                 </a:solidFill>
@@ -24906,11 +24753,11 @@
               <a:t>类模式</a:t>
             </a:r>
             <a:r>
-              <a:rPr lang="zh-CN" altLang="en-US" smtClean="0"/>
+              <a:rPr lang="zh-CN" altLang="en-US"/>
               <a:t>和</a:t>
             </a:r>
             <a:r>
-              <a:rPr lang="zh-CN" altLang="en-US" smtClean="0">
+              <a:rPr lang="zh-CN" altLang="en-US">
                 <a:solidFill>
                   <a:srgbClr val="FF3300"/>
                 </a:solidFill>
@@ -24918,7 +24765,7 @@
               <a:t>对象模式</a:t>
             </a:r>
             <a:r>
-              <a:rPr lang="zh-CN" altLang="en-US" smtClean="0"/>
+              <a:rPr lang="zh-CN" altLang="en-US"/>
               <a:t>两种：</a:t>
             </a:r>
           </a:p>
@@ -24928,7 +24775,7 @@
               <a:buChar char="•"/>
             </a:pPr>
             <a:r>
-              <a:rPr lang="zh-CN" altLang="en-US" sz="2400" b="1" smtClean="0">
+              <a:rPr lang="zh-CN" altLang="en-US" sz="2400" b="1">
                 <a:solidFill>
                   <a:srgbClr val="0070C0"/>
                 </a:solidFill>
@@ -24937,7 +24784,7 @@
               <a:t>类模式</a:t>
             </a:r>
             <a:r>
-              <a:rPr lang="zh-CN" altLang="en-US" sz="2400" smtClean="0">
+              <a:rPr lang="zh-CN" altLang="en-US" sz="2400">
                 <a:solidFill>
                   <a:srgbClr val="FF3300"/>
                 </a:solidFill>
@@ -24946,13 +24793,13 @@
               <a:t>处理类和子类之间的关系</a:t>
             </a:r>
             <a:r>
-              <a:rPr lang="zh-CN" altLang="en-US" sz="2400" smtClean="0">
+              <a:rPr lang="zh-CN" altLang="en-US" sz="2400">
                 <a:ea typeface="黑体" panose="02010609060101010101" pitchFamily="49" charset="-122"/>
               </a:rPr>
               <a:t>，这些关系通过继承建立，在编译时刻就被确定下来，是一种</a:t>
             </a:r>
             <a:r>
-              <a:rPr lang="zh-CN" altLang="en-US" sz="2400" smtClean="0">
+              <a:rPr lang="zh-CN" altLang="en-US" sz="2400">
                 <a:solidFill>
                   <a:srgbClr val="FF3300"/>
                 </a:solidFill>
@@ -24961,7 +24808,7 @@
               <a:t>静态</a:t>
             </a:r>
             <a:r>
-              <a:rPr lang="zh-CN" altLang="en-US" sz="2400" smtClean="0">
+              <a:rPr lang="zh-CN" altLang="en-US" sz="2400">
                 <a:ea typeface="黑体" panose="02010609060101010101" pitchFamily="49" charset="-122"/>
               </a:rPr>
               <a:t>关系</a:t>
@@ -24973,7 +24820,7 @@
               <a:buChar char="•"/>
             </a:pPr>
             <a:r>
-              <a:rPr lang="zh-CN" altLang="en-US" sz="2400" b="1" smtClean="0">
+              <a:rPr lang="zh-CN" altLang="en-US" sz="2400" b="1">
                 <a:solidFill>
                   <a:srgbClr val="0070C0"/>
                 </a:solidFill>
@@ -24982,7 +24829,7 @@
               <a:t>对象模式</a:t>
             </a:r>
             <a:r>
-              <a:rPr lang="zh-CN" altLang="en-US" sz="2400" smtClean="0">
+              <a:rPr lang="zh-CN" altLang="en-US" sz="2400">
                 <a:solidFill>
                   <a:srgbClr val="FF3300"/>
                 </a:solidFill>
@@ -24991,13 +24838,13 @@
               <a:t>处理对象间的关系</a:t>
             </a:r>
             <a:r>
-              <a:rPr lang="zh-CN" altLang="en-US" sz="2400" smtClean="0">
+              <a:rPr lang="zh-CN" altLang="en-US" sz="2400">
                 <a:ea typeface="黑体" panose="02010609060101010101" pitchFamily="49" charset="-122"/>
               </a:rPr>
               <a:t>，这些关系在运行时变化，更具</a:t>
             </a:r>
             <a:r>
-              <a:rPr lang="zh-CN" altLang="en-US" sz="2400" smtClean="0">
+              <a:rPr lang="zh-CN" altLang="en-US" sz="2400">
                 <a:solidFill>
                   <a:srgbClr val="FF3300"/>
                 </a:solidFill>
@@ -25006,7 +24853,7 @@
               <a:t>动态</a:t>
             </a:r>
             <a:r>
-              <a:rPr lang="zh-CN" altLang="en-US" sz="2400" smtClean="0">
+              <a:rPr lang="zh-CN" altLang="en-US" sz="2400">
                 <a:ea typeface="黑体" panose="02010609060101010101" pitchFamily="49" charset="-122"/>
               </a:rPr>
               <a:t>性</a:t>
@@ -25024,13 +24871,6 @@
   <p:clrMapOvr>
     <a:masterClrMapping/>
   </p:clrMapOvr>
-  <p:timing>
-    <p:tnLst>
-      <p:par>
-        <p:cTn id="1" dur="indefinite" restart="never" nodeType="tmRoot"/>
-      </p:par>
-    </p:tnLst>
-  </p:timing>
 </p:sld>
 </file>
 
@@ -25068,11 +24908,11 @@
           <a:p>
             <a:pPr eaLnBrk="1" hangingPunct="1"/>
             <a:r>
-              <a:rPr lang="en-US" altLang="zh-CN" smtClean="0"/>
+              <a:rPr lang="en-US" altLang="zh-CN"/>
               <a:t>GoF</a:t>
             </a:r>
             <a:r>
-              <a:rPr lang="zh-CN" altLang="en-US" smtClean="0"/>
+              <a:rPr lang="zh-CN" altLang="en-US"/>
               <a:t>设计模式简介 </a:t>
             </a:r>
           </a:p>
@@ -25097,10 +24937,34 @@
             <a:tbl>
               <a:tblPr/>
               <a:tblGrid>
-                <a:gridCol w="1752600"/>
-                <a:gridCol w="1828800"/>
-                <a:gridCol w="2514600"/>
-                <a:gridCol w="1828800"/>
+                <a:gridCol w="1752600">
+                  <a:extLst>
+                    <a:ext uri="{9D8B030D-6E8A-4147-A177-3AD203B41FA5}">
+                      <a16:colId xmlns:a16="http://schemas.microsoft.com/office/drawing/2014/main" val="20000"/>
+                    </a:ext>
+                  </a:extLst>
+                </a:gridCol>
+                <a:gridCol w="1828800">
+                  <a:extLst>
+                    <a:ext uri="{9D8B030D-6E8A-4147-A177-3AD203B41FA5}">
+                      <a16:colId xmlns:a16="http://schemas.microsoft.com/office/drawing/2014/main" val="20001"/>
+                    </a:ext>
+                  </a:extLst>
+                </a:gridCol>
+                <a:gridCol w="2514600">
+                  <a:extLst>
+                    <a:ext uri="{9D8B030D-6E8A-4147-A177-3AD203B41FA5}">
+                      <a16:colId xmlns:a16="http://schemas.microsoft.com/office/drawing/2014/main" val="20002"/>
+                    </a:ext>
+                  </a:extLst>
+                </a:gridCol>
+                <a:gridCol w="1828800">
+                  <a:extLst>
+                    <a:ext uri="{9D8B030D-6E8A-4147-A177-3AD203B41FA5}">
+                      <a16:colId xmlns:a16="http://schemas.microsoft.com/office/drawing/2014/main" val="20003"/>
+                    </a:ext>
+                  </a:extLst>
+                </a:gridCol>
               </a:tblGrid>
               <a:tr h="477912">
                 <a:tc>
@@ -25125,7 +24989,7 @@
                         <a:tabLst/>
                       </a:pPr>
                       <a:r>
-                        <a:rPr kumimoji="0" lang="zh-CN" altLang="en-US" sz="2000" b="1" i="0" u="none" strike="noStrike" cap="none" normalizeH="0" baseline="0" dirty="0" smtClean="0">
+                        <a:rPr kumimoji="0" lang="zh-CN" altLang="en-US" sz="2000" b="1" i="0" u="none" strike="noStrike" cap="none" normalizeH="0" baseline="0" dirty="0">
                           <a:ln>
                             <a:noFill/>
                           </a:ln>
@@ -25140,7 +25004,7 @@
                         <a:t>范围</a:t>
                       </a:r>
                       <a:r>
-                        <a:rPr kumimoji="0" lang="en-US" altLang="zh-CN" sz="2000" b="1" i="0" u="none" strike="noStrike" cap="none" normalizeH="0" baseline="0" dirty="0" smtClean="0">
+                        <a:rPr kumimoji="0" lang="en-US" altLang="zh-CN" sz="2000" b="1" i="0" u="none" strike="noStrike" cap="none" normalizeH="0" baseline="0" dirty="0">
                           <a:ln>
                             <a:noFill/>
                           </a:ln>
@@ -25155,7 +25019,7 @@
                         <a:t>\</a:t>
                       </a:r>
                       <a:r>
-                        <a:rPr kumimoji="0" lang="zh-CN" altLang="en-US" sz="2000" b="1" i="0" u="none" strike="noStrike" cap="none" normalizeH="0" baseline="0" dirty="0" smtClean="0">
+                        <a:rPr kumimoji="0" lang="zh-CN" altLang="en-US" sz="2000" b="1" i="0" u="none" strike="noStrike" cap="none" normalizeH="0" baseline="0" dirty="0">
                           <a:ln>
                             <a:noFill/>
                           </a:ln>
@@ -25169,7 +25033,7 @@
                         </a:rPr>
                         <a:t>目的</a:t>
                       </a:r>
-                      <a:endParaRPr kumimoji="0" lang="zh-CN" altLang="en-US" sz="2000" b="0" i="0" u="none" strike="noStrike" cap="none" normalizeH="0" baseline="0" dirty="0" smtClean="0">
+                      <a:endParaRPr kumimoji="0" lang="zh-CN" altLang="en-US" sz="2000" b="0" i="0" u="none" strike="noStrike" cap="none" normalizeH="0" baseline="0" dirty="0">
                         <a:ln>
                           <a:noFill/>
                         </a:ln>
@@ -25253,7 +25117,7 @@
                         <a:tabLst/>
                       </a:pPr>
                       <a:r>
-                        <a:rPr kumimoji="0" lang="zh-CN" altLang="en-US" sz="2000" b="1" i="0" u="none" strike="noStrike" cap="none" normalizeH="0" baseline="0" dirty="0" smtClean="0">
+                        <a:rPr kumimoji="0" lang="zh-CN" altLang="en-US" sz="2000" b="1" i="0" u="none" strike="noStrike" cap="none" normalizeH="0" baseline="0" dirty="0">
                           <a:ln>
                             <a:noFill/>
                           </a:ln>
@@ -25267,7 +25131,7 @@
                         </a:rPr>
                         <a:t>创建型模式</a:t>
                       </a:r>
-                      <a:endParaRPr kumimoji="0" lang="zh-CN" altLang="en-US" sz="2000" b="0" i="0" u="none" strike="noStrike" cap="none" normalizeH="0" baseline="0" dirty="0" smtClean="0">
+                      <a:endParaRPr kumimoji="0" lang="zh-CN" altLang="en-US" sz="2000" b="0" i="0" u="none" strike="noStrike" cap="none" normalizeH="0" baseline="0" dirty="0">
                         <a:ln>
                           <a:noFill/>
                         </a:ln>
@@ -25351,7 +25215,7 @@
                         <a:tabLst/>
                       </a:pPr>
                       <a:r>
-                        <a:rPr kumimoji="0" lang="zh-CN" altLang="en-US" sz="2000" b="1" i="0" u="none" strike="noStrike" cap="none" normalizeH="0" baseline="0" dirty="0" smtClean="0">
+                        <a:rPr kumimoji="0" lang="zh-CN" altLang="en-US" sz="2000" b="1" i="0" u="none" strike="noStrike" cap="none" normalizeH="0" baseline="0" dirty="0">
                           <a:ln>
                             <a:noFill/>
                           </a:ln>
@@ -25365,7 +25229,7 @@
                         </a:rPr>
                         <a:t>结构型模式</a:t>
                       </a:r>
-                      <a:endParaRPr kumimoji="0" lang="zh-CN" altLang="en-US" sz="2000" b="0" i="0" u="none" strike="noStrike" cap="none" normalizeH="0" baseline="0" dirty="0" smtClean="0">
+                      <a:endParaRPr kumimoji="0" lang="zh-CN" altLang="en-US" sz="2000" b="0" i="0" u="none" strike="noStrike" cap="none" normalizeH="0" baseline="0" dirty="0">
                         <a:ln>
                           <a:noFill/>
                         </a:ln>
@@ -25449,7 +25313,7 @@
                         <a:tabLst/>
                       </a:pPr>
                       <a:r>
-                        <a:rPr kumimoji="0" lang="zh-CN" altLang="en-US" sz="2000" b="1" i="0" u="none" strike="noStrike" cap="none" normalizeH="0" baseline="0" smtClean="0">
+                        <a:rPr kumimoji="0" lang="zh-CN" altLang="en-US" sz="2000" b="1" i="0" u="none" strike="noStrike" cap="none" normalizeH="0" baseline="0">
                           <a:ln>
                             <a:noFill/>
                           </a:ln>
@@ -25463,7 +25327,7 @@
                         </a:rPr>
                         <a:t>行为型模式</a:t>
                       </a:r>
-                      <a:endParaRPr kumimoji="0" lang="zh-CN" altLang="en-US" sz="2000" b="0" i="0" u="none" strike="noStrike" cap="none" normalizeH="0" baseline="0" smtClean="0">
+                      <a:endParaRPr kumimoji="0" lang="zh-CN" altLang="en-US" sz="2000" b="0" i="0" u="none" strike="noStrike" cap="none" normalizeH="0" baseline="0">
                         <a:ln>
                           <a:noFill/>
                         </a:ln>
@@ -25525,6 +25389,11 @@
                     </a:solidFill>
                   </a:tcPr>
                 </a:tc>
+                <a:extLst>
+                  <a:ext uri="{0D108BD9-81ED-4DB2-BD59-A6C34878D82A}">
+                    <a16:rowId xmlns:a16="http://schemas.microsoft.com/office/drawing/2014/main" val="10000"/>
+                  </a:ext>
+                </a:extLst>
               </a:tr>
               <a:tr h="776408">
                 <a:tc>
@@ -25549,7 +25418,7 @@
                         <a:tabLst/>
                       </a:pPr>
                       <a:r>
-                        <a:rPr kumimoji="0" lang="zh-CN" altLang="en-US" sz="2000" b="1" i="0" u="none" strike="noStrike" cap="none" normalizeH="0" baseline="0" dirty="0" smtClean="0">
+                        <a:rPr kumimoji="0" lang="zh-CN" altLang="en-US" sz="2000" b="1" i="0" u="none" strike="noStrike" cap="none" normalizeH="0" baseline="0" dirty="0">
                           <a:ln>
                             <a:noFill/>
                           </a:ln>
@@ -25563,7 +25432,7 @@
                         </a:rPr>
                         <a:t>类模式</a:t>
                       </a:r>
-                      <a:endParaRPr kumimoji="0" lang="zh-CN" altLang="en-US" sz="2000" b="0" i="0" u="none" strike="noStrike" cap="none" normalizeH="0" baseline="0" dirty="0" smtClean="0">
+                      <a:endParaRPr kumimoji="0" lang="zh-CN" altLang="en-US" sz="2000" b="0" i="0" u="none" strike="noStrike" cap="none" normalizeH="0" baseline="0" dirty="0">
                         <a:ln>
                           <a:noFill/>
                         </a:ln>
@@ -25645,7 +25514,7 @@
                         <a:tabLst/>
                       </a:pPr>
                       <a:r>
-                        <a:rPr kumimoji="0" lang="zh-CN" altLang="en-US" sz="2000" b="1" i="0" u="none" strike="noStrike" cap="none" normalizeH="0" baseline="0" dirty="0" smtClean="0">
+                        <a:rPr kumimoji="0" lang="zh-CN" altLang="en-US" sz="2000" b="1" i="0" u="none" strike="noStrike" cap="none" normalizeH="0" baseline="0" dirty="0">
                           <a:ln>
                             <a:noFill/>
                           </a:ln>
@@ -25659,7 +25528,7 @@
                         </a:rPr>
                         <a:t>工厂方法模式</a:t>
                       </a:r>
-                      <a:endParaRPr kumimoji="0" lang="zh-CN" altLang="en-US" sz="2000" b="1" i="0" u="none" strike="noStrike" cap="none" normalizeH="0" baseline="0" dirty="0" smtClean="0">
+                      <a:endParaRPr kumimoji="0" lang="zh-CN" altLang="en-US" sz="2000" b="1" i="0" u="none" strike="noStrike" cap="none" normalizeH="0" baseline="0" dirty="0">
                         <a:ln>
                           <a:noFill/>
                         </a:ln>
@@ -25743,7 +25612,7 @@
                         <a:tabLst/>
                       </a:pPr>
                       <a:r>
-                        <a:rPr kumimoji="0" lang="zh-CN" altLang="en-US" sz="2000" b="1" i="0" u="none" strike="noStrike" cap="none" normalizeH="0" baseline="0" dirty="0" smtClean="0">
+                        <a:rPr kumimoji="0" lang="zh-CN" altLang="en-US" sz="2000" b="1" i="0" u="none" strike="noStrike" cap="none" normalizeH="0" baseline="0" dirty="0">
                           <a:ln>
                             <a:noFill/>
                           </a:ln>
@@ -25757,7 +25626,7 @@
                         </a:rPr>
                         <a:t>（类）适配器模式</a:t>
                       </a:r>
-                      <a:endParaRPr kumimoji="0" lang="zh-CN" altLang="en-US" sz="2000" b="1" i="0" u="none" strike="noStrike" cap="none" normalizeH="0" baseline="0" dirty="0" smtClean="0">
+                      <a:endParaRPr kumimoji="0" lang="zh-CN" altLang="en-US" sz="2000" b="1" i="0" u="none" strike="noStrike" cap="none" normalizeH="0" baseline="0" dirty="0">
                         <a:ln>
                           <a:noFill/>
                         </a:ln>
@@ -25843,7 +25712,7 @@
                         <a:tabLst/>
                       </a:pPr>
                       <a:r>
-                        <a:rPr kumimoji="0" lang="zh-CN" altLang="en-US" sz="2000" b="1" i="0" u="none" strike="noStrike" cap="none" normalizeH="0" baseline="0" dirty="0" smtClean="0">
+                        <a:rPr kumimoji="0" lang="zh-CN" altLang="en-US" sz="2000" b="1" i="0" u="none" strike="noStrike" cap="none" normalizeH="0" baseline="0" dirty="0">
                           <a:ln>
                             <a:noFill/>
                           </a:ln>
@@ -25876,7 +25745,7 @@
                         <a:tabLst/>
                       </a:pPr>
                       <a:r>
-                        <a:rPr kumimoji="0" lang="zh-CN" altLang="en-US" sz="2000" b="1" i="0" u="none" strike="noStrike" cap="none" normalizeH="0" baseline="0" dirty="0" smtClean="0">
+                        <a:rPr kumimoji="0" lang="zh-CN" altLang="en-US" sz="2000" b="1" i="0" u="none" strike="noStrike" cap="none" normalizeH="0" baseline="0" dirty="0">
                           <a:ln>
                             <a:noFill/>
                           </a:ln>
@@ -25890,7 +25759,7 @@
                         </a:rPr>
                         <a:t>模板方法模式</a:t>
                       </a:r>
-                      <a:endParaRPr kumimoji="0" lang="zh-CN" altLang="en-US" sz="2000" b="1" i="0" u="none" strike="noStrike" cap="none" normalizeH="0" baseline="0" dirty="0" smtClean="0">
+                      <a:endParaRPr kumimoji="0" lang="zh-CN" altLang="en-US" sz="2000" b="1" i="0" u="none" strike="noStrike" cap="none" normalizeH="0" baseline="0" dirty="0">
                         <a:ln>
                           <a:noFill/>
                         </a:ln>
@@ -25954,6 +25823,11 @@
                     </a:solidFill>
                   </a:tcPr>
                 </a:tc>
+                <a:extLst>
+                  <a:ext uri="{0D108BD9-81ED-4DB2-BD59-A6C34878D82A}">
+                    <a16:rowId xmlns:a16="http://schemas.microsoft.com/office/drawing/2014/main" val="10001"/>
+                  </a:ext>
+                </a:extLst>
               </a:tr>
               <a:tr h="2835080">
                 <a:tc>
@@ -25978,7 +25852,7 @@
                         <a:tabLst/>
                       </a:pPr>
                       <a:r>
-                        <a:rPr kumimoji="0" lang="zh-CN" altLang="en-US" sz="2000" b="1" i="0" u="none" strike="noStrike" cap="none" normalizeH="0" baseline="0" dirty="0" smtClean="0">
+                        <a:rPr kumimoji="0" lang="zh-CN" altLang="en-US" sz="2000" b="1" i="0" u="none" strike="noStrike" cap="none" normalizeH="0" baseline="0" dirty="0">
                           <a:ln>
                             <a:noFill/>
                           </a:ln>
@@ -25992,7 +25866,7 @@
                         </a:rPr>
                         <a:t>对象模式</a:t>
                       </a:r>
-                      <a:endParaRPr kumimoji="0" lang="zh-CN" altLang="en-US" sz="2000" b="0" i="0" u="none" strike="noStrike" cap="none" normalizeH="0" baseline="0" dirty="0" smtClean="0">
+                      <a:endParaRPr kumimoji="0" lang="zh-CN" altLang="en-US" sz="2000" b="0" i="0" u="none" strike="noStrike" cap="none" normalizeH="0" baseline="0" dirty="0">
                         <a:ln>
                           <a:noFill/>
                         </a:ln>
@@ -26074,7 +25948,7 @@
                         <a:tabLst/>
                       </a:pPr>
                       <a:r>
-                        <a:rPr kumimoji="0" lang="zh-CN" altLang="en-US" sz="2000" b="1" i="0" u="none" strike="noStrike" cap="none" normalizeH="0" baseline="0" dirty="0" smtClean="0">
+                        <a:rPr kumimoji="0" lang="zh-CN" altLang="en-US" sz="2000" b="1" i="0" u="none" strike="noStrike" cap="none" normalizeH="0" baseline="0" dirty="0">
                           <a:ln>
                             <a:noFill/>
                           </a:ln>
@@ -26107,7 +25981,7 @@
                         <a:tabLst/>
                       </a:pPr>
                       <a:r>
-                        <a:rPr kumimoji="0" lang="zh-CN" altLang="en-US" sz="2000" b="1" i="0" u="none" strike="noStrike" cap="none" normalizeH="0" baseline="0" dirty="0" smtClean="0">
+                        <a:rPr kumimoji="0" lang="zh-CN" altLang="en-US" sz="2000" b="1" i="0" u="none" strike="noStrike" cap="none" normalizeH="0" baseline="0" dirty="0">
                           <a:ln>
                             <a:noFill/>
                           </a:ln>
@@ -26140,7 +26014,7 @@
                         <a:tabLst/>
                       </a:pPr>
                       <a:r>
-                        <a:rPr kumimoji="0" lang="zh-CN" altLang="en-US" sz="2000" b="1" i="0" u="none" strike="noStrike" cap="none" normalizeH="0" baseline="0" dirty="0" smtClean="0">
+                        <a:rPr kumimoji="0" lang="zh-CN" altLang="en-US" sz="2000" b="1" i="0" u="none" strike="noStrike" cap="none" normalizeH="0" baseline="0" dirty="0">
                           <a:ln>
                             <a:noFill/>
                           </a:ln>
@@ -26173,7 +26047,7 @@
                         <a:tabLst/>
                       </a:pPr>
                       <a:r>
-                        <a:rPr kumimoji="0" lang="zh-CN" altLang="en-US" sz="2000" b="1" i="0" u="none" strike="noStrike" cap="none" normalizeH="0" baseline="0" dirty="0" smtClean="0">
+                        <a:rPr kumimoji="0" lang="zh-CN" altLang="en-US" sz="2000" b="1" i="0" u="none" strike="noStrike" cap="none" normalizeH="0" baseline="0" dirty="0">
                           <a:ln>
                             <a:noFill/>
                           </a:ln>
@@ -26187,7 +26061,7 @@
                         </a:rPr>
                         <a:t>单例模式</a:t>
                       </a:r>
-                      <a:endParaRPr kumimoji="0" lang="zh-CN" altLang="en-US" sz="2000" b="1" i="0" u="none" strike="noStrike" cap="none" normalizeH="0" baseline="0" dirty="0" smtClean="0">
+                      <a:endParaRPr kumimoji="0" lang="zh-CN" altLang="en-US" sz="2000" b="1" i="0" u="none" strike="noStrike" cap="none" normalizeH="0" baseline="0" dirty="0">
                         <a:ln>
                           <a:noFill/>
                         </a:ln>
@@ -26271,7 +26145,7 @@
                         <a:tabLst/>
                       </a:pPr>
                       <a:r>
-                        <a:rPr kumimoji="0" lang="zh-CN" altLang="en-US" sz="2000" b="1" i="0" u="none" strike="noStrike" cap="none" normalizeH="0" baseline="0" dirty="0" smtClean="0">
+                        <a:rPr kumimoji="0" lang="zh-CN" altLang="en-US" sz="2000" b="1" i="0" u="none" strike="noStrike" cap="none" normalizeH="0" baseline="0" dirty="0">
                           <a:ln>
                             <a:noFill/>
                           </a:ln>
@@ -26304,7 +26178,7 @@
                         <a:tabLst/>
                       </a:pPr>
                       <a:r>
-                        <a:rPr kumimoji="0" lang="zh-CN" altLang="en-US" sz="2000" b="1" i="0" u="none" strike="noStrike" cap="none" normalizeH="0" baseline="0" dirty="0" smtClean="0">
+                        <a:rPr kumimoji="0" lang="zh-CN" altLang="en-US" sz="2000" b="1" i="0" u="none" strike="noStrike" cap="none" normalizeH="0" baseline="0" dirty="0">
                           <a:ln>
                             <a:noFill/>
                           </a:ln>
@@ -26337,7 +26211,7 @@
                         <a:tabLst/>
                       </a:pPr>
                       <a:r>
-                        <a:rPr kumimoji="0" lang="zh-CN" altLang="en-US" sz="2000" b="1" i="0" u="none" strike="noStrike" cap="none" normalizeH="0" baseline="0" dirty="0" smtClean="0">
+                        <a:rPr kumimoji="0" lang="zh-CN" altLang="en-US" sz="2000" b="1" i="0" u="none" strike="noStrike" cap="none" normalizeH="0" baseline="0" dirty="0">
                           <a:ln>
                             <a:noFill/>
                           </a:ln>
@@ -26370,7 +26244,7 @@
                         <a:tabLst/>
                       </a:pPr>
                       <a:r>
-                        <a:rPr kumimoji="0" lang="zh-CN" altLang="en-US" sz="2000" b="1" i="0" u="none" strike="noStrike" cap="none" normalizeH="0" baseline="0" dirty="0" smtClean="0">
+                        <a:rPr kumimoji="0" lang="zh-CN" altLang="en-US" sz="2000" b="1" i="0" u="none" strike="noStrike" cap="none" normalizeH="0" baseline="0" dirty="0">
                           <a:ln>
                             <a:noFill/>
                           </a:ln>
@@ -26403,7 +26277,7 @@
                         <a:tabLst/>
                       </a:pPr>
                       <a:r>
-                        <a:rPr kumimoji="0" lang="zh-CN" altLang="en-US" sz="2000" b="1" i="0" u="none" strike="noStrike" cap="none" normalizeH="0" baseline="0" dirty="0" smtClean="0">
+                        <a:rPr kumimoji="0" lang="zh-CN" altLang="en-US" sz="2000" b="1" i="0" u="none" strike="noStrike" cap="none" normalizeH="0" baseline="0" dirty="0">
                           <a:ln>
                             <a:noFill/>
                           </a:ln>
@@ -26436,7 +26310,7 @@
                         <a:tabLst/>
                       </a:pPr>
                       <a:r>
-                        <a:rPr kumimoji="0" lang="zh-CN" altLang="en-US" sz="2000" b="1" i="0" u="none" strike="noStrike" cap="none" normalizeH="0" baseline="0" dirty="0" smtClean="0">
+                        <a:rPr kumimoji="0" lang="zh-CN" altLang="en-US" sz="2000" b="1" i="0" u="none" strike="noStrike" cap="none" normalizeH="0" baseline="0" dirty="0">
                           <a:ln>
                             <a:noFill/>
                           </a:ln>
@@ -26469,7 +26343,7 @@
                         <a:tabLst/>
                       </a:pPr>
                       <a:r>
-                        <a:rPr kumimoji="0" lang="zh-CN" altLang="en-US" sz="2000" b="1" i="0" u="none" strike="noStrike" cap="none" normalizeH="0" baseline="0" dirty="0" smtClean="0">
+                        <a:rPr kumimoji="0" lang="zh-CN" altLang="en-US" sz="2000" b="1" i="0" u="none" strike="noStrike" cap="none" normalizeH="0" baseline="0" dirty="0">
                           <a:ln>
                             <a:noFill/>
                           </a:ln>
@@ -26483,7 +26357,7 @@
                         </a:rPr>
                         <a:t>代理模式</a:t>
                       </a:r>
-                      <a:endParaRPr kumimoji="0" lang="zh-CN" altLang="en-US" sz="2000" b="1" i="0" u="none" strike="noStrike" cap="none" normalizeH="0" baseline="0" dirty="0" smtClean="0">
+                      <a:endParaRPr kumimoji="0" lang="zh-CN" altLang="en-US" sz="2000" b="1" i="0" u="none" strike="noStrike" cap="none" normalizeH="0" baseline="0" dirty="0">
                         <a:ln>
                           <a:noFill/>
                         </a:ln>
@@ -26569,7 +26443,7 @@
                         <a:tabLst/>
                       </a:pPr>
                       <a:r>
-                        <a:rPr kumimoji="0" lang="zh-CN" altLang="en-US" sz="2000" b="1" i="0" u="none" strike="noStrike" cap="none" normalizeH="0" baseline="0" dirty="0" smtClean="0">
+                        <a:rPr kumimoji="0" lang="zh-CN" altLang="en-US" sz="2000" b="1" i="0" u="none" strike="noStrike" cap="none" normalizeH="0" baseline="0" dirty="0">
                           <a:ln>
                             <a:noFill/>
                           </a:ln>
@@ -26602,7 +26476,7 @@
                         <a:tabLst/>
                       </a:pPr>
                       <a:r>
-                        <a:rPr kumimoji="0" lang="zh-CN" altLang="en-US" sz="2000" b="1" i="0" u="none" strike="noStrike" cap="none" normalizeH="0" baseline="0" dirty="0" smtClean="0">
+                        <a:rPr kumimoji="0" lang="zh-CN" altLang="en-US" sz="2000" b="1" i="0" u="none" strike="noStrike" cap="none" normalizeH="0" baseline="0" dirty="0">
                           <a:ln>
                             <a:noFill/>
                           </a:ln>
@@ -26635,7 +26509,7 @@
                         <a:tabLst/>
                       </a:pPr>
                       <a:r>
-                        <a:rPr kumimoji="0" lang="zh-CN" altLang="en-US" sz="2000" b="1" i="0" u="none" strike="noStrike" cap="none" normalizeH="0" baseline="0" dirty="0" smtClean="0">
+                        <a:rPr kumimoji="0" lang="zh-CN" altLang="en-US" sz="2000" b="1" i="0" u="none" strike="noStrike" cap="none" normalizeH="0" baseline="0" dirty="0">
                           <a:ln>
                             <a:noFill/>
                           </a:ln>
@@ -26668,7 +26542,7 @@
                         <a:tabLst/>
                       </a:pPr>
                       <a:r>
-                        <a:rPr kumimoji="0" lang="zh-CN" altLang="en-US" sz="2000" b="1" i="0" u="none" strike="noStrike" cap="none" normalizeH="0" baseline="0" dirty="0" smtClean="0">
+                        <a:rPr kumimoji="0" lang="zh-CN" altLang="en-US" sz="2000" b="1" i="0" u="none" strike="noStrike" cap="none" normalizeH="0" baseline="0" dirty="0">
                           <a:ln>
                             <a:noFill/>
                           </a:ln>
@@ -26701,7 +26575,7 @@
                         <a:tabLst/>
                       </a:pPr>
                       <a:r>
-                        <a:rPr kumimoji="0" lang="zh-CN" altLang="en-US" sz="2000" b="1" i="0" u="none" strike="noStrike" cap="none" normalizeH="0" baseline="0" dirty="0" smtClean="0">
+                        <a:rPr kumimoji="0" lang="zh-CN" altLang="en-US" sz="2000" b="1" i="0" u="none" strike="noStrike" cap="none" normalizeH="0" baseline="0" dirty="0">
                           <a:ln>
                             <a:noFill/>
                           </a:ln>
@@ -26734,7 +26608,7 @@
                         <a:tabLst/>
                       </a:pPr>
                       <a:r>
-                        <a:rPr kumimoji="0" lang="zh-CN" altLang="en-US" sz="2000" b="1" i="0" u="none" strike="noStrike" cap="none" normalizeH="0" baseline="0" dirty="0" smtClean="0">
+                        <a:rPr kumimoji="0" lang="zh-CN" altLang="en-US" sz="2000" b="1" i="0" u="none" strike="noStrike" cap="none" normalizeH="0" baseline="0" dirty="0">
                           <a:ln>
                             <a:noFill/>
                           </a:ln>
@@ -26767,7 +26641,7 @@
                         <a:tabLst/>
                       </a:pPr>
                       <a:r>
-                        <a:rPr kumimoji="0" lang="zh-CN" altLang="en-US" sz="2000" b="1" i="0" u="none" strike="noStrike" cap="none" normalizeH="0" baseline="0" dirty="0" smtClean="0">
+                        <a:rPr kumimoji="0" lang="zh-CN" altLang="en-US" sz="2000" b="1" i="0" u="none" strike="noStrike" cap="none" normalizeH="0" baseline="0" dirty="0">
                           <a:ln>
                             <a:noFill/>
                           </a:ln>
@@ -26800,7 +26674,7 @@
                         <a:tabLst/>
                       </a:pPr>
                       <a:r>
-                        <a:rPr kumimoji="0" lang="zh-CN" altLang="en-US" sz="2000" b="1" i="0" u="none" strike="noStrike" cap="none" normalizeH="0" baseline="0" dirty="0" smtClean="0">
+                        <a:rPr kumimoji="0" lang="zh-CN" altLang="en-US" sz="2000" b="1" i="0" u="none" strike="noStrike" cap="none" normalizeH="0" baseline="0" dirty="0">
                           <a:ln>
                             <a:noFill/>
                           </a:ln>
@@ -26833,7 +26707,7 @@
                         <a:tabLst/>
                       </a:pPr>
                       <a:r>
-                        <a:rPr kumimoji="0" lang="zh-CN" altLang="en-US" sz="2000" b="1" i="0" u="none" strike="noStrike" cap="none" normalizeH="0" baseline="0" dirty="0" smtClean="0">
+                        <a:rPr kumimoji="0" lang="zh-CN" altLang="en-US" sz="2000" b="1" i="0" u="none" strike="noStrike" cap="none" normalizeH="0" baseline="0" dirty="0">
                           <a:ln>
                             <a:noFill/>
                           </a:ln>
@@ -26847,7 +26721,7 @@
                         </a:rPr>
                         <a:t>访问者模式</a:t>
                       </a:r>
-                      <a:endParaRPr kumimoji="0" lang="zh-CN" altLang="en-US" sz="2000" b="1" i="0" u="none" strike="noStrike" cap="none" normalizeH="0" baseline="0" dirty="0" smtClean="0">
+                      <a:endParaRPr kumimoji="0" lang="zh-CN" altLang="en-US" sz="2000" b="1" i="0" u="none" strike="noStrike" cap="none" normalizeH="0" baseline="0" dirty="0">
                         <a:ln>
                           <a:noFill/>
                         </a:ln>
@@ -26911,6 +26785,11 @@
                     </a:solidFill>
                   </a:tcPr>
                 </a:tc>
+                <a:extLst>
+                  <a:ext uri="{0D108BD9-81ED-4DB2-BD59-A6C34878D82A}">
+                    <a16:rowId xmlns:a16="http://schemas.microsoft.com/office/drawing/2014/main" val="10002"/>
+                  </a:ext>
+                </a:extLst>
               </a:tr>
             </a:tbl>
           </a:graphicData>
@@ -26980,13 +26859,6 @@
   <p:clrMapOvr>
     <a:masterClrMapping/>
   </p:clrMapOvr>
-  <p:timing>
-    <p:tnLst>
-      <p:par>
-        <p:cTn id="1" dur="indefinite" restart="never" nodeType="tmRoot"/>
-      </p:par>
-    </p:tnLst>
-  </p:timing>
 </p:sld>
 </file>
 
@@ -27024,11 +26896,11 @@
           <a:p>
             <a:pPr eaLnBrk="1" hangingPunct="1"/>
             <a:r>
-              <a:rPr lang="en-US" altLang="zh-CN" smtClean="0"/>
+              <a:rPr lang="en-US" altLang="zh-CN"/>
               <a:t>GoF</a:t>
             </a:r>
             <a:r>
-              <a:rPr lang="zh-CN" altLang="en-US" smtClean="0"/>
+              <a:rPr lang="zh-CN" altLang="en-US"/>
               <a:t>设计模式简介 </a:t>
             </a:r>
           </a:p>
@@ -27408,13 +27280,6 @@
   <p:clrMapOvr>
     <a:masterClrMapping/>
   </p:clrMapOvr>
-  <p:timing>
-    <p:tnLst>
-      <p:par>
-        <p:cTn id="1" dur="indefinite" restart="never" nodeType="tmRoot"/>
-      </p:par>
-    </p:tnLst>
-  </p:timing>
 </p:sld>
 </file>
 
@@ -27452,11 +27317,11 @@
           <a:p>
             <a:pPr eaLnBrk="1" hangingPunct="1"/>
             <a:r>
-              <a:rPr lang="en-US" altLang="zh-CN" smtClean="0"/>
+              <a:rPr lang="en-US" altLang="zh-CN"/>
               <a:t>GoF</a:t>
             </a:r>
             <a:r>
-              <a:rPr lang="zh-CN" altLang="en-US" smtClean="0"/>
+              <a:rPr lang="zh-CN" altLang="en-US"/>
               <a:t>设计模式简介 </a:t>
             </a:r>
           </a:p>
@@ -27865,13 +27730,6 @@
   <p:clrMapOvr>
     <a:masterClrMapping/>
   </p:clrMapOvr>
-  <p:timing>
-    <p:tnLst>
-      <p:par>
-        <p:cTn id="1" dur="indefinite" restart="never" nodeType="tmRoot"/>
-      </p:par>
-    </p:tnLst>
-  </p:timing>
 </p:sld>
 </file>
 
@@ -27909,11 +27767,11 @@
           <a:p>
             <a:pPr eaLnBrk="1" hangingPunct="1"/>
             <a:r>
-              <a:rPr lang="en-US" altLang="zh-CN" smtClean="0"/>
+              <a:rPr lang="en-US" altLang="zh-CN"/>
               <a:t>GoF</a:t>
             </a:r>
             <a:r>
-              <a:rPr lang="zh-CN" altLang="en-US" smtClean="0"/>
+              <a:rPr lang="zh-CN" altLang="en-US"/>
               <a:t>设计模式简介 </a:t>
             </a:r>
           </a:p>
@@ -28462,13 +28320,6 @@
   <p:clrMapOvr>
     <a:masterClrMapping/>
   </p:clrMapOvr>
-  <p:timing>
-    <p:tnLst>
-      <p:par>
-        <p:cTn id="1" dur="indefinite" restart="never" nodeType="tmRoot"/>
-      </p:par>
-    </p:tnLst>
-  </p:timing>
 </p:sld>
 </file>
 
@@ -28506,7 +28357,7 @@
           <a:p>
             <a:pPr eaLnBrk="1" hangingPunct="1"/>
             <a:r>
-              <a:rPr lang="zh-CN" altLang="en-US" smtClean="0"/>
+              <a:rPr lang="zh-CN" altLang="en-US"/>
               <a:t>设计模式的优点 </a:t>
             </a:r>
           </a:p>
@@ -28538,7 +28389,7 @@
               </a:lnSpc>
             </a:pPr>
             <a:r>
-              <a:rPr lang="zh-CN" altLang="en-US" sz="2400" smtClean="0">
+              <a:rPr lang="zh-CN" altLang="en-US" sz="2400">
                 <a:solidFill>
                   <a:srgbClr val="FF3300"/>
                 </a:solidFill>
@@ -28546,10 +28397,10 @@
               <a:t>融合了众多专家的经验</a:t>
             </a:r>
             <a:r>
-              <a:rPr lang="zh-CN" altLang="en-US" sz="2400" smtClean="0"/>
+              <a:rPr lang="zh-CN" altLang="en-US" sz="2400"/>
               <a:t>，并以一种标准的形式供广大开发人员所用</a:t>
             </a:r>
-            <a:endParaRPr lang="en-US" altLang="zh-CN" sz="2400" smtClean="0"/>
+            <a:endParaRPr lang="en-US" altLang="zh-CN" sz="2400"/>
           </a:p>
           <a:p>
             <a:pPr algn="just" eaLnBrk="1" hangingPunct="1">
@@ -28558,11 +28409,11 @@
               </a:lnSpc>
             </a:pPr>
             <a:r>
-              <a:rPr lang="zh-CN" altLang="en-US" sz="2400" smtClean="0"/>
+              <a:rPr lang="zh-CN" altLang="en-US" sz="2400"/>
               <a:t>提供了一套</a:t>
             </a:r>
             <a:r>
-              <a:rPr lang="zh-CN" altLang="en-US" sz="2400" smtClean="0">
+              <a:rPr lang="zh-CN" altLang="en-US" sz="2400">
                 <a:solidFill>
                   <a:srgbClr val="FF3300"/>
                 </a:solidFill>
@@ -28570,10 +28421,10 @@
               <a:t>通用的设计词汇和一种通用的语言，</a:t>
             </a:r>
             <a:r>
-              <a:rPr lang="zh-CN" altLang="en-US" sz="2400" smtClean="0"/>
+              <a:rPr lang="zh-CN" altLang="en-US" sz="2400"/>
               <a:t>以方便开发人员之间进行沟通和交流，使得设计方案更加通俗易懂</a:t>
             </a:r>
-            <a:endParaRPr lang="en-US" altLang="zh-CN" sz="2400" smtClean="0"/>
+            <a:endParaRPr lang="en-US" altLang="zh-CN" sz="2400"/>
           </a:p>
           <a:p>
             <a:pPr algn="just" eaLnBrk="1" hangingPunct="1">
@@ -28582,18 +28433,18 @@
               </a:lnSpc>
             </a:pPr>
             <a:r>
-              <a:rPr lang="zh-CN" altLang="en-US" sz="2400" smtClean="0"/>
+              <a:rPr lang="zh-CN" altLang="en-US" sz="2400"/>
               <a:t>让人们可以更加简单方便地</a:t>
             </a:r>
             <a:r>
-              <a:rPr lang="zh-CN" altLang="en-US" sz="2400" smtClean="0">
+              <a:rPr lang="zh-CN" altLang="en-US" sz="2400">
                 <a:solidFill>
                   <a:srgbClr val="FF3300"/>
                 </a:solidFill>
               </a:rPr>
               <a:t>复用成功的设计和体系结构</a:t>
             </a:r>
-            <a:endParaRPr lang="en-US" altLang="zh-CN" sz="2400" smtClean="0">
+            <a:endParaRPr lang="en-US" altLang="zh-CN" sz="2400">
               <a:solidFill>
                 <a:srgbClr val="FF3300"/>
               </a:solidFill>
@@ -28606,11 +28457,11 @@
               </a:lnSpc>
             </a:pPr>
             <a:r>
-              <a:rPr lang="zh-CN" altLang="en-US" sz="2400" smtClean="0"/>
+              <a:rPr lang="zh-CN" altLang="en-US" sz="2400"/>
               <a:t>使得设计方案更加</a:t>
             </a:r>
             <a:r>
-              <a:rPr lang="zh-CN" altLang="en-US" sz="2400" smtClean="0">
+              <a:rPr lang="zh-CN" altLang="en-US" sz="2400">
                 <a:solidFill>
                   <a:srgbClr val="FF3300"/>
                 </a:solidFill>
@@ -28618,11 +28469,11 @@
               <a:t>灵活</a:t>
             </a:r>
             <a:r>
-              <a:rPr lang="zh-CN" altLang="en-US" sz="2400" smtClean="0"/>
+              <a:rPr lang="zh-CN" altLang="en-US" sz="2400"/>
               <a:t>，且</a:t>
             </a:r>
             <a:r>
-              <a:rPr lang="zh-CN" altLang="en-US" sz="2400" smtClean="0">
+              <a:rPr lang="zh-CN" altLang="en-US" sz="2400">
                 <a:solidFill>
                   <a:srgbClr val="FF3300"/>
                 </a:solidFill>
@@ -28637,11 +28488,11 @@
               </a:lnSpc>
             </a:pPr>
             <a:r>
-              <a:rPr lang="zh-CN" altLang="en-US" sz="2400" smtClean="0"/>
+              <a:rPr lang="zh-CN" altLang="en-US" sz="2400"/>
               <a:t>将提高软件系统的</a:t>
             </a:r>
             <a:r>
-              <a:rPr lang="zh-CN" altLang="en-US" sz="2400" smtClean="0">
+              <a:rPr lang="zh-CN" altLang="en-US" sz="2400">
                 <a:solidFill>
                   <a:srgbClr val="FF3300"/>
                 </a:solidFill>
@@ -28649,7 +28500,7 @@
               <a:t>开发效率和软件质量</a:t>
             </a:r>
             <a:r>
-              <a:rPr lang="zh-CN" altLang="en-US" sz="2400" smtClean="0"/>
+              <a:rPr lang="zh-CN" altLang="en-US" sz="2400"/>
               <a:t>，且在一定程度上节约设计成本</a:t>
             </a:r>
           </a:p>
@@ -28660,11 +28511,11 @@
               </a:lnSpc>
             </a:pPr>
             <a:r>
-              <a:rPr lang="zh-CN" altLang="en-US" sz="2400" smtClean="0"/>
+              <a:rPr lang="zh-CN" altLang="en-US" sz="2400"/>
               <a:t>有助于初学者更深入地</a:t>
             </a:r>
             <a:r>
-              <a:rPr lang="zh-CN" altLang="en-US" sz="2400" smtClean="0">
+              <a:rPr lang="zh-CN" altLang="en-US" sz="2400">
                 <a:solidFill>
                   <a:srgbClr val="FF3300"/>
                 </a:solidFill>
@@ -28672,10 +28523,10 @@
               <a:t>理解面向对象思想，</a:t>
             </a:r>
             <a:r>
-              <a:rPr lang="zh-CN" altLang="en-US" sz="2400" smtClean="0"/>
+              <a:rPr lang="zh-CN" altLang="en-US" sz="2400"/>
               <a:t>方便阅读和学习现有类库与其他系统中的源代码，还可以提高软件的设计水平和代码质量</a:t>
             </a:r>
-            <a:endParaRPr lang="en-US" altLang="zh-CN" sz="2400" smtClean="0"/>
+            <a:endParaRPr lang="en-US" altLang="zh-CN" sz="2400"/>
           </a:p>
         </p:txBody>
       </p:sp>
@@ -28689,13 +28540,6 @@
   <p:clrMapOvr>
     <a:masterClrMapping/>
   </p:clrMapOvr>
-  <p:timing>
-    <p:tnLst>
-      <p:par>
-        <p:cTn id="1" dur="indefinite" restart="never" nodeType="tmRoot"/>
-      </p:par>
-    </p:tnLst>
-  </p:timing>
 </p:sld>
 </file>
 
@@ -28735,7 +28579,7 @@
               <a:defRPr/>
             </a:pPr>
             <a:r>
-              <a:rPr lang="en-US" altLang="zh-CN" b="1" smtClean="0">
+              <a:rPr lang="en-US" altLang="zh-CN" b="1">
                 <a:effectLst>
                   <a:outerShdw blurRad="38100" dist="38100" dir="2700000" algn="tl">
                     <a:srgbClr val="C0C0C0"/>
@@ -28765,7 +28609,7 @@
           <a:lstStyle/>
           <a:p>
             <a:pPr eaLnBrk="1" hangingPunct="1"/>
-            <a:endParaRPr lang="zh-CN" altLang="zh-CN" smtClean="0"/>
+            <a:endParaRPr lang="zh-CN" altLang="zh-CN"/>
           </a:p>
         </p:txBody>
       </p:sp>
@@ -28929,13 +28773,6 @@
   <p:clrMapOvr>
     <a:masterClrMapping/>
   </p:clrMapOvr>
-  <p:timing>
-    <p:tnLst>
-      <p:par>
-        <p:cTn id="1" dur="indefinite" restart="never" nodeType="tmRoot"/>
-      </p:par>
-    </p:tnLst>
-  </p:timing>
 </p:sld>
 </file>
 
@@ -28978,7 +28815,7 @@
           <a:p>
             <a:pPr eaLnBrk="1" hangingPunct="1"/>
             <a:r>
-              <a:rPr lang="zh-CN" altLang="en-US" smtClean="0"/>
+              <a:rPr lang="zh-CN" altLang="en-US"/>
               <a:t>引言</a:t>
             </a:r>
           </a:p>
@@ -29006,18 +28843,18 @@
           <a:p>
             <a:pPr eaLnBrk="1" hangingPunct="1"/>
             <a:r>
-              <a:rPr kumimoji="1" lang="zh-CN" altLang="en-US" smtClean="0"/>
+              <a:rPr kumimoji="1" lang="zh-CN" altLang="en-US" dirty="0"/>
               <a:t>庞大的跨平台图像浏览系统</a:t>
             </a:r>
-            <a:endParaRPr kumimoji="1" lang="en-US" altLang="zh-CN" smtClean="0"/>
+            <a:endParaRPr kumimoji="1" lang="en-US" altLang="zh-CN" dirty="0"/>
           </a:p>
           <a:p>
             <a:pPr lvl="1" eaLnBrk="1" hangingPunct="1"/>
             <a:r>
-              <a:rPr lang="zh-CN" altLang="en-US" smtClean="0"/>
+              <a:rPr lang="zh-CN" altLang="en-US" dirty="0"/>
               <a:t>实例说明</a:t>
             </a:r>
-            <a:endParaRPr lang="en-US" altLang="zh-CN" smtClean="0"/>
+            <a:endParaRPr lang="en-US" altLang="zh-CN" dirty="0"/>
           </a:p>
           <a:p>
             <a:pPr lvl="2" eaLnBrk="1" hangingPunct="1">
@@ -29025,13 +28862,13 @@
               <a:buChar char="•"/>
             </a:pPr>
             <a:r>
-              <a:rPr lang="zh-CN" altLang="en-US" sz="2400" smtClean="0">
+              <a:rPr lang="zh-CN" altLang="en-US" sz="2400" dirty="0">
                 <a:ea typeface="黑体" panose="02010609060101010101" pitchFamily="49" charset="-122"/>
               </a:rPr>
               <a:t>某软件公司要开发一个</a:t>
             </a:r>
             <a:r>
-              <a:rPr lang="zh-CN" altLang="en-US" sz="2400" smtClean="0">
+              <a:rPr lang="zh-CN" altLang="en-US" sz="2400" dirty="0">
                 <a:solidFill>
                   <a:srgbClr val="FF3300"/>
                 </a:solidFill>
@@ -29040,61 +28877,61 @@
               <a:t>跨平台图像浏览系统</a:t>
             </a:r>
             <a:r>
-              <a:rPr lang="zh-CN" altLang="en-US" sz="2400" smtClean="0">
+              <a:rPr lang="zh-CN" altLang="en-US" sz="2400" dirty="0">
                 <a:ea typeface="黑体" panose="02010609060101010101" pitchFamily="49" charset="-122"/>
               </a:rPr>
               <a:t>，要求该系统能够显示</a:t>
             </a:r>
             <a:r>
-              <a:rPr lang="en-US" altLang="zh-CN" sz="2400" smtClean="0">
+              <a:rPr lang="en-US" altLang="zh-CN" sz="2400" dirty="0">
                 <a:ea typeface="黑体" panose="02010609060101010101" pitchFamily="49" charset="-122"/>
               </a:rPr>
               <a:t>BMP</a:t>
             </a:r>
             <a:r>
-              <a:rPr lang="zh-CN" altLang="en-US" sz="2400" smtClean="0">
+              <a:rPr lang="zh-CN" altLang="en-US" sz="2400" dirty="0">
                 <a:ea typeface="黑体" panose="02010609060101010101" pitchFamily="49" charset="-122"/>
               </a:rPr>
               <a:t>、</a:t>
             </a:r>
             <a:r>
-              <a:rPr lang="en-US" altLang="zh-CN" sz="2400" smtClean="0">
+              <a:rPr lang="en-US" altLang="zh-CN" sz="2400" dirty="0">
                 <a:ea typeface="黑体" panose="02010609060101010101" pitchFamily="49" charset="-122"/>
               </a:rPr>
               <a:t>JPG</a:t>
             </a:r>
             <a:r>
-              <a:rPr lang="zh-CN" altLang="en-US" sz="2400" smtClean="0">
+              <a:rPr lang="zh-CN" altLang="en-US" sz="2400" dirty="0">
                 <a:ea typeface="黑体" panose="02010609060101010101" pitchFamily="49" charset="-122"/>
               </a:rPr>
               <a:t>、</a:t>
             </a:r>
             <a:r>
-              <a:rPr lang="en-US" altLang="zh-CN" sz="2400" smtClean="0">
+              <a:rPr lang="en-US" altLang="zh-CN" sz="2400" dirty="0">
                 <a:ea typeface="黑体" panose="02010609060101010101" pitchFamily="49" charset="-122"/>
               </a:rPr>
               <a:t>GIF</a:t>
             </a:r>
             <a:r>
-              <a:rPr lang="zh-CN" altLang="en-US" sz="2400" smtClean="0">
+              <a:rPr lang="zh-CN" altLang="en-US" sz="2400" dirty="0">
                 <a:ea typeface="黑体" panose="02010609060101010101" pitchFamily="49" charset="-122"/>
               </a:rPr>
               <a:t>、</a:t>
             </a:r>
             <a:r>
-              <a:rPr lang="en-US" altLang="zh-CN" sz="2400" smtClean="0">
+              <a:rPr lang="en-US" altLang="zh-CN" sz="2400" dirty="0">
                 <a:ea typeface="黑体" panose="02010609060101010101" pitchFamily="49" charset="-122"/>
               </a:rPr>
               <a:t>PNG</a:t>
             </a:r>
             <a:r>
-              <a:rPr lang="zh-CN" altLang="en-US" sz="2400" smtClean="0">
+              <a:rPr lang="zh-CN" altLang="en-US" sz="2400" dirty="0">
                 <a:ea typeface="黑体" panose="02010609060101010101" pitchFamily="49" charset="-122"/>
               </a:rPr>
               <a:t>等</a:t>
             </a:r>
             <a:r>
-              <a:rPr lang="zh-CN" altLang="en-US" sz="2400" smtClean="0">
+              <a:rPr lang="zh-CN" altLang="en-US" sz="2400" dirty="0">
                 <a:solidFill>
                   <a:srgbClr val="FF3300"/>
                 </a:solidFill>
@@ -29103,49 +28940,49 @@
               <a:t>多种格式</a:t>
             </a:r>
             <a:r>
-              <a:rPr lang="zh-CN" altLang="en-US" sz="2400" smtClean="0">
+              <a:rPr lang="zh-CN" altLang="en-US" sz="2400" dirty="0">
                 <a:ea typeface="黑体" panose="02010609060101010101" pitchFamily="49" charset="-122"/>
               </a:rPr>
               <a:t>的文件，并且能够在</a:t>
             </a:r>
             <a:r>
-              <a:rPr lang="en-US" altLang="zh-CN" sz="2400" smtClean="0">
+              <a:rPr lang="en-US" altLang="zh-CN" sz="2400" dirty="0">
                 <a:ea typeface="黑体" panose="02010609060101010101" pitchFamily="49" charset="-122"/>
               </a:rPr>
               <a:t>Windows</a:t>
             </a:r>
             <a:r>
-              <a:rPr lang="zh-CN" altLang="en-US" sz="2400" smtClean="0">
+              <a:rPr lang="zh-CN" altLang="en-US" sz="2400" dirty="0">
                 <a:ea typeface="黑体" panose="02010609060101010101" pitchFamily="49" charset="-122"/>
               </a:rPr>
               <a:t>、</a:t>
             </a:r>
             <a:r>
-              <a:rPr lang="en-US" altLang="zh-CN" sz="2400" smtClean="0">
+              <a:rPr lang="en-US" altLang="zh-CN" sz="2400" dirty="0">
                 <a:ea typeface="黑体" panose="02010609060101010101" pitchFamily="49" charset="-122"/>
               </a:rPr>
               <a:t>Linux</a:t>
             </a:r>
             <a:r>
-              <a:rPr lang="zh-CN" altLang="en-US" sz="2400" smtClean="0">
+              <a:rPr lang="zh-CN" altLang="en-US" sz="2400" dirty="0">
                 <a:ea typeface="黑体" panose="02010609060101010101" pitchFamily="49" charset="-122"/>
               </a:rPr>
               <a:t>、</a:t>
             </a:r>
             <a:r>
-              <a:rPr lang="en-US" altLang="zh-CN" sz="2400" smtClean="0">
+              <a:rPr lang="en-US" altLang="zh-CN" sz="2400" dirty="0">
                 <a:ea typeface="黑体" panose="02010609060101010101" pitchFamily="49" charset="-122"/>
               </a:rPr>
               <a:t>Unix</a:t>
             </a:r>
             <a:r>
-              <a:rPr lang="zh-CN" altLang="en-US" sz="2400" smtClean="0">
+              <a:rPr lang="zh-CN" altLang="en-US" sz="2400" dirty="0">
                 <a:ea typeface="黑体" panose="02010609060101010101" pitchFamily="49" charset="-122"/>
               </a:rPr>
               <a:t>等</a:t>
             </a:r>
             <a:r>
-              <a:rPr lang="zh-CN" altLang="en-US" sz="2400" smtClean="0">
+              <a:rPr lang="zh-CN" altLang="en-US" sz="2400" dirty="0">
                 <a:solidFill>
                   <a:srgbClr val="FF3300"/>
                 </a:solidFill>
@@ -29154,24 +28991,24 @@
               <a:t>多个操作系统</a:t>
             </a:r>
             <a:r>
-              <a:rPr lang="zh-CN" altLang="en-US" sz="2400" smtClean="0">
+              <a:rPr lang="zh-CN" altLang="en-US" sz="2400" dirty="0">
                 <a:ea typeface="黑体" panose="02010609060101010101" pitchFamily="49" charset="-122"/>
               </a:rPr>
               <a:t>上运行。系统首先将各种格式的文件解析为像素矩阵</a:t>
             </a:r>
             <a:r>
-              <a:rPr lang="en-US" altLang="zh-CN" sz="2400" smtClean="0">
+              <a:rPr lang="en-US" altLang="zh-CN" sz="2400" dirty="0">
                 <a:ea typeface="黑体" panose="02010609060101010101" pitchFamily="49" charset="-122"/>
               </a:rPr>
               <a:t>(Matrix)</a:t>
             </a:r>
             <a:r>
-              <a:rPr lang="zh-CN" altLang="en-US" sz="2400" smtClean="0">
+              <a:rPr lang="zh-CN" altLang="en-US" sz="2400" dirty="0">
                 <a:ea typeface="黑体" panose="02010609060101010101" pitchFamily="49" charset="-122"/>
               </a:rPr>
               <a:t>，然后将像素矩阵显示在屏幕上，在不同的操作系统中可以调用不同的绘制函数来绘制像素矩阵。</a:t>
             </a:r>
-            <a:endParaRPr kumimoji="1" lang="zh-CN" altLang="en-US" sz="2400" smtClean="0">
+            <a:endParaRPr kumimoji="1" lang="zh-CN" altLang="en-US" sz="2400" dirty="0">
               <a:ea typeface="黑体" panose="02010609060101010101" pitchFamily="49" charset="-122"/>
             </a:endParaRPr>
           </a:p>
@@ -29187,13 +29024,6 @@
   <p:clrMapOvr>
     <a:masterClrMapping/>
   </p:clrMapOvr>
-  <p:timing>
-    <p:tnLst>
-      <p:par>
-        <p:cTn id="1" dur="indefinite" restart="never" nodeType="tmRoot"/>
-      </p:par>
-    </p:tnLst>
-  </p:timing>
 </p:sld>
 </file>
 
@@ -29236,7 +29066,7 @@
           <a:p>
             <a:pPr eaLnBrk="1" hangingPunct="1"/>
             <a:r>
-              <a:rPr lang="zh-CN" altLang="en-US" smtClean="0"/>
+              <a:rPr lang="zh-CN" altLang="en-US"/>
               <a:t>引言</a:t>
             </a:r>
           </a:p>
@@ -29264,15 +29094,15 @@
           <a:p>
             <a:pPr eaLnBrk="1" hangingPunct="1"/>
             <a:r>
-              <a:rPr kumimoji="1" lang="zh-CN" altLang="en-US" smtClean="0"/>
+              <a:rPr kumimoji="1" lang="zh-CN" altLang="en-US" dirty="0"/>
               <a:t>庞大的跨平台图像浏览系统</a:t>
             </a:r>
-            <a:endParaRPr kumimoji="1" lang="en-US" altLang="zh-CN" smtClean="0"/>
+            <a:endParaRPr kumimoji="1" lang="en-US" altLang="zh-CN" dirty="0"/>
           </a:p>
           <a:p>
             <a:pPr lvl="1" eaLnBrk="1" hangingPunct="1"/>
             <a:r>
-              <a:rPr kumimoji="1" lang="zh-CN" altLang="en-US" smtClean="0"/>
+              <a:rPr kumimoji="1" lang="zh-CN" altLang="en-US" dirty="0"/>
               <a:t>初始设计方案</a:t>
             </a:r>
           </a:p>
@@ -29342,13 +29172,6 @@
   <p:clrMapOvr>
     <a:masterClrMapping/>
   </p:clrMapOvr>
-  <p:timing>
-    <p:tnLst>
-      <p:par>
-        <p:cTn id="1" dur="indefinite" restart="never" nodeType="tmRoot"/>
-      </p:par>
-    </p:tnLst>
-  </p:timing>
 </p:sld>
 </file>
 
@@ -29391,7 +29214,7 @@
           <a:p>
             <a:pPr eaLnBrk="1" hangingPunct="1"/>
             <a:r>
-              <a:rPr lang="zh-CN" altLang="en-US" smtClean="0"/>
+              <a:rPr lang="zh-CN" altLang="en-US"/>
               <a:t>引言</a:t>
             </a:r>
           </a:p>
@@ -29419,18 +29242,18 @@
           <a:p>
             <a:pPr eaLnBrk="1" hangingPunct="1"/>
             <a:r>
-              <a:rPr kumimoji="1" lang="zh-CN" altLang="en-US" smtClean="0"/>
+              <a:rPr kumimoji="1" lang="zh-CN" altLang="en-US" dirty="0"/>
               <a:t>庞大的跨平台图像浏览系统</a:t>
             </a:r>
-            <a:endParaRPr kumimoji="1" lang="en-US" altLang="zh-CN" smtClean="0"/>
+            <a:endParaRPr kumimoji="1" lang="en-US" altLang="zh-CN" dirty="0"/>
           </a:p>
           <a:p>
             <a:pPr lvl="1" eaLnBrk="1" hangingPunct="1"/>
             <a:r>
-              <a:rPr kumimoji="1" lang="zh-CN" altLang="en-US" smtClean="0"/>
+              <a:rPr kumimoji="1" lang="zh-CN" altLang="en-US" dirty="0"/>
               <a:t>问题</a:t>
             </a:r>
-            <a:endParaRPr kumimoji="1" lang="en-US" altLang="zh-CN" smtClean="0"/>
+            <a:endParaRPr kumimoji="1" lang="en-US" altLang="zh-CN" dirty="0"/>
           </a:p>
           <a:p>
             <a:pPr lvl="2" eaLnBrk="1" hangingPunct="1">
@@ -29438,19 +29261,19 @@
               <a:buChar char="•"/>
             </a:pPr>
             <a:r>
-              <a:rPr kumimoji="1" lang="en-US" altLang="zh-CN" sz="2400" smtClean="0">
+              <a:rPr kumimoji="1" lang="en-US" altLang="zh-CN" sz="2400" dirty="0">
                 <a:ea typeface="黑体" panose="02010609060101010101" pitchFamily="49" charset="-122"/>
               </a:rPr>
               <a:t>(1) </a:t>
             </a:r>
             <a:r>
-              <a:rPr lang="zh-CN" altLang="en-US" sz="2400" smtClean="0">
+              <a:rPr lang="zh-CN" altLang="en-US" sz="2400" dirty="0">
                 <a:ea typeface="黑体" panose="02010609060101010101" pitchFamily="49" charset="-122"/>
               </a:rPr>
               <a:t>采用了多层继承结构，导致系统中类的个数急剧增加，</a:t>
             </a:r>
             <a:r>
-              <a:rPr lang="zh-CN" altLang="en-US" sz="2400" smtClean="0">
+              <a:rPr lang="zh-CN" altLang="en-US" sz="2400" dirty="0">
                 <a:solidFill>
                   <a:srgbClr val="FF3300"/>
                 </a:solidFill>
@@ -29459,7 +29282,7 @@
               <a:t>具体层的类的个数</a:t>
             </a:r>
             <a:r>
-              <a:rPr lang="en-US" sz="2400" smtClean="0">
+              <a:rPr lang="en-US" sz="2400" dirty="0">
                 <a:solidFill>
                   <a:srgbClr val="FF3300"/>
                 </a:solidFill>
@@ -29468,7 +29291,7 @@
               <a:t> </a:t>
             </a:r>
             <a:r>
-              <a:rPr lang="en-US" altLang="zh-CN" sz="2400" smtClean="0">
+              <a:rPr lang="en-US" altLang="zh-CN" sz="2400" dirty="0">
                 <a:solidFill>
                   <a:srgbClr val="FF3300"/>
                 </a:solidFill>
@@ -29477,7 +29300,7 @@
               <a:t>= </a:t>
             </a:r>
             <a:r>
-              <a:rPr lang="zh-CN" altLang="en-US" sz="2400" smtClean="0">
+              <a:rPr lang="zh-CN" altLang="en-US" sz="2400" dirty="0">
                 <a:solidFill>
                   <a:srgbClr val="FF3300"/>
                 </a:solidFill>
@@ -29486,7 +29309,7 @@
               <a:t>所支持的图像文件格式数</a:t>
             </a:r>
             <a:r>
-              <a:rPr lang="en-US" altLang="zh-CN" sz="2400" smtClean="0">
+              <a:rPr lang="en-US" altLang="zh-CN" sz="2400" dirty="0">
                 <a:solidFill>
                   <a:srgbClr val="FF3300"/>
                 </a:solidFill>
@@ -29495,7 +29318,7 @@
               <a:t>×</a:t>
             </a:r>
             <a:r>
-              <a:rPr lang="zh-CN" altLang="en-US" sz="2400" smtClean="0">
+              <a:rPr lang="zh-CN" altLang="en-US" sz="2400" dirty="0">
                 <a:solidFill>
                   <a:srgbClr val="FF3300"/>
                 </a:solidFill>
@@ -29503,7 +29326,7 @@
               </a:rPr>
               <a:t>所支持的操作系统数</a:t>
             </a:r>
-            <a:endParaRPr lang="en-US" altLang="zh-CN" sz="2400" smtClean="0">
+            <a:endParaRPr lang="en-US" altLang="zh-CN" sz="2400" dirty="0">
               <a:solidFill>
                 <a:srgbClr val="FF3300"/>
               </a:solidFill>
@@ -29516,19 +29339,19 @@
               <a:buChar char="•"/>
             </a:pPr>
             <a:r>
-              <a:rPr lang="en-US" altLang="zh-CN" sz="2400" smtClean="0">
+              <a:rPr lang="en-US" altLang="zh-CN" sz="2400" dirty="0">
                 <a:ea typeface="黑体" panose="02010609060101010101" pitchFamily="49" charset="-122"/>
               </a:rPr>
               <a:t>(2) </a:t>
             </a:r>
             <a:r>
-              <a:rPr lang="zh-CN" altLang="en-US" sz="2400" smtClean="0">
+              <a:rPr lang="zh-CN" altLang="en-US" sz="2400" dirty="0">
                 <a:ea typeface="黑体" panose="02010609060101010101" pitchFamily="49" charset="-122"/>
               </a:rPr>
               <a:t>系统扩展麻烦，无论是增加新的图像文件格式还是增加新的操作系统，都需要增加大量的具体类，这将</a:t>
             </a:r>
             <a:r>
-              <a:rPr lang="zh-CN" altLang="en-US" sz="2400" smtClean="0">
+              <a:rPr lang="zh-CN" altLang="en-US" sz="2400" dirty="0">
                 <a:solidFill>
                   <a:srgbClr val="FF3300"/>
                 </a:solidFill>
@@ -29536,7 +29359,7 @@
               </a:rPr>
               <a:t>导致系统变得非常庞大，增加运行和维护开销</a:t>
             </a:r>
-            <a:endParaRPr lang="zh-CN" altLang="en-US" sz="2400" smtClean="0">
+            <a:endParaRPr lang="zh-CN" altLang="en-US" sz="2400" dirty="0">
               <a:ea typeface="黑体" panose="02010609060101010101" pitchFamily="49" charset="-122"/>
             </a:endParaRPr>
           </a:p>
@@ -29545,66 +29368,12 @@
               <a:buFont typeface="Wingdings" panose="05000000000000000000" pitchFamily="2" charset="2"/>
               <a:buChar char="Ø"/>
             </a:pPr>
-            <a:endParaRPr kumimoji="1" lang="zh-CN" altLang="en-US" sz="2400" smtClean="0">
+            <a:endParaRPr kumimoji="1" lang="zh-CN" altLang="en-US" sz="2400" dirty="0">
               <a:ea typeface="黑体" panose="02010609060101010101" pitchFamily="49" charset="-122"/>
             </a:endParaRPr>
           </a:p>
         </p:txBody>
       </p:sp>
-      <p:pic>
-        <p:nvPicPr>
-          <p:cNvPr id="11" name="图片 10" descr="2011420168609.jpg"/>
-          <p:cNvPicPr>
-            <a:picLocks noChangeAspect="1"/>
-          </p:cNvPicPr>
-          <p:nvPr/>
-        </p:nvPicPr>
-        <p:blipFill>
-          <a:blip r:embed="rId2">
-            <a:extLst>
-              <a:ext uri="{28A0092B-C50C-407E-A947-70E740481C1C}">
-                <a14:useLocalDpi xmlns:a14="http://schemas.microsoft.com/office/drawing/2010/main" val="0"/>
-              </a:ext>
-            </a:extLst>
-          </a:blip>
-          <a:srcRect l="18616" r="23232"/>
-          <a:stretch>
-            <a:fillRect/>
-          </a:stretch>
-        </p:blipFill>
-        <p:spPr bwMode="auto">
-          <a:xfrm>
-            <a:off x="2524125" y="1905000"/>
-            <a:ext cx="3648075" cy="4343400"/>
-          </a:xfrm>
-          <a:prstGeom prst="rect">
-            <a:avLst/>
-          </a:prstGeom>
-          <a:noFill/>
-          <a:ln>
-            <a:noFill/>
-          </a:ln>
-          <a:extLst>
-            <a:ext uri="{909E8E84-426E-40DD-AFC4-6F175D3DCCD1}">
-              <a14:hiddenFill xmlns:a14="http://schemas.microsoft.com/office/drawing/2010/main">
-                <a:solidFill>
-                  <a:srgbClr val="FFFFFF"/>
-                </a:solidFill>
-              </a14:hiddenFill>
-            </a:ext>
-            <a:ext uri="{91240B29-F687-4F45-9708-019B960494DF}">
-              <a14:hiddenLine xmlns:a14="http://schemas.microsoft.com/office/drawing/2010/main" w="9525">
-                <a:solidFill>
-                  <a:srgbClr val="000000"/>
-                </a:solidFill>
-                <a:miter lim="800000"/>
-                <a:headEnd/>
-                <a:tailEnd/>
-              </a14:hiddenLine>
-            </a:ext>
-          </a:extLst>
-        </p:spPr>
-      </p:pic>
     </p:spTree>
     <p:extLst>
       <p:ext uri="{BB962C8B-B14F-4D97-AF65-F5344CB8AC3E}">
@@ -29615,127 +29384,6 @@
   <p:clrMapOvr>
     <a:masterClrMapping/>
   </p:clrMapOvr>
-  <p:timing>
-    <p:tnLst>
-      <p:par>
-        <p:cTn id="1" dur="indefinite" restart="never" nodeType="tmRoot">
-          <p:childTnLst>
-            <p:seq concurrent="1" nextAc="seek">
-              <p:cTn id="2" dur="indefinite" nodeType="mainSeq">
-                <p:childTnLst>
-                  <p:par>
-                    <p:cTn id="3" fill="hold" nodeType="clickPar">
-                      <p:stCondLst>
-                        <p:cond delay="indefinite"/>
-                      </p:stCondLst>
-                      <p:childTnLst>
-                        <p:par>
-                          <p:cTn id="4" fill="hold" nodeType="withGroup">
-                            <p:stCondLst>
-                              <p:cond delay="0"/>
-                            </p:stCondLst>
-                            <p:childTnLst>
-                              <p:par>
-                                <p:cTn id="5" presetID="17" presetClass="entr" presetSubtype="10" fill="hold" nodeType="clickEffect">
-                                  <p:stCondLst>
-                                    <p:cond delay="0"/>
-                                  </p:stCondLst>
-                                  <p:childTnLst>
-                                    <p:set>
-                                      <p:cBhvr>
-                                        <p:cTn id="6" dur="1" fill="hold">
-                                          <p:stCondLst>
-                                            <p:cond delay="0"/>
-                                          </p:stCondLst>
-                                        </p:cTn>
-                                        <p:tgtEl>
-                                          <p:spTgt spid="11"/>
-                                        </p:tgtEl>
-                                        <p:attrNameLst>
-                                          <p:attrName>style.visibility</p:attrName>
-                                        </p:attrNameLst>
-                                      </p:cBhvr>
-                                      <p:to>
-                                        <p:strVal val="visible"/>
-                                      </p:to>
-                                    </p:set>
-                                    <p:anim calcmode="lin" valueType="num">
-                                      <p:cBhvr>
-                                        <p:cTn id="7" dur="500" fill="hold"/>
-                                        <p:tgtEl>
-                                          <p:spTgt spid="11"/>
-                                        </p:tgtEl>
-                                        <p:attrNameLst>
-                                          <p:attrName>ppt_w</p:attrName>
-                                        </p:attrNameLst>
-                                      </p:cBhvr>
-                                      <p:tavLst>
-                                        <p:tav tm="0">
-                                          <p:val>
-                                            <p:fltVal val="0"/>
-                                          </p:val>
-                                        </p:tav>
-                                        <p:tav tm="100000">
-                                          <p:val>
-                                            <p:strVal val="#ppt_w"/>
-                                          </p:val>
-                                        </p:tav>
-                                      </p:tavLst>
-                                    </p:anim>
-                                    <p:anim calcmode="lin" valueType="num">
-                                      <p:cBhvr>
-                                        <p:cTn id="8" dur="500" fill="hold"/>
-                                        <p:tgtEl>
-                                          <p:spTgt spid="11"/>
-                                        </p:tgtEl>
-                                        <p:attrNameLst>
-                                          <p:attrName>ppt_h</p:attrName>
-                                        </p:attrNameLst>
-                                      </p:cBhvr>
-                                      <p:tavLst>
-                                        <p:tav tm="0">
-                                          <p:val>
-                                            <p:strVal val="#ppt_h"/>
-                                          </p:val>
-                                        </p:tav>
-                                        <p:tav tm="100000">
-                                          <p:val>
-                                            <p:strVal val="#ppt_h"/>
-                                          </p:val>
-                                        </p:tav>
-                                      </p:tavLst>
-                                    </p:anim>
-                                  </p:childTnLst>
-                                </p:cTn>
-                              </p:par>
-                            </p:childTnLst>
-                          </p:cTn>
-                        </p:par>
-                      </p:childTnLst>
-                    </p:cTn>
-                  </p:par>
-                </p:childTnLst>
-              </p:cTn>
-              <p:prevCondLst>
-                <p:cond evt="onPrev" delay="0">
-                  <p:tgtEl>
-                    <p:sldTgt/>
-                  </p:tgtEl>
-                </p:cond>
-              </p:prevCondLst>
-              <p:nextCondLst>
-                <p:cond evt="onNext" delay="0">
-                  <p:tgtEl>
-                    <p:sldTgt/>
-                  </p:tgtEl>
-                </p:cond>
-              </p:nextCondLst>
-            </p:seq>
-          </p:childTnLst>
-        </p:cTn>
-      </p:par>
-    </p:tnLst>
-  </p:timing>
 </p:sld>
 </file>
 
@@ -29778,7 +29426,7 @@
           <a:p>
             <a:pPr eaLnBrk="1" hangingPunct="1"/>
             <a:r>
-              <a:rPr lang="zh-CN" altLang="en-US" smtClean="0"/>
+              <a:rPr lang="zh-CN" altLang="en-US"/>
               <a:t>引言</a:t>
             </a:r>
           </a:p>
@@ -29808,20 +29456,20 @@
               <a:defRPr/>
             </a:pPr>
             <a:r>
-              <a:rPr kumimoji="1" lang="zh-CN" altLang="en-US" dirty="0" smtClean="0"/>
+              <a:rPr kumimoji="1" lang="zh-CN" altLang="en-US" dirty="0"/>
               <a:t>不够灵活的影院售票系统</a:t>
             </a:r>
-            <a:endParaRPr kumimoji="1" lang="en-US" altLang="zh-CN" dirty="0" smtClean="0"/>
+            <a:endParaRPr kumimoji="1" lang="en-US" altLang="zh-CN" dirty="0"/>
           </a:p>
           <a:p>
             <a:pPr lvl="1" eaLnBrk="1" hangingPunct="1">
               <a:defRPr/>
             </a:pPr>
             <a:r>
-              <a:rPr lang="zh-CN" altLang="en-US" dirty="0" smtClean="0"/>
+              <a:rPr lang="zh-CN" altLang="en-US" dirty="0"/>
               <a:t>实例说明</a:t>
             </a:r>
-            <a:endParaRPr lang="en-US" altLang="zh-CN" dirty="0" smtClean="0"/>
+            <a:endParaRPr lang="en-US" altLang="zh-CN" dirty="0"/>
           </a:p>
           <a:p>
             <a:pPr lvl="2" eaLnBrk="1" hangingPunct="1">
@@ -29830,11 +29478,11 @@
               <a:defRPr/>
             </a:pPr>
             <a:r>
-              <a:rPr lang="zh-CN" altLang="en-US" dirty="0" smtClean="0"/>
+              <a:rPr lang="zh-CN" altLang="en-US" dirty="0"/>
               <a:t>某软件公司为某电影院开发了一套影院售票系统，在该系统中需要</a:t>
             </a:r>
             <a:r>
-              <a:rPr lang="zh-CN" altLang="en-US" dirty="0" smtClean="0">
+              <a:rPr lang="zh-CN" altLang="en-US" dirty="0">
                 <a:solidFill>
                   <a:srgbClr val="FF3300"/>
                 </a:solidFill>
@@ -29842,7 +29490,7 @@
               <a:t>为不同类型的用户提供不同的电影票打折方式</a:t>
             </a:r>
             <a:r>
-              <a:rPr lang="zh-CN" altLang="en-US" dirty="0" smtClean="0"/>
+              <a:rPr lang="zh-CN" altLang="en-US" dirty="0"/>
               <a:t>，具体打折方案如下：</a:t>
             </a:r>
           </a:p>
@@ -29853,7 +29501,7 @@
               <a:defRPr/>
             </a:pPr>
             <a:r>
-              <a:rPr lang="en-US" altLang="zh-CN" dirty="0" smtClean="0">
+              <a:rPr lang="en-US" altLang="zh-CN" dirty="0">
                 <a:solidFill>
                   <a:srgbClr val="333333"/>
                 </a:solidFill>
@@ -29863,7 +29511,7 @@
               <a:t>(1) </a:t>
             </a:r>
             <a:r>
-              <a:rPr lang="zh-CN" altLang="en-US" dirty="0" smtClean="0">
+              <a:rPr lang="zh-CN" altLang="en-US" dirty="0">
                 <a:solidFill>
                   <a:srgbClr val="333333"/>
                 </a:solidFill>
@@ -29873,7 +29521,7 @@
               <a:t>学生凭学生证可享受票价</a:t>
             </a:r>
             <a:r>
-              <a:rPr lang="en-US" altLang="zh-CN" dirty="0" smtClean="0">
+              <a:rPr lang="en-US" altLang="zh-CN" dirty="0">
                 <a:solidFill>
                   <a:srgbClr val="333333"/>
                 </a:solidFill>
@@ -29883,7 +29531,7 @@
               <a:t>8</a:t>
             </a:r>
             <a:r>
-              <a:rPr lang="zh-CN" altLang="en-US" dirty="0" smtClean="0">
+              <a:rPr lang="zh-CN" altLang="en-US" dirty="0">
                 <a:solidFill>
                   <a:srgbClr val="333333"/>
                 </a:solidFill>
@@ -29900,7 +29548,7 @@
               <a:defRPr/>
             </a:pPr>
             <a:r>
-              <a:rPr lang="en-US" altLang="zh-CN" dirty="0" smtClean="0">
+              <a:rPr lang="en-US" altLang="zh-CN" dirty="0">
                 <a:solidFill>
                   <a:srgbClr val="333333"/>
                 </a:solidFill>
@@ -29910,7 +29558,7 @@
               <a:t>(2) </a:t>
             </a:r>
             <a:r>
-              <a:rPr lang="zh-CN" altLang="en-US" dirty="0" smtClean="0">
+              <a:rPr lang="zh-CN" altLang="en-US" dirty="0">
                 <a:solidFill>
                   <a:srgbClr val="333333"/>
                 </a:solidFill>
@@ -29920,7 +29568,7 @@
               <a:t>年龄在</a:t>
             </a:r>
             <a:r>
-              <a:rPr lang="en-US" altLang="zh-CN" dirty="0" smtClean="0">
+              <a:rPr lang="en-US" altLang="zh-CN" dirty="0">
                 <a:solidFill>
                   <a:srgbClr val="333333"/>
                 </a:solidFill>
@@ -29930,7 +29578,7 @@
               <a:t>10</a:t>
             </a:r>
             <a:r>
-              <a:rPr lang="zh-CN" altLang="en-US" dirty="0" smtClean="0">
+              <a:rPr lang="zh-CN" altLang="en-US" dirty="0">
                 <a:solidFill>
                   <a:srgbClr val="333333"/>
                 </a:solidFill>
@@ -29940,7 +29588,7 @@
               <a:t>周岁及以下的儿童可享受每张票减免</a:t>
             </a:r>
             <a:r>
-              <a:rPr lang="en-US" altLang="zh-CN" dirty="0" smtClean="0">
+              <a:rPr lang="en-US" altLang="zh-CN" dirty="0">
                 <a:solidFill>
                   <a:srgbClr val="333333"/>
                 </a:solidFill>
@@ -29950,7 +29598,7 @@
               <a:t>10</a:t>
             </a:r>
             <a:r>
-              <a:rPr lang="zh-CN" altLang="en-US" dirty="0" smtClean="0">
+              <a:rPr lang="zh-CN" altLang="en-US" dirty="0">
                 <a:solidFill>
                   <a:srgbClr val="333333"/>
                 </a:solidFill>
@@ -29960,7 +29608,7 @@
               <a:t>元的优惠（原始票价需大于等于</a:t>
             </a:r>
             <a:r>
-              <a:rPr lang="en-US" altLang="zh-CN" dirty="0" smtClean="0">
+              <a:rPr lang="en-US" altLang="zh-CN" dirty="0">
                 <a:solidFill>
                   <a:srgbClr val="333333"/>
                 </a:solidFill>
@@ -29970,7 +29618,7 @@
               <a:t>20</a:t>
             </a:r>
             <a:r>
-              <a:rPr lang="zh-CN" altLang="en-US" dirty="0" smtClean="0">
+              <a:rPr lang="zh-CN" altLang="en-US" dirty="0">
                 <a:solidFill>
                   <a:srgbClr val="333333"/>
                 </a:solidFill>
@@ -29987,7 +29635,7 @@
               <a:defRPr/>
             </a:pPr>
             <a:r>
-              <a:rPr lang="en-US" altLang="zh-CN" dirty="0" smtClean="0">
+              <a:rPr lang="en-US" altLang="zh-CN" dirty="0">
                 <a:solidFill>
                   <a:srgbClr val="333333"/>
                 </a:solidFill>
@@ -29997,7 +29645,7 @@
               <a:t>(3) </a:t>
             </a:r>
             <a:r>
-              <a:rPr lang="zh-CN" altLang="en-US" dirty="0" smtClean="0">
+              <a:rPr lang="zh-CN" altLang="en-US" dirty="0">
                 <a:solidFill>
                   <a:srgbClr val="333333"/>
                 </a:solidFill>
@@ -30007,7 +29655,7 @@
               <a:t>影院</a:t>
             </a:r>
             <a:r>
-              <a:rPr lang="en-US" altLang="zh-CN" dirty="0" smtClean="0">
+              <a:rPr lang="en-US" altLang="zh-CN" dirty="0">
                 <a:solidFill>
                   <a:srgbClr val="333333"/>
                 </a:solidFill>
@@ -30017,7 +29665,7 @@
               <a:t>VIP</a:t>
             </a:r>
             <a:r>
-              <a:rPr lang="zh-CN" altLang="en-US" dirty="0" smtClean="0">
+              <a:rPr lang="zh-CN" altLang="en-US" dirty="0">
                 <a:solidFill>
                   <a:srgbClr val="333333"/>
                 </a:solidFill>
@@ -30034,10 +29682,10 @@
               <a:defRPr/>
             </a:pPr>
             <a:r>
-              <a:rPr lang="zh-CN" altLang="en-US" dirty="0" smtClean="0"/>
+              <a:rPr lang="zh-CN" altLang="en-US" dirty="0"/>
               <a:t>该系统在将来可能还要根据需要引入新的打折方式。</a:t>
             </a:r>
-            <a:endParaRPr kumimoji="1" lang="zh-CN" altLang="en-US" dirty="0" smtClean="0"/>
+            <a:endParaRPr kumimoji="1" lang="zh-CN" altLang="en-US" dirty="0"/>
           </a:p>
         </p:txBody>
       </p:sp>
@@ -30051,13 +29699,6 @@
   <p:clrMapOvr>
     <a:masterClrMapping/>
   </p:clrMapOvr>
-  <p:timing>
-    <p:tnLst>
-      <p:par>
-        <p:cTn id="1" dur="indefinite" restart="never" nodeType="tmRoot"/>
-      </p:par>
-    </p:tnLst>
-  </p:timing>
 </p:sld>
 </file>
 
@@ -30100,7 +29741,7 @@
           <a:p>
             <a:pPr eaLnBrk="1" hangingPunct="1"/>
             <a:r>
-              <a:rPr lang="zh-CN" altLang="en-US" smtClean="0"/>
+              <a:rPr lang="zh-CN" altLang="en-US"/>
               <a:t>引言</a:t>
             </a:r>
           </a:p>
@@ -30128,17 +29769,17 @@
           <a:p>
             <a:pPr eaLnBrk="1" hangingPunct="1"/>
             <a:r>
-              <a:rPr kumimoji="1" lang="zh-CN" altLang="en-US" smtClean="0"/>
+              <a:rPr kumimoji="1" lang="zh-CN" altLang="en-US"/>
               <a:t>不够灵活的影院售票系统</a:t>
             </a:r>
           </a:p>
           <a:p>
             <a:pPr lvl="1" eaLnBrk="1" hangingPunct="1"/>
             <a:r>
-              <a:rPr lang="zh-CN" altLang="en-US" smtClean="0"/>
+              <a:rPr lang="zh-CN" altLang="en-US"/>
               <a:t>初始实现方案</a:t>
             </a:r>
-            <a:endParaRPr lang="en-US" altLang="zh-CN" smtClean="0"/>
+            <a:endParaRPr lang="en-US" altLang="zh-CN"/>
           </a:p>
         </p:txBody>
       </p:sp>
@@ -30159,7 +29800,13 @@
             <a:tbl>
               <a:tblPr/>
               <a:tblGrid>
-                <a:gridCol w="8686800"/>
+                <a:gridCol w="8686800">
+                  <a:extLst>
+                    <a:ext uri="{9D8B030D-6E8A-4147-A177-3AD203B41FA5}">
+                      <a16:colId xmlns:a16="http://schemas.microsoft.com/office/drawing/2014/main" val="20000"/>
+                    </a:ext>
+                  </a:extLst>
+                </a:gridCol>
               </a:tblGrid>
               <a:tr h="6308725">
                 <a:tc>
@@ -30184,7 +29831,7 @@
                         <a:tabLst/>
                       </a:pPr>
                       <a:r>
-                        <a:rPr kumimoji="0" lang="en-US" altLang="zh-CN" sz="1800" b="0" i="0" u="none" strike="noStrike" cap="none" normalizeH="0" baseline="0" dirty="0" smtClean="0">
+                        <a:rPr kumimoji="0" lang="en-US" altLang="zh-CN" sz="1800" b="0" i="0" u="none" strike="noStrike" cap="none" normalizeH="0" baseline="0" dirty="0">
                           <a:ln>
                             <a:noFill/>
                           </a:ln>
@@ -30199,7 +29846,7 @@
                         <a:t>public class </a:t>
                       </a:r>
                       <a:r>
-                        <a:rPr kumimoji="0" lang="en-US" altLang="zh-CN" sz="1800" b="0" i="0" u="none" strike="noStrike" cap="none" normalizeH="0" baseline="0" dirty="0" err="1" smtClean="0">
+                        <a:rPr kumimoji="0" lang="en-US" altLang="zh-CN" sz="1800" b="0" i="0" u="none" strike="noStrike" cap="none" normalizeH="0" baseline="0" dirty="0" err="1">
                           <a:ln>
                             <a:noFill/>
                           </a:ln>
@@ -30214,7 +29861,7 @@
                         <a:t>MovieTicket</a:t>
                       </a:r>
                       <a:r>
-                        <a:rPr kumimoji="0" lang="en-US" altLang="zh-CN" sz="1800" b="0" i="0" u="none" strike="noStrike" cap="none" normalizeH="0" baseline="0" dirty="0" smtClean="0">
+                        <a:rPr kumimoji="0" lang="en-US" altLang="zh-CN" sz="1800" b="0" i="0" u="none" strike="noStrike" cap="none" normalizeH="0" baseline="0" dirty="0">
                           <a:ln>
                             <a:noFill/>
                           </a:ln>
@@ -30228,7 +29875,7 @@
                         </a:rPr>
                         <a:t> {</a:t>
                       </a:r>
-                      <a:endParaRPr kumimoji="0" lang="zh-CN" altLang="zh-CN" sz="1800" b="0" i="0" u="none" strike="noStrike" cap="none" normalizeH="0" baseline="0" dirty="0" smtClean="0">
+                      <a:endParaRPr kumimoji="0" lang="zh-CN" altLang="zh-CN" sz="1800" b="0" i="0" u="none" strike="noStrike" cap="none" normalizeH="0" baseline="0" dirty="0">
                         <a:ln>
                           <a:noFill/>
                         </a:ln>
@@ -30259,7 +29906,7 @@
                         <a:tabLst/>
                       </a:pPr>
                       <a:r>
-                        <a:rPr kumimoji="0" lang="en-US" altLang="zh-CN" sz="1800" b="0" i="0" u="none" strike="noStrike" cap="none" normalizeH="0" baseline="0" dirty="0" smtClean="0">
+                        <a:rPr kumimoji="0" lang="en-US" altLang="zh-CN" sz="1800" b="0" i="0" u="none" strike="noStrike" cap="none" normalizeH="0" baseline="0" dirty="0">
                           <a:ln>
                             <a:noFill/>
                           </a:ln>
@@ -30292,7 +29939,7 @@
                         <a:tabLst/>
                       </a:pPr>
                       <a:r>
-                        <a:rPr kumimoji="0" lang="en-US" altLang="zh-CN" sz="1800" b="0" i="0" u="none" strike="noStrike" cap="none" normalizeH="0" baseline="0" dirty="0" smtClean="0">
+                        <a:rPr kumimoji="0" lang="en-US" altLang="zh-CN" sz="1800" b="0" i="0" u="none" strike="noStrike" cap="none" normalizeH="0" baseline="0" dirty="0">
                           <a:ln>
                             <a:noFill/>
                           </a:ln>
@@ -30306,7 +29953,7 @@
                         </a:rPr>
                         <a:t>	</a:t>
                       </a:r>
-                      <a:endParaRPr kumimoji="0" lang="zh-CN" altLang="zh-CN" sz="1800" b="0" i="0" u="none" strike="noStrike" cap="none" normalizeH="0" baseline="0" dirty="0" smtClean="0">
+                      <a:endParaRPr kumimoji="0" lang="zh-CN" altLang="zh-CN" sz="1800" b="0" i="0" u="none" strike="noStrike" cap="none" normalizeH="0" baseline="0" dirty="0">
                         <a:ln>
                           <a:noFill/>
                         </a:ln>
@@ -30337,7 +29984,7 @@
                         <a:tabLst/>
                       </a:pPr>
                       <a:r>
-                        <a:rPr kumimoji="0" lang="en-US" altLang="zh-CN" sz="1800" b="1" i="0" u="none" strike="noStrike" cap="none" normalizeH="0" baseline="0" dirty="0" smtClean="0">
+                        <a:rPr kumimoji="0" lang="en-US" altLang="zh-CN" sz="1800" b="1" i="0" u="none" strike="noStrike" cap="none" normalizeH="0" baseline="0" dirty="0">
                           <a:ln>
                             <a:noFill/>
                           </a:ln>
@@ -30351,7 +29998,7 @@
                         </a:rPr>
                         <a:t>    //compute the price</a:t>
                       </a:r>
-                      <a:endParaRPr kumimoji="0" lang="zh-CN" altLang="zh-CN" sz="1800" b="0" i="0" u="none" strike="noStrike" cap="none" normalizeH="0" baseline="0" dirty="0" smtClean="0">
+                      <a:endParaRPr kumimoji="0" lang="zh-CN" altLang="zh-CN" sz="1800" b="0" i="0" u="none" strike="noStrike" cap="none" normalizeH="0" baseline="0" dirty="0">
                         <a:ln>
                           <a:noFill/>
                         </a:ln>
@@ -30382,7 +30029,7 @@
                         <a:tabLst/>
                       </a:pPr>
                       <a:r>
-                        <a:rPr kumimoji="0" lang="en-US" altLang="zh-CN" sz="1800" b="1" i="0" u="none" strike="noStrike" cap="none" normalizeH="0" baseline="0" dirty="0" smtClean="0">
+                        <a:rPr kumimoji="0" lang="en-US" altLang="zh-CN" sz="1800" b="1" i="0" u="none" strike="noStrike" cap="none" normalizeH="0" baseline="0" dirty="0">
                           <a:ln>
                             <a:noFill/>
                           </a:ln>
@@ -30396,7 +30043,7 @@
                         </a:rPr>
                         <a:t>    public double calculate(String type) {</a:t>
                       </a:r>
-                      <a:endParaRPr kumimoji="0" lang="zh-CN" altLang="zh-CN" sz="1800" b="0" i="0" u="none" strike="noStrike" cap="none" normalizeH="0" baseline="0" dirty="0" smtClean="0">
+                      <a:endParaRPr kumimoji="0" lang="zh-CN" altLang="zh-CN" sz="1800" b="0" i="0" u="none" strike="noStrike" cap="none" normalizeH="0" baseline="0" dirty="0">
                         <a:ln>
                           <a:noFill/>
                         </a:ln>
@@ -30427,7 +30074,7 @@
                         <a:tabLst/>
                       </a:pPr>
                       <a:r>
-                        <a:rPr kumimoji="0" lang="en-US" altLang="zh-CN" sz="1800" b="1" i="0" u="none" strike="noStrike" cap="none" normalizeH="0" baseline="0" dirty="0" smtClean="0">
+                        <a:rPr kumimoji="0" lang="en-US" altLang="zh-CN" sz="1800" b="1" i="0" u="none" strike="noStrike" cap="none" normalizeH="0" baseline="0" dirty="0">
                           <a:ln>
                             <a:noFill/>
                           </a:ln>
@@ -30441,7 +30088,7 @@
                         </a:rPr>
                         <a:t>        //student ticket</a:t>
                       </a:r>
-                      <a:endParaRPr kumimoji="0" lang="zh-CN" altLang="zh-CN" sz="1800" b="0" i="0" u="none" strike="noStrike" cap="none" normalizeH="0" baseline="0" dirty="0" smtClean="0">
+                      <a:endParaRPr kumimoji="0" lang="zh-CN" altLang="zh-CN" sz="1800" b="0" i="0" u="none" strike="noStrike" cap="none" normalizeH="0" baseline="0" dirty="0">
                         <a:ln>
                           <a:noFill/>
                         </a:ln>
@@ -30472,7 +30119,7 @@
                         <a:tabLst/>
                       </a:pPr>
                       <a:r>
-                        <a:rPr kumimoji="0" lang="en-US" altLang="zh-CN" sz="1800" b="1" i="0" u="none" strike="noStrike" cap="none" normalizeH="0" baseline="0" dirty="0" smtClean="0">
+                        <a:rPr kumimoji="0" lang="en-US" altLang="zh-CN" sz="1800" b="1" i="0" u="none" strike="noStrike" cap="none" normalizeH="0" baseline="0" dirty="0">
                           <a:ln>
                             <a:noFill/>
                           </a:ln>
@@ -30487,7 +30134,7 @@
                         <a:t>        if(</a:t>
                       </a:r>
                       <a:r>
-                        <a:rPr kumimoji="0" lang="en-US" altLang="zh-CN" sz="1800" b="1" i="0" u="none" strike="noStrike" cap="none" normalizeH="0" baseline="0" dirty="0" err="1" smtClean="0">
+                        <a:rPr kumimoji="0" lang="en-US" altLang="zh-CN" sz="1800" b="1" i="0" u="none" strike="noStrike" cap="none" normalizeH="0" baseline="0" dirty="0" err="1">
                           <a:ln>
                             <a:noFill/>
                           </a:ln>
@@ -30502,7 +30149,7 @@
                         <a:t>type.equalsIgnoreCase</a:t>
                       </a:r>
                       <a:r>
-                        <a:rPr kumimoji="0" lang="en-US" altLang="zh-CN" sz="1800" b="1" i="0" u="none" strike="noStrike" cap="none" normalizeH="0" baseline="0" dirty="0" smtClean="0">
+                        <a:rPr kumimoji="0" lang="en-US" altLang="zh-CN" sz="1800" b="1" i="0" u="none" strike="noStrike" cap="none" normalizeH="0" baseline="0" dirty="0">
                           <a:ln>
                             <a:noFill/>
                           </a:ln>
@@ -30516,7 +30163,7 @@
                         </a:rPr>
                         <a:t>("student")) {</a:t>
                       </a:r>
-                      <a:endParaRPr kumimoji="0" lang="zh-CN" altLang="zh-CN" sz="1800" b="0" i="0" u="none" strike="noStrike" cap="none" normalizeH="0" baseline="0" dirty="0" smtClean="0">
+                      <a:endParaRPr kumimoji="0" lang="zh-CN" altLang="zh-CN" sz="1800" b="0" i="0" u="none" strike="noStrike" cap="none" normalizeH="0" baseline="0" dirty="0">
                         <a:ln>
                           <a:noFill/>
                         </a:ln>
@@ -30547,7 +30194,7 @@
                         <a:tabLst/>
                       </a:pPr>
                       <a:r>
-                        <a:rPr kumimoji="0" lang="en-US" altLang="zh-CN" sz="1800" b="1" i="0" u="none" strike="noStrike" cap="none" normalizeH="0" baseline="0" dirty="0" smtClean="0">
+                        <a:rPr kumimoji="0" lang="en-US" altLang="zh-CN" sz="1800" b="1" i="0" u="none" strike="noStrike" cap="none" normalizeH="0" baseline="0" dirty="0">
                           <a:ln>
                             <a:noFill/>
                           </a:ln>
@@ -30562,7 +30209,7 @@
                         <a:t>            return </a:t>
                       </a:r>
                       <a:r>
-                        <a:rPr kumimoji="0" lang="en-US" altLang="zh-CN" sz="1800" b="1" i="0" u="none" strike="noStrike" cap="none" normalizeH="0" baseline="0" dirty="0" err="1" smtClean="0">
+                        <a:rPr kumimoji="0" lang="en-US" altLang="zh-CN" sz="1800" b="1" i="0" u="none" strike="noStrike" cap="none" normalizeH="0" baseline="0" dirty="0" err="1">
                           <a:ln>
                             <a:noFill/>
                           </a:ln>
@@ -30577,7 +30224,7 @@
                         <a:t>this.price</a:t>
                       </a:r>
                       <a:r>
-                        <a:rPr kumimoji="0" lang="en-US" altLang="zh-CN" sz="1800" b="1" i="0" u="none" strike="noStrike" cap="none" normalizeH="0" baseline="0" dirty="0" smtClean="0">
+                        <a:rPr kumimoji="0" lang="en-US" altLang="zh-CN" sz="1800" b="1" i="0" u="none" strike="noStrike" cap="none" normalizeH="0" baseline="0" dirty="0">
                           <a:ln>
                             <a:noFill/>
                           </a:ln>
@@ -30591,7 +30238,7 @@
                         </a:rPr>
                         <a:t> * 0.8;</a:t>
                       </a:r>
-                      <a:endParaRPr kumimoji="0" lang="zh-CN" altLang="zh-CN" sz="1800" b="0" i="0" u="none" strike="noStrike" cap="none" normalizeH="0" baseline="0" dirty="0" smtClean="0">
+                      <a:endParaRPr kumimoji="0" lang="zh-CN" altLang="zh-CN" sz="1800" b="0" i="0" u="none" strike="noStrike" cap="none" normalizeH="0" baseline="0" dirty="0">
                         <a:ln>
                           <a:noFill/>
                         </a:ln>
@@ -30622,7 +30269,7 @@
                         <a:tabLst/>
                       </a:pPr>
                       <a:r>
-                        <a:rPr kumimoji="0" lang="en-US" altLang="zh-CN" sz="1800" b="1" i="0" u="none" strike="noStrike" cap="none" normalizeH="0" baseline="0" dirty="0" smtClean="0">
+                        <a:rPr kumimoji="0" lang="en-US" altLang="zh-CN" sz="1800" b="1" i="0" u="none" strike="noStrike" cap="none" normalizeH="0" baseline="0" dirty="0">
                           <a:ln>
                             <a:noFill/>
                           </a:ln>
@@ -30636,7 +30283,7 @@
                         </a:rPr>
                         <a:t>        }</a:t>
                       </a:r>
-                      <a:endParaRPr kumimoji="0" lang="zh-CN" altLang="zh-CN" sz="1800" b="0" i="0" u="none" strike="noStrike" cap="none" normalizeH="0" baseline="0" dirty="0" smtClean="0">
+                      <a:endParaRPr kumimoji="0" lang="zh-CN" altLang="zh-CN" sz="1800" b="0" i="0" u="none" strike="noStrike" cap="none" normalizeH="0" baseline="0" dirty="0">
                         <a:ln>
                           <a:noFill/>
                         </a:ln>
@@ -30667,7 +30314,7 @@
                         <a:tabLst/>
                       </a:pPr>
                       <a:r>
-                        <a:rPr kumimoji="0" lang="en-US" altLang="zh-CN" sz="1800" b="1" i="0" u="none" strike="noStrike" cap="none" normalizeH="0" baseline="0" dirty="0" smtClean="0">
+                        <a:rPr kumimoji="0" lang="en-US" altLang="zh-CN" sz="1800" b="1" i="0" u="none" strike="noStrike" cap="none" normalizeH="0" baseline="0" dirty="0">
                           <a:ln>
                             <a:noFill/>
                           </a:ln>
@@ -30681,7 +30328,7 @@
                         </a:rPr>
                         <a:t>        //children ticket</a:t>
                       </a:r>
-                      <a:endParaRPr kumimoji="0" lang="zh-CN" altLang="zh-CN" sz="1800" b="0" i="0" u="none" strike="noStrike" cap="none" normalizeH="0" baseline="0" dirty="0" smtClean="0">
+                      <a:endParaRPr kumimoji="0" lang="zh-CN" altLang="zh-CN" sz="1800" b="0" i="0" u="none" strike="noStrike" cap="none" normalizeH="0" baseline="0" dirty="0">
                         <a:ln>
                           <a:noFill/>
                         </a:ln>
@@ -30712,7 +30359,7 @@
                         <a:tabLst/>
                       </a:pPr>
                       <a:r>
-                        <a:rPr kumimoji="0" lang="en-US" altLang="zh-CN" sz="1800" b="1" i="0" u="none" strike="noStrike" cap="none" normalizeH="0" baseline="0" dirty="0" smtClean="0">
+                        <a:rPr kumimoji="0" lang="en-US" altLang="zh-CN" sz="1800" b="1" i="0" u="none" strike="noStrike" cap="none" normalizeH="0" baseline="0" dirty="0">
                           <a:ln>
                             <a:noFill/>
                           </a:ln>
@@ -30727,7 +30374,7 @@
                         <a:t>        else if(</a:t>
                       </a:r>
                       <a:r>
-                        <a:rPr kumimoji="0" lang="en-US" altLang="zh-CN" sz="1800" b="1" i="0" u="none" strike="noStrike" cap="none" normalizeH="0" baseline="0" dirty="0" err="1" smtClean="0">
+                        <a:rPr kumimoji="0" lang="en-US" altLang="zh-CN" sz="1800" b="1" i="0" u="none" strike="noStrike" cap="none" normalizeH="0" baseline="0" dirty="0" err="1">
                           <a:ln>
                             <a:noFill/>
                           </a:ln>
@@ -30742,7 +30389,7 @@
                         <a:t>type.equalsIgnoreCase</a:t>
                       </a:r>
                       <a:r>
-                        <a:rPr kumimoji="0" lang="en-US" altLang="zh-CN" sz="1800" b="1" i="0" u="none" strike="noStrike" cap="none" normalizeH="0" baseline="0" dirty="0" smtClean="0">
+                        <a:rPr kumimoji="0" lang="en-US" altLang="zh-CN" sz="1800" b="1" i="0" u="none" strike="noStrike" cap="none" normalizeH="0" baseline="0" dirty="0">
                           <a:ln>
                             <a:noFill/>
                           </a:ln>
@@ -30757,7 +30404,7 @@
                         <a:t>("children") &amp;&amp; </a:t>
                       </a:r>
                       <a:r>
-                        <a:rPr kumimoji="0" lang="en-US" altLang="zh-CN" sz="1800" b="1" i="0" u="none" strike="noStrike" cap="none" normalizeH="0" baseline="0" dirty="0" err="1" smtClean="0">
+                        <a:rPr kumimoji="0" lang="en-US" altLang="zh-CN" sz="1800" b="1" i="0" u="none" strike="noStrike" cap="none" normalizeH="0" baseline="0" dirty="0" err="1">
                           <a:ln>
                             <a:noFill/>
                           </a:ln>
@@ -30772,7 +30419,7 @@
                         <a:t>this.price</a:t>
                       </a:r>
                       <a:r>
-                        <a:rPr kumimoji="0" lang="en-US" altLang="zh-CN" sz="1800" b="1" i="0" u="none" strike="noStrike" cap="none" normalizeH="0" baseline="0" dirty="0" smtClean="0">
+                        <a:rPr kumimoji="0" lang="en-US" altLang="zh-CN" sz="1800" b="1" i="0" u="none" strike="noStrike" cap="none" normalizeH="0" baseline="0" dirty="0">
                           <a:ln>
                             <a:noFill/>
                           </a:ln>
@@ -30786,7 +30433,7 @@
                         </a:rPr>
                         <a:t> &gt;= 20 ) {</a:t>
                       </a:r>
-                      <a:endParaRPr kumimoji="0" lang="zh-CN" altLang="zh-CN" sz="1800" b="0" i="0" u="none" strike="noStrike" cap="none" normalizeH="0" baseline="0" dirty="0" smtClean="0">
+                      <a:endParaRPr kumimoji="0" lang="zh-CN" altLang="zh-CN" sz="1800" b="0" i="0" u="none" strike="noStrike" cap="none" normalizeH="0" baseline="0" dirty="0">
                         <a:ln>
                           <a:noFill/>
                         </a:ln>
@@ -30817,7 +30464,7 @@
                         <a:tabLst/>
                       </a:pPr>
                       <a:r>
-                        <a:rPr kumimoji="0" lang="en-US" altLang="zh-CN" sz="1800" b="1" i="0" u="none" strike="noStrike" cap="none" normalizeH="0" baseline="0" dirty="0" smtClean="0">
+                        <a:rPr kumimoji="0" lang="en-US" altLang="zh-CN" sz="1800" b="1" i="0" u="none" strike="noStrike" cap="none" normalizeH="0" baseline="0" dirty="0">
                           <a:ln>
                             <a:noFill/>
                           </a:ln>
@@ -30832,7 +30479,7 @@
                         <a:t>            return </a:t>
                       </a:r>
                       <a:r>
-                        <a:rPr kumimoji="0" lang="en-US" altLang="zh-CN" sz="1800" b="1" i="0" u="none" strike="noStrike" cap="none" normalizeH="0" baseline="0" dirty="0" err="1" smtClean="0">
+                        <a:rPr kumimoji="0" lang="en-US" altLang="zh-CN" sz="1800" b="1" i="0" u="none" strike="noStrike" cap="none" normalizeH="0" baseline="0" dirty="0" err="1">
                           <a:ln>
                             <a:noFill/>
                           </a:ln>
@@ -30847,7 +30494,7 @@
                         <a:t>this.price</a:t>
                       </a:r>
                       <a:r>
-                        <a:rPr kumimoji="0" lang="en-US" altLang="zh-CN" sz="1800" b="1" i="0" u="none" strike="noStrike" cap="none" normalizeH="0" baseline="0" dirty="0" smtClean="0">
+                        <a:rPr kumimoji="0" lang="en-US" altLang="zh-CN" sz="1800" b="1" i="0" u="none" strike="noStrike" cap="none" normalizeH="0" baseline="0" dirty="0">
                           <a:ln>
                             <a:noFill/>
                           </a:ln>
@@ -30861,7 +30508,7 @@
                         </a:rPr>
                         <a:t> - 10;</a:t>
                       </a:r>
-                      <a:endParaRPr kumimoji="0" lang="zh-CN" altLang="zh-CN" sz="1800" b="0" i="0" u="none" strike="noStrike" cap="none" normalizeH="0" baseline="0" dirty="0" smtClean="0">
+                      <a:endParaRPr kumimoji="0" lang="zh-CN" altLang="zh-CN" sz="1800" b="0" i="0" u="none" strike="noStrike" cap="none" normalizeH="0" baseline="0" dirty="0">
                         <a:ln>
                           <a:noFill/>
                         </a:ln>
@@ -30892,7 +30539,7 @@
                         <a:tabLst/>
                       </a:pPr>
                       <a:r>
-                        <a:rPr kumimoji="0" lang="en-US" altLang="zh-CN" sz="1800" b="1" i="0" u="none" strike="noStrike" cap="none" normalizeH="0" baseline="0" dirty="0" smtClean="0">
+                        <a:rPr kumimoji="0" lang="en-US" altLang="zh-CN" sz="1800" b="1" i="0" u="none" strike="noStrike" cap="none" normalizeH="0" baseline="0" dirty="0">
                           <a:ln>
                             <a:noFill/>
                           </a:ln>
@@ -30906,7 +30553,7 @@
                         </a:rPr>
                         <a:t>        }</a:t>
                       </a:r>
-                      <a:endParaRPr kumimoji="0" lang="zh-CN" altLang="zh-CN" sz="1800" b="0" i="0" u="none" strike="noStrike" cap="none" normalizeH="0" baseline="0" dirty="0" smtClean="0">
+                      <a:endParaRPr kumimoji="0" lang="zh-CN" altLang="zh-CN" sz="1800" b="0" i="0" u="none" strike="noStrike" cap="none" normalizeH="0" baseline="0" dirty="0">
                         <a:ln>
                           <a:noFill/>
                         </a:ln>
@@ -30937,7 +30584,7 @@
                         <a:tabLst/>
                       </a:pPr>
                       <a:r>
-                        <a:rPr kumimoji="0" lang="en-US" altLang="zh-CN" sz="1800" b="1" i="0" u="none" strike="noStrike" cap="none" normalizeH="0" baseline="0" dirty="0" smtClean="0">
+                        <a:rPr kumimoji="0" lang="en-US" altLang="zh-CN" sz="1800" b="1" i="0" u="none" strike="noStrike" cap="none" normalizeH="0" baseline="0" dirty="0">
                           <a:ln>
                             <a:noFill/>
                           </a:ln>
@@ -30951,7 +30598,7 @@
                         </a:rPr>
                         <a:t>         //VIP ticket</a:t>
                       </a:r>
-                      <a:endParaRPr kumimoji="0" lang="en-US" altLang="zh-CN" sz="1800" b="0" i="0" u="none" strike="noStrike" cap="none" normalizeH="0" baseline="0" dirty="0" smtClean="0">
+                      <a:endParaRPr kumimoji="0" lang="en-US" altLang="zh-CN" sz="1800" b="0" i="0" u="none" strike="noStrike" cap="none" normalizeH="0" baseline="0" dirty="0">
                         <a:ln>
                           <a:noFill/>
                         </a:ln>
@@ -30982,7 +30629,7 @@
                         <a:tabLst/>
                       </a:pPr>
                       <a:r>
-                        <a:rPr kumimoji="0" lang="en-US" altLang="zh-CN" sz="1800" b="1" i="0" u="none" strike="noStrike" cap="none" normalizeH="0" baseline="0" dirty="0" smtClean="0">
+                        <a:rPr kumimoji="0" lang="en-US" altLang="zh-CN" sz="1800" b="1" i="0" u="none" strike="noStrike" cap="none" normalizeH="0" baseline="0" dirty="0">
                           <a:ln>
                             <a:noFill/>
                           </a:ln>
@@ -30997,7 +30644,7 @@
                         <a:t>        else if(</a:t>
                       </a:r>
                       <a:r>
-                        <a:rPr kumimoji="0" lang="en-US" altLang="zh-CN" sz="1800" b="1" i="0" u="none" strike="noStrike" cap="none" normalizeH="0" baseline="0" dirty="0" err="1" smtClean="0">
+                        <a:rPr kumimoji="0" lang="en-US" altLang="zh-CN" sz="1800" b="1" i="0" u="none" strike="noStrike" cap="none" normalizeH="0" baseline="0" dirty="0" err="1">
                           <a:ln>
                             <a:noFill/>
                           </a:ln>
@@ -31012,7 +30659,7 @@
                         <a:t>type.equalsIgnoreCase</a:t>
                       </a:r>
                       <a:r>
-                        <a:rPr kumimoji="0" lang="en-US" altLang="zh-CN" sz="1800" b="1" i="0" u="none" strike="noStrike" cap="none" normalizeH="0" baseline="0" dirty="0" smtClean="0">
+                        <a:rPr kumimoji="0" lang="en-US" altLang="zh-CN" sz="1800" b="1" i="0" u="none" strike="noStrike" cap="none" normalizeH="0" baseline="0" dirty="0">
                           <a:ln>
                             <a:noFill/>
                           </a:ln>
@@ -31027,7 +30674,7 @@
                         <a:t>("</a:t>
                       </a:r>
                       <a:r>
-                        <a:rPr kumimoji="0" lang="en-US" altLang="zh-CN" sz="1800" b="1" i="0" u="none" strike="noStrike" cap="none" normalizeH="0" baseline="0" dirty="0" err="1" smtClean="0">
+                        <a:rPr kumimoji="0" lang="en-US" altLang="zh-CN" sz="1800" b="1" i="0" u="none" strike="noStrike" cap="none" normalizeH="0" baseline="0" dirty="0" err="1">
                           <a:ln>
                             <a:noFill/>
                           </a:ln>
@@ -31042,7 +30689,7 @@
                         <a:t>vip</a:t>
                       </a:r>
                       <a:r>
-                        <a:rPr kumimoji="0" lang="en-US" altLang="zh-CN" sz="1800" b="1" i="0" u="none" strike="noStrike" cap="none" normalizeH="0" baseline="0" dirty="0" smtClean="0">
+                        <a:rPr kumimoji="0" lang="en-US" altLang="zh-CN" sz="1800" b="1" i="0" u="none" strike="noStrike" cap="none" normalizeH="0" baseline="0" dirty="0">
                           <a:ln>
                             <a:noFill/>
                           </a:ln>
@@ -31075,7 +30722,7 @@
                         <a:tabLst/>
                       </a:pPr>
                       <a:r>
-                        <a:rPr kumimoji="0" lang="en-US" altLang="zh-CN" sz="1800" b="1" i="0" u="none" strike="noStrike" cap="none" normalizeH="0" baseline="0" dirty="0" smtClean="0">
+                        <a:rPr kumimoji="0" lang="en-US" altLang="zh-CN" sz="1800" b="1" i="0" u="none" strike="noStrike" cap="none" normalizeH="0" baseline="0" dirty="0">
                           <a:ln>
                             <a:noFill/>
                           </a:ln>
@@ -31108,7 +30755,7 @@
                         <a:tabLst/>
                       </a:pPr>
                       <a:r>
-                        <a:rPr kumimoji="0" lang="en-US" altLang="zh-CN" sz="1800" b="1" i="0" u="none" strike="noStrike" cap="none" normalizeH="0" baseline="0" dirty="0" smtClean="0">
+                        <a:rPr kumimoji="0" lang="en-US" altLang="zh-CN" sz="1800" b="1" i="0" u="none" strike="noStrike" cap="none" normalizeH="0" baseline="0" dirty="0">
                           <a:ln>
                             <a:noFill/>
                           </a:ln>
@@ -31123,7 +30770,7 @@
                         <a:t>            return </a:t>
                       </a:r>
                       <a:r>
-                        <a:rPr kumimoji="0" lang="en-US" altLang="zh-CN" sz="1800" b="1" i="0" u="none" strike="noStrike" cap="none" normalizeH="0" baseline="0" dirty="0" err="1" smtClean="0">
+                        <a:rPr kumimoji="0" lang="en-US" altLang="zh-CN" sz="1800" b="1" i="0" u="none" strike="noStrike" cap="none" normalizeH="0" baseline="0" dirty="0" err="1">
                           <a:ln>
                             <a:noFill/>
                           </a:ln>
@@ -31138,7 +30785,7 @@
                         <a:t>this.price</a:t>
                       </a:r>
                       <a:r>
-                        <a:rPr kumimoji="0" lang="en-US" altLang="zh-CN" sz="1800" b="1" i="0" u="none" strike="noStrike" cap="none" normalizeH="0" baseline="0" dirty="0" smtClean="0">
+                        <a:rPr kumimoji="0" lang="en-US" altLang="zh-CN" sz="1800" b="1" i="0" u="none" strike="noStrike" cap="none" normalizeH="0" baseline="0" dirty="0">
                           <a:ln>
                             <a:noFill/>
                           </a:ln>
@@ -31152,7 +30799,7 @@
                         </a:rPr>
                         <a:t> * 0.5;</a:t>
                       </a:r>
-                      <a:endParaRPr kumimoji="0" lang="zh-CN" altLang="zh-CN" sz="1800" b="1" i="0" u="none" strike="noStrike" cap="none" normalizeH="0" baseline="0" dirty="0" smtClean="0">
+                      <a:endParaRPr kumimoji="0" lang="zh-CN" altLang="zh-CN" sz="1800" b="1" i="0" u="none" strike="noStrike" cap="none" normalizeH="0" baseline="0" dirty="0">
                         <a:ln>
                           <a:noFill/>
                         </a:ln>
@@ -31183,7 +30830,7 @@
                         <a:tabLst/>
                       </a:pPr>
                       <a:r>
-                        <a:rPr kumimoji="0" lang="en-US" altLang="zh-CN" sz="1800" b="1" i="0" u="none" strike="noStrike" cap="none" normalizeH="0" baseline="0" dirty="0" smtClean="0">
+                        <a:rPr kumimoji="0" lang="en-US" altLang="zh-CN" sz="1800" b="1" i="0" u="none" strike="noStrike" cap="none" normalizeH="0" baseline="0" dirty="0">
                           <a:ln>
                             <a:noFill/>
                           </a:ln>
@@ -31197,7 +30844,7 @@
                         </a:rPr>
                         <a:t>         }</a:t>
                       </a:r>
-                      <a:endParaRPr kumimoji="0" lang="zh-CN" altLang="zh-CN" sz="1800" b="1" i="0" u="none" strike="noStrike" cap="none" normalizeH="0" baseline="0" dirty="0" smtClean="0">
+                      <a:endParaRPr kumimoji="0" lang="zh-CN" altLang="zh-CN" sz="1800" b="1" i="0" u="none" strike="noStrike" cap="none" normalizeH="0" baseline="0" dirty="0">
                         <a:ln>
                           <a:noFill/>
                         </a:ln>
@@ -31228,7 +30875,7 @@
                         <a:tabLst/>
                       </a:pPr>
                       <a:r>
-                        <a:rPr kumimoji="0" lang="en-US" altLang="zh-CN" sz="1800" b="1" i="0" u="none" strike="noStrike" cap="none" normalizeH="0" baseline="0" dirty="0" smtClean="0">
+                        <a:rPr kumimoji="0" lang="en-US" altLang="zh-CN" sz="1800" b="1" i="0" u="none" strike="noStrike" cap="none" normalizeH="0" baseline="0" dirty="0">
                           <a:ln>
                             <a:noFill/>
                           </a:ln>
@@ -31242,7 +30889,7 @@
                         </a:rPr>
                         <a:t>        else {</a:t>
                       </a:r>
-                      <a:endParaRPr kumimoji="0" lang="zh-CN" altLang="zh-CN" sz="1800" b="1" i="0" u="none" strike="noStrike" cap="none" normalizeH="0" baseline="0" dirty="0" smtClean="0">
+                      <a:endParaRPr kumimoji="0" lang="zh-CN" altLang="zh-CN" sz="1800" b="1" i="0" u="none" strike="noStrike" cap="none" normalizeH="0" baseline="0" dirty="0">
                         <a:ln>
                           <a:noFill/>
                         </a:ln>
@@ -31273,7 +30920,7 @@
                         <a:tabLst/>
                       </a:pPr>
                       <a:r>
-                        <a:rPr kumimoji="0" lang="en-US" altLang="zh-CN" sz="1800" b="1" i="0" u="none" strike="noStrike" cap="none" normalizeH="0" baseline="0" dirty="0" smtClean="0">
+                        <a:rPr kumimoji="0" lang="en-US" altLang="zh-CN" sz="1800" b="1" i="0" u="none" strike="noStrike" cap="none" normalizeH="0" baseline="0" dirty="0">
                           <a:ln>
                             <a:noFill/>
                           </a:ln>
@@ -31288,7 +30935,7 @@
                         <a:t>            return </a:t>
                       </a:r>
                       <a:r>
-                        <a:rPr kumimoji="0" lang="en-US" altLang="zh-CN" sz="1800" b="1" i="0" u="none" strike="noStrike" cap="none" normalizeH="0" baseline="0" dirty="0" err="1" smtClean="0">
+                        <a:rPr kumimoji="0" lang="en-US" altLang="zh-CN" sz="1800" b="1" i="0" u="none" strike="noStrike" cap="none" normalizeH="0" baseline="0" dirty="0" err="1">
                           <a:ln>
                             <a:noFill/>
                           </a:ln>
@@ -31303,7 +30950,7 @@
                         <a:t>this.price</a:t>
                       </a:r>
                       <a:r>
-                        <a:rPr kumimoji="0" lang="en-US" altLang="zh-CN" sz="1800" b="1" i="0" u="none" strike="noStrike" cap="none" normalizeH="0" baseline="0" dirty="0" smtClean="0">
+                        <a:rPr kumimoji="0" lang="en-US" altLang="zh-CN" sz="1800" b="1" i="0" u="none" strike="noStrike" cap="none" normalizeH="0" baseline="0" dirty="0">
                           <a:ln>
                             <a:noFill/>
                           </a:ln>
@@ -31317,7 +30964,7 @@
                         </a:rPr>
                         <a:t>; </a:t>
                       </a:r>
-                      <a:endParaRPr kumimoji="0" lang="zh-CN" altLang="zh-CN" sz="1800" b="0" i="0" u="none" strike="noStrike" cap="none" normalizeH="0" baseline="0" dirty="0" smtClean="0">
+                      <a:endParaRPr kumimoji="0" lang="zh-CN" altLang="zh-CN" sz="1800" b="0" i="0" u="none" strike="noStrike" cap="none" normalizeH="0" baseline="0" dirty="0">
                         <a:ln>
                           <a:noFill/>
                         </a:ln>
@@ -31348,7 +30995,7 @@
                         <a:tabLst/>
                       </a:pPr>
                       <a:r>
-                        <a:rPr kumimoji="0" lang="en-US" altLang="zh-CN" sz="1800" b="1" i="0" u="none" strike="noStrike" cap="none" normalizeH="0" baseline="0" dirty="0" smtClean="0">
+                        <a:rPr kumimoji="0" lang="en-US" altLang="zh-CN" sz="1800" b="1" i="0" u="none" strike="noStrike" cap="none" normalizeH="0" baseline="0" dirty="0">
                           <a:ln>
                             <a:noFill/>
                           </a:ln>
@@ -31362,7 +31009,7 @@
                         </a:rPr>
                         <a:t>        }</a:t>
                       </a:r>
-                      <a:endParaRPr kumimoji="0" lang="zh-CN" altLang="zh-CN" sz="1800" b="0" i="0" u="none" strike="noStrike" cap="none" normalizeH="0" baseline="0" dirty="0" smtClean="0">
+                      <a:endParaRPr kumimoji="0" lang="zh-CN" altLang="zh-CN" sz="1800" b="0" i="0" u="none" strike="noStrike" cap="none" normalizeH="0" baseline="0" dirty="0">
                         <a:ln>
                           <a:noFill/>
                         </a:ln>
@@ -31393,7 +31040,7 @@
                         <a:tabLst/>
                       </a:pPr>
                       <a:r>
-                        <a:rPr kumimoji="0" lang="en-US" altLang="zh-CN" sz="1800" b="1" i="0" u="none" strike="noStrike" cap="none" normalizeH="0" baseline="0" dirty="0" smtClean="0">
+                        <a:rPr kumimoji="0" lang="en-US" altLang="zh-CN" sz="1800" b="1" i="0" u="none" strike="noStrike" cap="none" normalizeH="0" baseline="0" dirty="0">
                           <a:ln>
                             <a:noFill/>
                           </a:ln>
@@ -31407,7 +31054,7 @@
                         </a:rPr>
                         <a:t>    }</a:t>
                       </a:r>
-                      <a:endParaRPr kumimoji="0" lang="zh-CN" altLang="zh-CN" sz="1800" b="0" i="0" u="none" strike="noStrike" cap="none" normalizeH="0" baseline="0" dirty="0" smtClean="0">
+                      <a:endParaRPr kumimoji="0" lang="zh-CN" altLang="zh-CN" sz="1800" b="0" i="0" u="none" strike="noStrike" cap="none" normalizeH="0" baseline="0" dirty="0">
                         <a:ln>
                           <a:noFill/>
                         </a:ln>
@@ -31438,7 +31085,7 @@
                         <a:tabLst/>
                       </a:pPr>
                       <a:r>
-                        <a:rPr kumimoji="0" lang="en-US" altLang="zh-CN" sz="1800" b="0" i="0" u="none" strike="noStrike" cap="none" normalizeH="0" baseline="0" dirty="0" smtClean="0">
+                        <a:rPr kumimoji="0" lang="en-US" altLang="zh-CN" sz="1800" b="0" i="0" u="none" strike="noStrike" cap="none" normalizeH="0" baseline="0" dirty="0">
                           <a:ln>
                             <a:noFill/>
                           </a:ln>
@@ -31452,7 +31099,7 @@
                         </a:rPr>
                         <a:t>}</a:t>
                       </a:r>
-                      <a:endParaRPr kumimoji="0" lang="zh-CN" altLang="zh-CN" sz="1800" b="0" i="0" u="none" strike="noStrike" cap="none" normalizeH="0" baseline="0" dirty="0" smtClean="0">
+                      <a:endParaRPr kumimoji="0" lang="zh-CN" altLang="zh-CN" sz="1800" b="0" i="0" u="none" strike="noStrike" cap="none" normalizeH="0" baseline="0" dirty="0">
                         <a:ln>
                           <a:noFill/>
                         </a:ln>
@@ -31484,6 +31131,11 @@
                     </a:solidFill>
                   </a:tcPr>
                 </a:tc>
+                <a:extLst>
+                  <a:ext uri="{0D108BD9-81ED-4DB2-BD59-A6C34878D82A}">
+                    <a16:rowId xmlns:a16="http://schemas.microsoft.com/office/drawing/2014/main" val="10000"/>
+                  </a:ext>
+                </a:extLst>
               </a:tr>
             </a:tbl>
           </a:graphicData>
@@ -31624,7 +31276,7 @@
           <a:p>
             <a:pPr eaLnBrk="1" hangingPunct="1"/>
             <a:r>
-              <a:rPr lang="zh-CN" altLang="en-US" smtClean="0"/>
+              <a:rPr lang="zh-CN" altLang="en-US"/>
               <a:t>引言</a:t>
             </a:r>
           </a:p>
@@ -31652,18 +31304,18 @@
           <a:p>
             <a:pPr eaLnBrk="1" hangingPunct="1"/>
             <a:r>
-              <a:rPr kumimoji="1" lang="zh-CN" altLang="en-US" smtClean="0"/>
+              <a:rPr kumimoji="1" lang="zh-CN" altLang="en-US" dirty="0"/>
               <a:t>不够灵活的影院售票系统</a:t>
             </a:r>
-            <a:endParaRPr kumimoji="1" lang="en-US" altLang="zh-CN" smtClean="0"/>
+            <a:endParaRPr kumimoji="1" lang="en-US" altLang="zh-CN" dirty="0"/>
           </a:p>
           <a:p>
             <a:pPr lvl="1" eaLnBrk="1" hangingPunct="1"/>
             <a:r>
-              <a:rPr lang="zh-CN" altLang="en-US" smtClean="0"/>
+              <a:rPr lang="zh-CN" altLang="en-US" dirty="0"/>
               <a:t>问题</a:t>
             </a:r>
-            <a:endParaRPr lang="en-US" altLang="zh-CN" smtClean="0"/>
+            <a:endParaRPr lang="en-US" altLang="zh-CN" dirty="0"/>
           </a:p>
           <a:p>
             <a:pPr lvl="2" eaLnBrk="1" hangingPunct="1">
@@ -31671,25 +31323,25 @@
               <a:buChar char="•"/>
             </a:pPr>
             <a:r>
-              <a:rPr kumimoji="1" lang="en-US" altLang="zh-CN" smtClean="0">
+              <a:rPr kumimoji="1" lang="en-US" altLang="zh-CN" dirty="0">
                 <a:ea typeface="黑体" panose="02010609060101010101" pitchFamily="49" charset="-122"/>
               </a:rPr>
               <a:t>(1) </a:t>
             </a:r>
             <a:r>
-              <a:rPr lang="en-US" altLang="zh-CN" smtClean="0">
+              <a:rPr lang="en-US" altLang="zh-CN" dirty="0" err="1">
                 <a:ea typeface="黑体" panose="02010609060101010101" pitchFamily="49" charset="-122"/>
               </a:rPr>
               <a:t>MovieTicket</a:t>
             </a:r>
             <a:r>
-              <a:rPr lang="zh-CN" altLang="en-US" smtClean="0">
+              <a:rPr lang="zh-CN" altLang="en-US" dirty="0">
                 <a:ea typeface="黑体" panose="02010609060101010101" pitchFamily="49" charset="-122"/>
               </a:rPr>
               <a:t>类的</a:t>
             </a:r>
             <a:r>
-              <a:rPr lang="en-US" altLang="zh-CN" smtClean="0">
+              <a:rPr lang="en-US" altLang="zh-CN" dirty="0">
                 <a:solidFill>
                   <a:srgbClr val="FF3300"/>
                 </a:solidFill>
@@ -31698,7 +31350,7 @@
               <a:t>calculate()</a:t>
             </a:r>
             <a:r>
-              <a:rPr lang="zh-CN" altLang="en-US" smtClean="0">
+              <a:rPr lang="zh-CN" altLang="en-US" dirty="0">
                 <a:solidFill>
                   <a:srgbClr val="FF3300"/>
                 </a:solidFill>
@@ -31707,13 +31359,13 @@
               <a:t>方法非常庞大</a:t>
             </a:r>
             <a:r>
-              <a:rPr lang="zh-CN" altLang="en-US" smtClean="0">
+              <a:rPr lang="zh-CN" altLang="en-US" dirty="0">
                 <a:ea typeface="黑体" panose="02010609060101010101" pitchFamily="49" charset="-122"/>
               </a:rPr>
               <a:t>，它包含各种打折算法的实现代码，在代码中出现了</a:t>
             </a:r>
             <a:r>
-              <a:rPr lang="zh-CN" altLang="en-US" smtClean="0">
+              <a:rPr lang="zh-CN" altLang="en-US" dirty="0">
                 <a:solidFill>
                   <a:srgbClr val="FF3300"/>
                 </a:solidFill>
@@ -31721,7 +31373,7 @@
               </a:rPr>
               <a:t>较长的条件转移语句，不利于测试和维护</a:t>
             </a:r>
-            <a:endParaRPr lang="en-US" altLang="zh-CN" smtClean="0">
+            <a:endParaRPr lang="en-US" altLang="zh-CN" dirty="0">
               <a:solidFill>
                 <a:srgbClr val="FF3300"/>
               </a:solidFill>
@@ -31734,31 +31386,31 @@
               <a:buChar char="•"/>
             </a:pPr>
             <a:r>
-              <a:rPr lang="en-US" altLang="zh-CN" smtClean="0">
+              <a:rPr lang="en-US" altLang="zh-CN" dirty="0">
                 <a:ea typeface="黑体" panose="02010609060101010101" pitchFamily="49" charset="-122"/>
               </a:rPr>
               <a:t>(2) </a:t>
             </a:r>
             <a:r>
-              <a:rPr lang="zh-CN" altLang="en-US" smtClean="0">
+              <a:rPr lang="zh-CN" altLang="en-US" dirty="0">
                 <a:ea typeface="黑体" panose="02010609060101010101" pitchFamily="49" charset="-122"/>
               </a:rPr>
               <a:t>在增加新的打折算法或者对原有打折算法进行修改时必须修改</a:t>
             </a:r>
             <a:r>
-              <a:rPr lang="en-US" altLang="zh-CN" smtClean="0">
+              <a:rPr lang="en-US" altLang="zh-CN" dirty="0" err="1">
                 <a:ea typeface="黑体" panose="02010609060101010101" pitchFamily="49" charset="-122"/>
               </a:rPr>
               <a:t>MovieTicket</a:t>
             </a:r>
             <a:r>
-              <a:rPr lang="zh-CN" altLang="en-US" smtClean="0">
+              <a:rPr lang="zh-CN" altLang="en-US" dirty="0">
                 <a:ea typeface="黑体" panose="02010609060101010101" pitchFamily="49" charset="-122"/>
               </a:rPr>
               <a:t>类的源代码，</a:t>
             </a:r>
             <a:r>
-              <a:rPr lang="zh-CN" altLang="en-US" smtClean="0">
+              <a:rPr lang="zh-CN" altLang="en-US" dirty="0">
                 <a:solidFill>
                   <a:srgbClr val="FF3300"/>
                 </a:solidFill>
@@ -31766,7 +31418,7 @@
               </a:rPr>
               <a:t>系统的灵活性和可扩展性较差</a:t>
             </a:r>
-            <a:endParaRPr lang="en-US" altLang="zh-CN" smtClean="0">
+            <a:endParaRPr lang="en-US" altLang="zh-CN" dirty="0">
               <a:solidFill>
                 <a:srgbClr val="FF3300"/>
               </a:solidFill>
@@ -31779,19 +31431,19 @@
               <a:buChar char="•"/>
             </a:pPr>
             <a:r>
-              <a:rPr lang="en-US" altLang="zh-CN" smtClean="0">
+              <a:rPr lang="en-US" altLang="zh-CN" dirty="0">
                 <a:ea typeface="黑体" panose="02010609060101010101" pitchFamily="49" charset="-122"/>
               </a:rPr>
               <a:t>(</a:t>
             </a:r>
             <a:r>
-              <a:rPr lang="en-US" altLang="en-US" smtClean="0">
+              <a:rPr lang="en-US" altLang="en-US" dirty="0">
                 <a:ea typeface="黑体" panose="02010609060101010101" pitchFamily="49" charset="-122"/>
               </a:rPr>
               <a:t>3) </a:t>
             </a:r>
             <a:r>
-              <a:rPr lang="zh-CN" altLang="en-US" smtClean="0">
+              <a:rPr lang="zh-CN" altLang="en-US" dirty="0">
                 <a:solidFill>
                   <a:srgbClr val="FF3300"/>
                 </a:solidFill>
@@ -31800,7 +31452,7 @@
               <a:t>算法的复用性差</a:t>
             </a:r>
             <a:r>
-              <a:rPr lang="zh-CN" altLang="en-US" smtClean="0">
+              <a:rPr lang="zh-CN" altLang="en-US" dirty="0">
                 <a:ea typeface="黑体" panose="02010609060101010101" pitchFamily="49" charset="-122"/>
               </a:rPr>
               <a:t>，如果另一个系统需要重用某些打折算法，只能通过对源代码进行复制粘贴来重用，无法单独重用其中的某个或某些算法</a:t>
@@ -31811,7 +31463,7 @@
               <a:buFont typeface="Wingdings" panose="05000000000000000000" pitchFamily="2" charset="2"/>
               <a:buChar char="Ø"/>
             </a:pPr>
-            <a:endParaRPr lang="zh-CN" altLang="en-US" sz="2200" smtClean="0">
+            <a:endParaRPr lang="zh-CN" altLang="en-US" sz="2200" dirty="0">
               <a:ea typeface="黑体" panose="02010609060101010101" pitchFamily="49" charset="-122"/>
             </a:endParaRPr>
           </a:p>
@@ -31820,70 +31472,16 @@
               <a:buFont typeface="Wingdings" panose="05000000000000000000" pitchFamily="2" charset="2"/>
               <a:buChar char="Ø"/>
             </a:pPr>
-            <a:endParaRPr lang="zh-CN" altLang="en-US" sz="2400" smtClean="0">
+            <a:endParaRPr lang="zh-CN" altLang="en-US" sz="2400" dirty="0">
               <a:ea typeface="黑体" panose="02010609060101010101" pitchFamily="49" charset="-122"/>
             </a:endParaRPr>
           </a:p>
           <a:p>
             <a:pPr lvl="1" eaLnBrk="1" hangingPunct="1"/>
-            <a:endParaRPr lang="en-US" altLang="zh-CN" b="0" smtClean="0"/>
+            <a:endParaRPr lang="en-US" altLang="zh-CN" b="0" dirty="0"/>
           </a:p>
         </p:txBody>
       </p:sp>
-      <p:pic>
-        <p:nvPicPr>
-          <p:cNvPr id="5" name="图片 4" descr="2011420168609.jpg"/>
-          <p:cNvPicPr>
-            <a:picLocks noChangeAspect="1"/>
-          </p:cNvPicPr>
-          <p:nvPr/>
-        </p:nvPicPr>
-        <p:blipFill>
-          <a:blip r:embed="rId2">
-            <a:extLst>
-              <a:ext uri="{28A0092B-C50C-407E-A947-70E740481C1C}">
-                <a14:useLocalDpi xmlns:a14="http://schemas.microsoft.com/office/drawing/2010/main" val="0"/>
-              </a:ext>
-            </a:extLst>
-          </a:blip>
-          <a:srcRect l="18616" r="23232"/>
-          <a:stretch>
-            <a:fillRect/>
-          </a:stretch>
-        </p:blipFill>
-        <p:spPr bwMode="auto">
-          <a:xfrm>
-            <a:off x="2590800" y="1828800"/>
-            <a:ext cx="3648075" cy="4343400"/>
-          </a:xfrm>
-          <a:prstGeom prst="rect">
-            <a:avLst/>
-          </a:prstGeom>
-          <a:noFill/>
-          <a:ln>
-            <a:noFill/>
-          </a:ln>
-          <a:extLst>
-            <a:ext uri="{909E8E84-426E-40DD-AFC4-6F175D3DCCD1}">
-              <a14:hiddenFill xmlns:a14="http://schemas.microsoft.com/office/drawing/2010/main">
-                <a:solidFill>
-                  <a:srgbClr val="FFFFFF"/>
-                </a:solidFill>
-              </a14:hiddenFill>
-            </a:ext>
-            <a:ext uri="{91240B29-F687-4F45-9708-019B960494DF}">
-              <a14:hiddenLine xmlns:a14="http://schemas.microsoft.com/office/drawing/2010/main" w="9525">
-                <a:solidFill>
-                  <a:srgbClr val="000000"/>
-                </a:solidFill>
-                <a:miter lim="800000"/>
-                <a:headEnd/>
-                <a:tailEnd/>
-              </a14:hiddenLine>
-            </a:ext>
-          </a:extLst>
-        </p:spPr>
-      </p:pic>
     </p:spTree>
     <p:extLst>
       <p:ext uri="{BB962C8B-B14F-4D97-AF65-F5344CB8AC3E}">
@@ -31894,127 +31492,6 @@
   <p:clrMapOvr>
     <a:masterClrMapping/>
   </p:clrMapOvr>
-  <p:timing>
-    <p:tnLst>
-      <p:par>
-        <p:cTn id="1" dur="indefinite" restart="never" nodeType="tmRoot">
-          <p:childTnLst>
-            <p:seq concurrent="1" nextAc="seek">
-              <p:cTn id="2" dur="indefinite" nodeType="mainSeq">
-                <p:childTnLst>
-                  <p:par>
-                    <p:cTn id="3" fill="hold" nodeType="clickPar">
-                      <p:stCondLst>
-                        <p:cond delay="indefinite"/>
-                      </p:stCondLst>
-                      <p:childTnLst>
-                        <p:par>
-                          <p:cTn id="4" fill="hold" nodeType="withGroup">
-                            <p:stCondLst>
-                              <p:cond delay="0"/>
-                            </p:stCondLst>
-                            <p:childTnLst>
-                              <p:par>
-                                <p:cTn id="5" presetID="17" presetClass="entr" presetSubtype="10" fill="hold" nodeType="clickEffect">
-                                  <p:stCondLst>
-                                    <p:cond delay="0"/>
-                                  </p:stCondLst>
-                                  <p:childTnLst>
-                                    <p:set>
-                                      <p:cBhvr>
-                                        <p:cTn id="6" dur="1" fill="hold">
-                                          <p:stCondLst>
-                                            <p:cond delay="0"/>
-                                          </p:stCondLst>
-                                        </p:cTn>
-                                        <p:tgtEl>
-                                          <p:spTgt spid="5"/>
-                                        </p:tgtEl>
-                                        <p:attrNameLst>
-                                          <p:attrName>style.visibility</p:attrName>
-                                        </p:attrNameLst>
-                                      </p:cBhvr>
-                                      <p:to>
-                                        <p:strVal val="visible"/>
-                                      </p:to>
-                                    </p:set>
-                                    <p:anim calcmode="lin" valueType="num">
-                                      <p:cBhvr>
-                                        <p:cTn id="7" dur="500" fill="hold"/>
-                                        <p:tgtEl>
-                                          <p:spTgt spid="5"/>
-                                        </p:tgtEl>
-                                        <p:attrNameLst>
-                                          <p:attrName>ppt_w</p:attrName>
-                                        </p:attrNameLst>
-                                      </p:cBhvr>
-                                      <p:tavLst>
-                                        <p:tav tm="0">
-                                          <p:val>
-                                            <p:fltVal val="0"/>
-                                          </p:val>
-                                        </p:tav>
-                                        <p:tav tm="100000">
-                                          <p:val>
-                                            <p:strVal val="#ppt_w"/>
-                                          </p:val>
-                                        </p:tav>
-                                      </p:tavLst>
-                                    </p:anim>
-                                    <p:anim calcmode="lin" valueType="num">
-                                      <p:cBhvr>
-                                        <p:cTn id="8" dur="500" fill="hold"/>
-                                        <p:tgtEl>
-                                          <p:spTgt spid="5"/>
-                                        </p:tgtEl>
-                                        <p:attrNameLst>
-                                          <p:attrName>ppt_h</p:attrName>
-                                        </p:attrNameLst>
-                                      </p:cBhvr>
-                                      <p:tavLst>
-                                        <p:tav tm="0">
-                                          <p:val>
-                                            <p:strVal val="#ppt_h"/>
-                                          </p:val>
-                                        </p:tav>
-                                        <p:tav tm="100000">
-                                          <p:val>
-                                            <p:strVal val="#ppt_h"/>
-                                          </p:val>
-                                        </p:tav>
-                                      </p:tavLst>
-                                    </p:anim>
-                                  </p:childTnLst>
-                                </p:cTn>
-                              </p:par>
-                            </p:childTnLst>
-                          </p:cTn>
-                        </p:par>
-                      </p:childTnLst>
-                    </p:cTn>
-                  </p:par>
-                </p:childTnLst>
-              </p:cTn>
-              <p:prevCondLst>
-                <p:cond evt="onPrev" delay="0">
-                  <p:tgtEl>
-                    <p:sldTgt/>
-                  </p:tgtEl>
-                </p:cond>
-              </p:prevCondLst>
-              <p:nextCondLst>
-                <p:cond evt="onNext" delay="0">
-                  <p:tgtEl>
-                    <p:sldTgt/>
-                  </p:tgtEl>
-                </p:cond>
-              </p:nextCondLst>
-            </p:seq>
-          </p:childTnLst>
-        </p:cTn>
-      </p:par>
-    </p:tnLst>
-  </p:timing>
 </p:sld>
 </file>
 
